--- a/PPT/python3.pptx
+++ b/PPT/python3.pptx
@@ -146,7 +146,7 @@
 <file path=ppt/revisionInfo.xml><?xml version="1.0" encoding="utf-8"?>
 <p1510:revInfo xmlns:a="http://schemas.openxmlformats.org/drawingml/2006/main" xmlns:r="http://schemas.openxmlformats.org/officeDocument/2006/relationships" xmlns:p1510="http://schemas.microsoft.com/office/powerpoint/2015/10/main">
   <p1510:revLst>
-    <p1510:client id="{87D85EC6-ED1F-4281-828A-5E21384E7B80}" v="1542" dt="2023-05-06T20:31:18.519"/>
+    <p1510:client id="{87D85EC6-ED1F-4281-828A-5E21384E7B80}" v="1543" dt="2023-05-16T03:54:46.903"/>
   </p1510:revLst>
 </p1510:revInfo>
 </file>
@@ -2452,7 +2452,7 @@
   <pc:docChgLst>
     <pc:chgData name="Scruel Tao" userId="5ea5c98d59b44d4b" providerId="LiveId" clId="{87D85EC6-ED1F-4281-828A-5E21384E7B80}"/>
     <pc:docChg chg="undo redo custSel addSld delSld modSld sldOrd modMainMaster">
-      <pc:chgData name="Scruel Tao" userId="5ea5c98d59b44d4b" providerId="LiveId" clId="{87D85EC6-ED1F-4281-828A-5E21384E7B80}" dt="2023-05-06T20:31:18.519" v="5393"/>
+      <pc:chgData name="Scruel Tao" userId="5ea5c98d59b44d4b" providerId="LiveId" clId="{87D85EC6-ED1F-4281-828A-5E21384E7B80}" dt="2023-05-16T03:54:52.730" v="5395" actId="478"/>
       <pc:docMkLst>
         <pc:docMk/>
       </pc:docMkLst>
@@ -2487,11 +2487,19 @@
         </pc:sldMkLst>
       </pc:sldChg>
       <pc:sldChg chg="addSp delSp modSp mod modTransition">
-        <pc:chgData name="Scruel Tao" userId="5ea5c98d59b44d4b" providerId="LiveId" clId="{87D85EC6-ED1F-4281-828A-5E21384E7B80}" dt="2023-05-05T14:22:08.010" v="4973"/>
+        <pc:chgData name="Scruel Tao" userId="5ea5c98d59b44d4b" providerId="LiveId" clId="{87D85EC6-ED1F-4281-828A-5E21384E7B80}" dt="2023-05-16T03:54:52.730" v="5395" actId="478"/>
         <pc:sldMkLst>
           <pc:docMk/>
           <pc:sldMk cId="0" sldId="260"/>
         </pc:sldMkLst>
+        <pc:spChg chg="del mod">
+          <ac:chgData name="Scruel Tao" userId="5ea5c98d59b44d4b" providerId="LiveId" clId="{87D85EC6-ED1F-4281-828A-5E21384E7B80}" dt="2023-05-16T03:54:52.730" v="5395" actId="478"/>
+          <ac:spMkLst>
+            <pc:docMk/>
+            <pc:sldMk cId="0" sldId="260"/>
+            <ac:spMk id="2" creationId="{51B8E4C0-E15B-4BD0-7B5B-A44A3D5B0C34}"/>
+          </ac:spMkLst>
+        </pc:spChg>
         <pc:spChg chg="del">
           <ac:chgData name="Scruel Tao" userId="5ea5c98d59b44d4b" providerId="LiveId" clId="{87D85EC6-ED1F-4281-828A-5E21384E7B80}" dt="2023-05-03T00:07:19.293" v="4645" actId="478"/>
           <ac:spMkLst>
@@ -3893,7 +3901,7 @@
         </pc:spChg>
       </pc:sldChg>
       <pc:sldMasterChg chg="modTransition modSldLayout">
-        <pc:chgData name="Scruel Tao" userId="5ea5c98d59b44d4b" providerId="LiveId" clId="{87D85EC6-ED1F-4281-828A-5E21384E7B80}" dt="2023-05-05T14:22:08.010" v="4973"/>
+        <pc:chgData name="Scruel Tao" userId="5ea5c98d59b44d4b" providerId="LiveId" clId="{87D85EC6-ED1F-4281-828A-5E21384E7B80}" dt="2023-05-16T03:54:46.903" v="5394" actId="478"/>
         <pc:sldMasterMkLst>
           <pc:docMk/>
           <pc:sldMasterMk cId="1766057859" sldId="2147483648"/>
@@ -4049,13 +4057,22 @@
             <pc:sldLayoutMk cId="1976972956" sldId="2147483659"/>
           </pc:sldLayoutMkLst>
         </pc:sldLayoutChg>
-        <pc:sldLayoutChg chg="modTransition">
-          <pc:chgData name="Scruel Tao" userId="5ea5c98d59b44d4b" providerId="LiveId" clId="{87D85EC6-ED1F-4281-828A-5E21384E7B80}" dt="2023-05-05T14:22:08.010" v="4973"/>
+        <pc:sldLayoutChg chg="delSp modTransition">
+          <pc:chgData name="Scruel Tao" userId="5ea5c98d59b44d4b" providerId="LiveId" clId="{87D85EC6-ED1F-4281-828A-5E21384E7B80}" dt="2023-05-16T03:54:46.903" v="5394" actId="478"/>
           <pc:sldLayoutMkLst>
             <pc:docMk/>
             <pc:sldMasterMk cId="1766057859" sldId="2147483648"/>
             <pc:sldLayoutMk cId="1337634028" sldId="2147483660"/>
           </pc:sldLayoutMkLst>
+          <pc:spChg chg="del">
+            <ac:chgData name="Scruel Tao" userId="5ea5c98d59b44d4b" providerId="LiveId" clId="{87D85EC6-ED1F-4281-828A-5E21384E7B80}" dt="2023-05-16T03:54:46.903" v="5394" actId="478"/>
+            <ac:spMkLst>
+              <pc:docMk/>
+              <pc:sldMasterMk cId="1766057859" sldId="2147483648"/>
+              <pc:sldLayoutMk cId="1337634028" sldId="2147483660"/>
+              <ac:spMk id="19472" creationId="{BD0BF484-93B1-9A87-952A-7D5E9B29C38D}"/>
+            </ac:spMkLst>
+          </pc:spChg>
         </pc:sldLayoutChg>
       </pc:sldMasterChg>
     </pc:docChg>
@@ -4157,7 +4174,7 @@
           <a:p>
             <a:fld id="{AC7E1972-C479-4420-A687-8FB83BA90DEB}" type="datetimeFigureOut">
               <a:rPr lang="zh-CN" altLang="en-US" smtClean="0"/>
-              <a:t>2023/5/7</a:t>
+              <a:t>2023/5/16</a:t>
             </a:fld>
             <a:endParaRPr lang="zh-CN" altLang="en-US"/>
           </a:p>
@@ -4334,7 +4351,7 @@
           <a:p>
             <a:fld id="{89B7AB8D-BCC0-43C6-B24C-055A25DB558F}" type="datetimeFigureOut">
               <a:rPr lang="zh-CN" altLang="en-US" smtClean="0"/>
-              <a:t>2023/5/7</a:t>
+              <a:t>2023/5/15</a:t>
             </a:fld>
             <a:endParaRPr lang="zh-CN" altLang="en-US"/>
           </a:p>
@@ -6735,7 +6752,7 @@
           <a:p>
             <a:fld id="{F721228B-0167-4061-A906-8575043315EE}" type="datetimeFigureOut">
               <a:rPr lang="zh-CN" altLang="en-US" smtClean="0"/>
-              <a:t>2023/5/7</a:t>
+              <a:t>2023/5/15</a:t>
             </a:fld>
             <a:endParaRPr lang="zh-CN" altLang="en-US"/>
           </a:p>
@@ -6945,7 +6962,7 @@
           <a:p>
             <a:fld id="{F721228B-0167-4061-A906-8575043315EE}" type="datetimeFigureOut">
               <a:rPr lang="zh-CN" altLang="en-US" smtClean="0"/>
-              <a:t>2023/5/7</a:t>
+              <a:t>2023/5/15</a:t>
             </a:fld>
             <a:endParaRPr lang="zh-CN" altLang="en-US"/>
           </a:p>
@@ -7165,7 +7182,7 @@
           <a:p>
             <a:fld id="{F721228B-0167-4061-A906-8575043315EE}" type="datetimeFigureOut">
               <a:rPr lang="zh-CN" altLang="en-US" smtClean="0"/>
-              <a:t>2023/5/7</a:t>
+              <a:t>2023/5/15</a:t>
             </a:fld>
             <a:endParaRPr lang="zh-CN" altLang="en-US"/>
           </a:p>
@@ -7267,58 +7284,6 @@
           <a:chExt cx="0" cy="0"/>
         </a:xfrm>
       </p:grpSpPr>
-      <p:sp>
-        <p:nvSpPr>
-          <p:cNvPr id="19472" name="Rectangle 16">
-            <a:extLst>
-              <a:ext uri="{FF2B5EF4-FFF2-40B4-BE49-F238E27FC236}">
-                <a16:creationId xmlns:a16="http://schemas.microsoft.com/office/drawing/2014/main" id="{BD0BF484-93B1-9A87-952A-7D5E9B29C38D}"/>
-              </a:ext>
-            </a:extLst>
-          </p:cNvPr>
-          <p:cNvSpPr>
-            <a:spLocks noGrp="1" noChangeArrowheads="1"/>
-          </p:cNvSpPr>
-          <p:nvPr>
-            <p:ph type="sldNum" sz="quarter" idx="4"/>
-          </p:nvPr>
-        </p:nvSpPr>
-        <p:spPr>
-          <a:xfrm>
-            <a:off x="11582400" y="6486525"/>
-            <a:ext cx="609600" cy="381000"/>
-          </a:xfrm>
-          <a:extLst>
-            <a:ext uri="{909E8E84-426E-40DD-AFC4-6F175D3DCCD1}">
-              <a14:hiddenFill xmlns:a14="http://schemas.microsoft.com/office/drawing/2010/main">
-                <a:solidFill>
-                  <a:schemeClr val="bg1"/>
-                </a:solidFill>
-              </a14:hiddenFill>
-            </a:ext>
-          </a:extLst>
-        </p:spPr>
-        <p:txBody>
-          <a:bodyPr/>
-          <a:lstStyle>
-            <a:lvl1pPr>
-              <a:defRPr>
-                <a:solidFill>
-                  <a:schemeClr val="bg1"/>
-                </a:solidFill>
-              </a:defRPr>
-            </a:lvl1pPr>
-          </a:lstStyle>
-          <a:p>
-            <a:fld id="{2715ED00-090C-4140-8C2E-A7E232A15EA9}" type="slidenum">
-              <a:rPr lang="en-US" altLang="zh-CN"/>
-              <a:pPr/>
-              <a:t>‹#›</a:t>
-            </a:fld>
-            <a:endParaRPr lang="en-US" altLang="zh-CN"/>
-          </a:p>
-        </p:txBody>
-      </p:sp>
       <p:sp>
         <p:nvSpPr>
           <p:cNvPr id="19483" name="Rectangle 27">
@@ -7714,7 +7679,7 @@
           <a:p>
             <a:fld id="{F721228B-0167-4061-A906-8575043315EE}" type="datetimeFigureOut">
               <a:rPr lang="zh-CN" altLang="en-US" smtClean="0"/>
-              <a:t>2023/5/7</a:t>
+              <a:t>2023/5/15</a:t>
             </a:fld>
             <a:endParaRPr lang="zh-CN" altLang="en-US"/>
           </a:p>
@@ -8050,7 +8015,7 @@
           <a:p>
             <a:fld id="{F721228B-0167-4061-A906-8575043315EE}" type="datetimeFigureOut">
               <a:rPr lang="zh-CN" altLang="en-US" smtClean="0"/>
-              <a:t>2023/5/7</a:t>
+              <a:t>2023/5/15</a:t>
             </a:fld>
             <a:endParaRPr lang="zh-CN" altLang="en-US"/>
           </a:p>
@@ -8408,7 +8373,7 @@
           <a:p>
             <a:fld id="{F721228B-0167-4061-A906-8575043315EE}" type="datetimeFigureOut">
               <a:rPr lang="zh-CN" altLang="en-US" smtClean="0"/>
-              <a:t>2023/5/7</a:t>
+              <a:t>2023/5/15</a:t>
             </a:fld>
             <a:endParaRPr lang="zh-CN" altLang="en-US"/>
           </a:p>
@@ -8881,7 +8846,7 @@
           <a:p>
             <a:fld id="{F721228B-0167-4061-A906-8575043315EE}" type="datetimeFigureOut">
               <a:rPr lang="zh-CN" altLang="en-US" smtClean="0"/>
-              <a:t>2023/5/7</a:t>
+              <a:t>2023/5/15</a:t>
             </a:fld>
             <a:endParaRPr lang="zh-CN" altLang="en-US"/>
           </a:p>
@@ -9034,7 +8999,7 @@
           <a:p>
             <a:fld id="{F721228B-0167-4061-A906-8575043315EE}" type="datetimeFigureOut">
               <a:rPr lang="zh-CN" altLang="en-US" smtClean="0"/>
-              <a:t>2023/5/7</a:t>
+              <a:t>2023/5/15</a:t>
             </a:fld>
             <a:endParaRPr lang="zh-CN" altLang="en-US"/>
           </a:p>
@@ -9159,7 +9124,7 @@
           <a:p>
             <a:fld id="{F721228B-0167-4061-A906-8575043315EE}" type="datetimeFigureOut">
               <a:rPr lang="zh-CN" altLang="en-US" smtClean="0"/>
-              <a:t>2023/5/7</a:t>
+              <a:t>2023/5/15</a:t>
             </a:fld>
             <a:endParaRPr lang="zh-CN" altLang="en-US"/>
           </a:p>
@@ -9482,7 +9447,7 @@
           <a:p>
             <a:fld id="{F721228B-0167-4061-A906-8575043315EE}" type="datetimeFigureOut">
               <a:rPr lang="zh-CN" altLang="en-US" smtClean="0"/>
-              <a:t>2023/5/7</a:t>
+              <a:t>2023/5/15</a:t>
             </a:fld>
             <a:endParaRPr lang="zh-CN" altLang="en-US"/>
           </a:p>
@@ -9782,7 +9747,7 @@
           <a:p>
             <a:fld id="{F721228B-0167-4061-A906-8575043315EE}" type="datetimeFigureOut">
               <a:rPr lang="zh-CN" altLang="en-US" smtClean="0"/>
-              <a:t>2023/5/7</a:t>
+              <a:t>2023/5/15</a:t>
             </a:fld>
             <a:endParaRPr lang="zh-CN" altLang="en-US"/>
           </a:p>
@@ -10035,7 +10000,7 @@
           <a:p>
             <a:fld id="{F721228B-0167-4061-A906-8575043315EE}" type="datetimeFigureOut">
               <a:rPr lang="zh-CN" altLang="en-US" smtClean="0"/>
-              <a:t>2023/5/7</a:t>
+              <a:t>2023/5/15</a:t>
             </a:fld>
             <a:endParaRPr lang="zh-CN" altLang="en-US"/>
           </a:p>
@@ -10473,36 +10438,6 @@
           <a:chExt cx="0" cy="0"/>
         </a:xfrm>
       </p:grpSpPr>
-      <p:sp>
-        <p:nvSpPr>
-          <p:cNvPr id="2" name="Rectangle 16">
-            <a:extLst>
-              <a:ext uri="{FF2B5EF4-FFF2-40B4-BE49-F238E27FC236}">
-                <a16:creationId xmlns:a16="http://schemas.microsoft.com/office/drawing/2014/main" id="{51B8E4C0-E15B-4BD0-7B5B-A44A3D5B0C34}"/>
-              </a:ext>
-            </a:extLst>
-          </p:cNvPr>
-          <p:cNvSpPr>
-            <a:spLocks noGrp="1" noChangeArrowheads="1"/>
-          </p:cNvSpPr>
-          <p:nvPr>
-            <p:ph type="sldNum" sz="quarter" idx="4"/>
-          </p:nvPr>
-        </p:nvSpPr>
-        <p:spPr/>
-        <p:txBody>
-          <a:bodyPr/>
-          <a:lstStyle/>
-          <a:p>
-            <a:fld id="{142851DF-B74D-4AE2-884A-1FB97A3CB7E1}" type="slidenum">
-              <a:rPr lang="en-US" altLang="zh-CN"/>
-              <a:pPr/>
-              <a:t>1</a:t>
-            </a:fld>
-            <a:endParaRPr lang="en-US" altLang="zh-CN"/>
-          </a:p>
-        </p:txBody>
-      </p:sp>
       <p:sp>
         <p:nvSpPr>
           <p:cNvPr id="1227783" name="Rectangle 7">
@@ -14539,13 +14474,13 @@
   <p:clrMapOvr>
     <a:masterClrMapping/>
   </p:clrMapOvr>
-  <mc:AlternateContent xmlns:mc="http://schemas.openxmlformats.org/markup-compatibility/2006">
-    <mc:Choice xmlns:p14="http://schemas.microsoft.com/office/powerpoint/2010/main" Requires="p14">
+  <mc:AlternateContent xmlns:mc="http://schemas.openxmlformats.org/markup-compatibility/2006" xmlns:p14="http://schemas.microsoft.com/office/powerpoint/2010/main">
+    <mc:Choice Requires="p14">
       <p:transition spd="med" p14:dur="700">
         <p:fade/>
       </p:transition>
     </mc:Choice>
-    <mc:Fallback>
+    <mc:Fallback xmlns="">
       <p:transition spd="med">
         <p:fade/>
       </p:transition>

--- a/PPT/python3.pptx
+++ b/PPT/python3.pptx
@@ -2452,7 +2452,7 @@
   <pc:docChgLst>
     <pc:chgData name="Scruel Tao" userId="5ea5c98d59b44d4b" providerId="LiveId" clId="{87D85EC6-ED1F-4281-828A-5E21384E7B80}"/>
     <pc:docChg chg="undo redo custSel addSld delSld modSld sldOrd modMainMaster">
-      <pc:chgData name="Scruel Tao" userId="5ea5c98d59b44d4b" providerId="LiveId" clId="{87D85EC6-ED1F-4281-828A-5E21384E7B80}" dt="2023-05-16T03:54:52.730" v="5395" actId="478"/>
+      <pc:chgData name="Scruel Tao" userId="5ea5c98d59b44d4b" providerId="LiveId" clId="{87D85EC6-ED1F-4281-828A-5E21384E7B80}" dt="2023-05-27T08:35:23.926" v="5522" actId="20577"/>
       <pc:docMkLst>
         <pc:docMk/>
       </pc:docMkLst>
@@ -3404,8 +3404,8 @@
           </ac:spMkLst>
         </pc:spChg>
       </pc:sldChg>
-      <pc:sldChg chg="delSp modSp add mod modTransition modAnim">
-        <pc:chgData name="Scruel Tao" userId="5ea5c98d59b44d4b" providerId="LiveId" clId="{87D85EC6-ED1F-4281-828A-5E21384E7B80}" dt="2023-05-06T20:31:18.519" v="5393"/>
+      <pc:sldChg chg="delSp modSp add mod modTransition modAnim modNotesTx">
+        <pc:chgData name="Scruel Tao" userId="5ea5c98d59b44d4b" providerId="LiveId" clId="{87D85EC6-ED1F-4281-828A-5E21384E7B80}" dt="2023-05-27T08:35:23.926" v="5522" actId="20577"/>
         <pc:sldMkLst>
           <pc:docMk/>
           <pc:sldMk cId="4256083853" sldId="294"/>
@@ -4174,7 +4174,7 @@
           <a:p>
             <a:fld id="{AC7E1972-C479-4420-A687-8FB83BA90DEB}" type="datetimeFigureOut">
               <a:rPr lang="zh-CN" altLang="en-US" smtClean="0"/>
-              <a:t>2023/5/16</a:t>
+              <a:t>2023/5/27</a:t>
             </a:fld>
             <a:endParaRPr lang="zh-CN" altLang="en-US"/>
           </a:p>
@@ -4351,7 +4351,7 @@
           <a:p>
             <a:fld id="{89B7AB8D-BCC0-43C6-B24C-055A25DB558F}" type="datetimeFigureOut">
               <a:rPr lang="zh-CN" altLang="en-US" smtClean="0"/>
-              <a:t>2023/5/15</a:t>
+              <a:t>2023/5/27</a:t>
             </a:fld>
             <a:endParaRPr lang="zh-CN" altLang="en-US"/>
           </a:p>
@@ -5806,7 +5806,54 @@
           <a:bodyPr/>
           <a:lstStyle/>
           <a:p>
-            <a:endParaRPr lang="zh-CN" altLang="en-US" dirty="0"/>
+            <a:r>
+              <a:rPr lang="zh-CN" altLang="en-US"/>
+              <a:t>这便是 </a:t>
+            </a:r>
+            <a:r>
+              <a:rPr lang="en-US" altLang="zh-CN"/>
+              <a:t>Python </a:t>
+            </a:r>
+            <a:r>
+              <a:rPr lang="zh-CN" altLang="en-US" dirty="0"/>
+              <a:t>的</a:t>
+            </a:r>
+            <a:r>
+              <a:rPr lang="zh-CN" altLang="zh-CN" dirty="0"/>
+              <a:t>交互式解释器</a:t>
+            </a:r>
+            <a:r>
+              <a:rPr lang="en-US" altLang="zh-CN" dirty="0"/>
+              <a:t> REPL</a:t>
+            </a:r>
+            <a:r>
+              <a:rPr lang="zh-CN" altLang="en-US" dirty="0"/>
+              <a:t>（</a:t>
+            </a:r>
+            <a:r>
+              <a:rPr lang="en-US" altLang="zh-CN" dirty="0"/>
+              <a:t>read-eval-print loop</a:t>
+            </a:r>
+            <a:r>
+              <a:rPr lang="zh-CN" altLang="en-US" dirty="0"/>
+              <a:t>，“读取</a:t>
+            </a:r>
+            <a:r>
+              <a:rPr lang="en-US" altLang="zh-CN" dirty="0"/>
+              <a:t>-</a:t>
+            </a:r>
+            <a:r>
+              <a:rPr lang="zh-CN" altLang="en-US" dirty="0"/>
+              <a:t>求职</a:t>
+            </a:r>
+            <a:r>
+              <a:rPr lang="en-US" altLang="zh-CN" dirty="0"/>
+              <a:t>-</a:t>
+            </a:r>
+            <a:r>
+              <a:rPr lang="zh-CN" altLang="en-US" dirty="0"/>
+              <a:t>输出”循环）</a:t>
+            </a:r>
           </a:p>
         </p:txBody>
       </p:sp>
@@ -6752,7 +6799,7 @@
           <a:p>
             <a:fld id="{F721228B-0167-4061-A906-8575043315EE}" type="datetimeFigureOut">
               <a:rPr lang="zh-CN" altLang="en-US" smtClean="0"/>
-              <a:t>2023/5/15</a:t>
+              <a:t>2023/5/27</a:t>
             </a:fld>
             <a:endParaRPr lang="zh-CN" altLang="en-US"/>
           </a:p>
@@ -6962,7 +7009,7 @@
           <a:p>
             <a:fld id="{F721228B-0167-4061-A906-8575043315EE}" type="datetimeFigureOut">
               <a:rPr lang="zh-CN" altLang="en-US" smtClean="0"/>
-              <a:t>2023/5/15</a:t>
+              <a:t>2023/5/27</a:t>
             </a:fld>
             <a:endParaRPr lang="zh-CN" altLang="en-US"/>
           </a:p>
@@ -7182,7 +7229,7 @@
           <a:p>
             <a:fld id="{F721228B-0167-4061-A906-8575043315EE}" type="datetimeFigureOut">
               <a:rPr lang="zh-CN" altLang="en-US" smtClean="0"/>
-              <a:t>2023/5/15</a:t>
+              <a:t>2023/5/27</a:t>
             </a:fld>
             <a:endParaRPr lang="zh-CN" altLang="en-US"/>
           </a:p>
@@ -7679,7 +7726,7 @@
           <a:p>
             <a:fld id="{F721228B-0167-4061-A906-8575043315EE}" type="datetimeFigureOut">
               <a:rPr lang="zh-CN" altLang="en-US" smtClean="0"/>
-              <a:t>2023/5/15</a:t>
+              <a:t>2023/5/27</a:t>
             </a:fld>
             <a:endParaRPr lang="zh-CN" altLang="en-US"/>
           </a:p>
@@ -8015,7 +8062,7 @@
           <a:p>
             <a:fld id="{F721228B-0167-4061-A906-8575043315EE}" type="datetimeFigureOut">
               <a:rPr lang="zh-CN" altLang="en-US" smtClean="0"/>
-              <a:t>2023/5/15</a:t>
+              <a:t>2023/5/27</a:t>
             </a:fld>
             <a:endParaRPr lang="zh-CN" altLang="en-US"/>
           </a:p>
@@ -8373,7 +8420,7 @@
           <a:p>
             <a:fld id="{F721228B-0167-4061-A906-8575043315EE}" type="datetimeFigureOut">
               <a:rPr lang="zh-CN" altLang="en-US" smtClean="0"/>
-              <a:t>2023/5/15</a:t>
+              <a:t>2023/5/27</a:t>
             </a:fld>
             <a:endParaRPr lang="zh-CN" altLang="en-US"/>
           </a:p>
@@ -8846,7 +8893,7 @@
           <a:p>
             <a:fld id="{F721228B-0167-4061-A906-8575043315EE}" type="datetimeFigureOut">
               <a:rPr lang="zh-CN" altLang="en-US" smtClean="0"/>
-              <a:t>2023/5/15</a:t>
+              <a:t>2023/5/27</a:t>
             </a:fld>
             <a:endParaRPr lang="zh-CN" altLang="en-US"/>
           </a:p>
@@ -8999,7 +9046,7 @@
           <a:p>
             <a:fld id="{F721228B-0167-4061-A906-8575043315EE}" type="datetimeFigureOut">
               <a:rPr lang="zh-CN" altLang="en-US" smtClean="0"/>
-              <a:t>2023/5/15</a:t>
+              <a:t>2023/5/27</a:t>
             </a:fld>
             <a:endParaRPr lang="zh-CN" altLang="en-US"/>
           </a:p>
@@ -9124,7 +9171,7 @@
           <a:p>
             <a:fld id="{F721228B-0167-4061-A906-8575043315EE}" type="datetimeFigureOut">
               <a:rPr lang="zh-CN" altLang="en-US" smtClean="0"/>
-              <a:t>2023/5/15</a:t>
+              <a:t>2023/5/27</a:t>
             </a:fld>
             <a:endParaRPr lang="zh-CN" altLang="en-US"/>
           </a:p>
@@ -9447,7 +9494,7 @@
           <a:p>
             <a:fld id="{F721228B-0167-4061-A906-8575043315EE}" type="datetimeFigureOut">
               <a:rPr lang="zh-CN" altLang="en-US" smtClean="0"/>
-              <a:t>2023/5/15</a:t>
+              <a:t>2023/5/27</a:t>
             </a:fld>
             <a:endParaRPr lang="zh-CN" altLang="en-US"/>
           </a:p>
@@ -9747,7 +9794,7 @@
           <a:p>
             <a:fld id="{F721228B-0167-4061-A906-8575043315EE}" type="datetimeFigureOut">
               <a:rPr lang="zh-CN" altLang="en-US" smtClean="0"/>
-              <a:t>2023/5/15</a:t>
+              <a:t>2023/5/27</a:t>
             </a:fld>
             <a:endParaRPr lang="zh-CN" altLang="en-US"/>
           </a:p>
@@ -10000,7 +10047,7 @@
           <a:p>
             <a:fld id="{F721228B-0167-4061-A906-8575043315EE}" type="datetimeFigureOut">
               <a:rPr lang="zh-CN" altLang="en-US" smtClean="0"/>
-              <a:t>2023/5/15</a:t>
+              <a:t>2023/5/27</a:t>
             </a:fld>
             <a:endParaRPr lang="zh-CN" altLang="en-US"/>
           </a:p>

--- a/PPT/python3.pptx
+++ b/PPT/python3.pptx
@@ -146,7 +146,7 @@
 <file path=ppt/revisionInfo.xml><?xml version="1.0" encoding="utf-8"?>
 <p1510:revInfo xmlns:a="http://schemas.openxmlformats.org/drawingml/2006/main" xmlns:r="http://schemas.openxmlformats.org/officeDocument/2006/relationships" xmlns:p1510="http://schemas.microsoft.com/office/powerpoint/2015/10/main">
   <p1510:revLst>
-    <p1510:client id="{87D85EC6-ED1F-4281-828A-5E21384E7B80}" v="1543" dt="2023-05-16T03:54:46.903"/>
+    <p1510:client id="{87D85EC6-ED1F-4281-828A-5E21384E7B80}" v="1544" dt="2023-05-31T06:47:35.894"/>
   </p1510:revLst>
 </p1510:revInfo>
 </file>
@@ -2452,7 +2452,7 @@
   <pc:docChgLst>
     <pc:chgData name="Scruel Tao" userId="5ea5c98d59b44d4b" providerId="LiveId" clId="{87D85EC6-ED1F-4281-828A-5E21384E7B80}"/>
     <pc:docChg chg="undo redo custSel addSld delSld modSld sldOrd modMainMaster">
-      <pc:chgData name="Scruel Tao" userId="5ea5c98d59b44d4b" providerId="LiveId" clId="{87D85EC6-ED1F-4281-828A-5E21384E7B80}" dt="2023-05-27T08:35:23.926" v="5522" actId="20577"/>
+      <pc:chgData name="Scruel Tao" userId="5ea5c98d59b44d4b" providerId="LiveId" clId="{87D85EC6-ED1F-4281-828A-5E21384E7B80}" dt="2023-05-31T06:49:50.050" v="5540" actId="20577"/>
       <pc:docMkLst>
         <pc:docMk/>
       </pc:docMkLst>
@@ -3405,7 +3405,7 @@
         </pc:spChg>
       </pc:sldChg>
       <pc:sldChg chg="delSp modSp add mod modTransition modAnim modNotesTx">
-        <pc:chgData name="Scruel Tao" userId="5ea5c98d59b44d4b" providerId="LiveId" clId="{87D85EC6-ED1F-4281-828A-5E21384E7B80}" dt="2023-05-27T08:35:23.926" v="5522" actId="20577"/>
+        <pc:chgData name="Scruel Tao" userId="5ea5c98d59b44d4b" providerId="LiveId" clId="{87D85EC6-ED1F-4281-828A-5E21384E7B80}" dt="2023-05-31T06:49:50.050" v="5540" actId="20577"/>
         <pc:sldMkLst>
           <pc:docMk/>
           <pc:sldMk cId="4256083853" sldId="294"/>
@@ -4174,7 +4174,7 @@
           <a:p>
             <a:fld id="{AC7E1972-C479-4420-A687-8FB83BA90DEB}" type="datetimeFigureOut">
               <a:rPr lang="zh-CN" altLang="en-US" smtClean="0"/>
-              <a:t>2023/5/27</a:t>
+              <a:t>2023/5/31</a:t>
             </a:fld>
             <a:endParaRPr lang="zh-CN" altLang="en-US"/>
           </a:p>
@@ -4351,7 +4351,7 @@
           <a:p>
             <a:fld id="{89B7AB8D-BCC0-43C6-B24C-055A25DB558F}" type="datetimeFigureOut">
               <a:rPr lang="zh-CN" altLang="en-US" smtClean="0"/>
-              <a:t>2023/5/27</a:t>
+              <a:t>2023/5/30</a:t>
             </a:fld>
             <a:endParaRPr lang="zh-CN" altLang="en-US"/>
           </a:p>
@@ -5807,11 +5807,11 @@
           <a:lstStyle/>
           <a:p>
             <a:r>
-              <a:rPr lang="zh-CN" altLang="en-US"/>
-              <a:t>这便是 </a:t>
-            </a:r>
-            <a:r>
-              <a:rPr lang="en-US" altLang="zh-CN"/>
+              <a:rPr lang="zh-CN" altLang="en-US" dirty="0"/>
+              <a:t>这是 </a:t>
+            </a:r>
+            <a:r>
+              <a:rPr lang="en-US" altLang="zh-CN" dirty="0"/>
               <a:t>Python </a:t>
             </a:r>
             <a:r>
@@ -5819,12 +5819,16 @@
               <a:t>的</a:t>
             </a:r>
             <a:r>
-              <a:rPr lang="zh-CN" altLang="zh-CN" dirty="0"/>
+              <a:rPr lang="zh-CN" altLang="zh-CN"/>
               <a:t>交互式解释器</a:t>
             </a:r>
             <a:r>
-              <a:rPr lang="en-US" altLang="zh-CN" dirty="0"/>
-              <a:t> REPL</a:t>
+              <a:rPr lang="zh-CN" altLang="en-US"/>
+              <a:t>，即 </a:t>
+            </a:r>
+            <a:r>
+              <a:rPr lang="en-US" altLang="zh-CN"/>
+              <a:t>REPL</a:t>
             </a:r>
             <a:r>
               <a:rPr lang="zh-CN" altLang="en-US" dirty="0"/>
@@ -6799,7 +6803,7 @@
           <a:p>
             <a:fld id="{F721228B-0167-4061-A906-8575043315EE}" type="datetimeFigureOut">
               <a:rPr lang="zh-CN" altLang="en-US" smtClean="0"/>
-              <a:t>2023/5/27</a:t>
+              <a:t>2023/5/30</a:t>
             </a:fld>
             <a:endParaRPr lang="zh-CN" altLang="en-US"/>
           </a:p>
@@ -7009,7 +7013,7 @@
           <a:p>
             <a:fld id="{F721228B-0167-4061-A906-8575043315EE}" type="datetimeFigureOut">
               <a:rPr lang="zh-CN" altLang="en-US" smtClean="0"/>
-              <a:t>2023/5/27</a:t>
+              <a:t>2023/5/30</a:t>
             </a:fld>
             <a:endParaRPr lang="zh-CN" altLang="en-US"/>
           </a:p>
@@ -7229,7 +7233,7 @@
           <a:p>
             <a:fld id="{F721228B-0167-4061-A906-8575043315EE}" type="datetimeFigureOut">
               <a:rPr lang="zh-CN" altLang="en-US" smtClean="0"/>
-              <a:t>2023/5/27</a:t>
+              <a:t>2023/5/30</a:t>
             </a:fld>
             <a:endParaRPr lang="zh-CN" altLang="en-US"/>
           </a:p>
@@ -7726,7 +7730,7 @@
           <a:p>
             <a:fld id="{F721228B-0167-4061-A906-8575043315EE}" type="datetimeFigureOut">
               <a:rPr lang="zh-CN" altLang="en-US" smtClean="0"/>
-              <a:t>2023/5/27</a:t>
+              <a:t>2023/5/30</a:t>
             </a:fld>
             <a:endParaRPr lang="zh-CN" altLang="en-US"/>
           </a:p>
@@ -8062,7 +8066,7 @@
           <a:p>
             <a:fld id="{F721228B-0167-4061-A906-8575043315EE}" type="datetimeFigureOut">
               <a:rPr lang="zh-CN" altLang="en-US" smtClean="0"/>
-              <a:t>2023/5/27</a:t>
+              <a:t>2023/5/30</a:t>
             </a:fld>
             <a:endParaRPr lang="zh-CN" altLang="en-US"/>
           </a:p>
@@ -8420,7 +8424,7 @@
           <a:p>
             <a:fld id="{F721228B-0167-4061-A906-8575043315EE}" type="datetimeFigureOut">
               <a:rPr lang="zh-CN" altLang="en-US" smtClean="0"/>
-              <a:t>2023/5/27</a:t>
+              <a:t>2023/5/30</a:t>
             </a:fld>
             <a:endParaRPr lang="zh-CN" altLang="en-US"/>
           </a:p>
@@ -8893,7 +8897,7 @@
           <a:p>
             <a:fld id="{F721228B-0167-4061-A906-8575043315EE}" type="datetimeFigureOut">
               <a:rPr lang="zh-CN" altLang="en-US" smtClean="0"/>
-              <a:t>2023/5/27</a:t>
+              <a:t>2023/5/30</a:t>
             </a:fld>
             <a:endParaRPr lang="zh-CN" altLang="en-US"/>
           </a:p>
@@ -9046,7 +9050,7 @@
           <a:p>
             <a:fld id="{F721228B-0167-4061-A906-8575043315EE}" type="datetimeFigureOut">
               <a:rPr lang="zh-CN" altLang="en-US" smtClean="0"/>
-              <a:t>2023/5/27</a:t>
+              <a:t>2023/5/30</a:t>
             </a:fld>
             <a:endParaRPr lang="zh-CN" altLang="en-US"/>
           </a:p>
@@ -9171,7 +9175,7 @@
           <a:p>
             <a:fld id="{F721228B-0167-4061-A906-8575043315EE}" type="datetimeFigureOut">
               <a:rPr lang="zh-CN" altLang="en-US" smtClean="0"/>
-              <a:t>2023/5/27</a:t>
+              <a:t>2023/5/30</a:t>
             </a:fld>
             <a:endParaRPr lang="zh-CN" altLang="en-US"/>
           </a:p>
@@ -9494,7 +9498,7 @@
           <a:p>
             <a:fld id="{F721228B-0167-4061-A906-8575043315EE}" type="datetimeFigureOut">
               <a:rPr lang="zh-CN" altLang="en-US" smtClean="0"/>
-              <a:t>2023/5/27</a:t>
+              <a:t>2023/5/30</a:t>
             </a:fld>
             <a:endParaRPr lang="zh-CN" altLang="en-US"/>
           </a:p>
@@ -9794,7 +9798,7 @@
           <a:p>
             <a:fld id="{F721228B-0167-4061-A906-8575043315EE}" type="datetimeFigureOut">
               <a:rPr lang="zh-CN" altLang="en-US" smtClean="0"/>
-              <a:t>2023/5/27</a:t>
+              <a:t>2023/5/30</a:t>
             </a:fld>
             <a:endParaRPr lang="zh-CN" altLang="en-US"/>
           </a:p>
@@ -10047,7 +10051,7 @@
           <a:p>
             <a:fld id="{F721228B-0167-4061-A906-8575043315EE}" type="datetimeFigureOut">
               <a:rPr lang="zh-CN" altLang="en-US" smtClean="0"/>
-              <a:t>2023/5/27</a:t>
+              <a:t>2023/5/30</a:t>
             </a:fld>
             <a:endParaRPr lang="zh-CN" altLang="en-US"/>
           </a:p>

--- a/PPT/python3.pptx
+++ b/PPT/python3.pptx
@@ -2452,7 +2452,7 @@
   <pc:docChgLst>
     <pc:chgData name="Scruel Tao" userId="5ea5c98d59b44d4b" providerId="LiveId" clId="{87D85EC6-ED1F-4281-828A-5E21384E7B80}"/>
     <pc:docChg chg="undo redo custSel addSld delSld modSld sldOrd modMainMaster">
-      <pc:chgData name="Scruel Tao" userId="5ea5c98d59b44d4b" providerId="LiveId" clId="{87D85EC6-ED1F-4281-828A-5E21384E7B80}" dt="2023-05-31T06:49:50.050" v="5540" actId="20577"/>
+      <pc:chgData name="Scruel Tao" userId="5ea5c98d59b44d4b" providerId="LiveId" clId="{87D85EC6-ED1F-4281-828A-5E21384E7B80}" dt="2023-06-02T13:44:31.170" v="5541" actId="20577"/>
       <pc:docMkLst>
         <pc:docMk/>
       </pc:docMkLst>
@@ -2487,7 +2487,7 @@
         </pc:sldMkLst>
       </pc:sldChg>
       <pc:sldChg chg="addSp delSp modSp mod modTransition">
-        <pc:chgData name="Scruel Tao" userId="5ea5c98d59b44d4b" providerId="LiveId" clId="{87D85EC6-ED1F-4281-828A-5E21384E7B80}" dt="2023-05-16T03:54:52.730" v="5395" actId="478"/>
+        <pc:chgData name="Scruel Tao" userId="5ea5c98d59b44d4b" providerId="LiveId" clId="{87D85EC6-ED1F-4281-828A-5E21384E7B80}" dt="2023-06-02T13:44:31.170" v="5541" actId="20577"/>
         <pc:sldMkLst>
           <pc:docMk/>
           <pc:sldMk cId="0" sldId="260"/>
@@ -2525,7 +2525,7 @@
           </ac:spMkLst>
         </pc:spChg>
         <pc:spChg chg="mod">
-          <ac:chgData name="Scruel Tao" userId="5ea5c98d59b44d4b" providerId="LiveId" clId="{87D85EC6-ED1F-4281-828A-5E21384E7B80}" dt="2023-04-29T18:28:34.621" v="2879"/>
+          <ac:chgData name="Scruel Tao" userId="5ea5c98d59b44d4b" providerId="LiveId" clId="{87D85EC6-ED1F-4281-828A-5E21384E7B80}" dt="2023-06-02T13:44:31.170" v="5541" actId="20577"/>
           <ac:spMkLst>
             <pc:docMk/>
             <pc:sldMk cId="0" sldId="260"/>
@@ -4174,7 +4174,7 @@
           <a:p>
             <a:fld id="{AC7E1972-C479-4420-A687-8FB83BA90DEB}" type="datetimeFigureOut">
               <a:rPr lang="zh-CN" altLang="en-US" smtClean="0"/>
-              <a:t>2023/5/31</a:t>
+              <a:t>2023/6/2</a:t>
             </a:fld>
             <a:endParaRPr lang="zh-CN" altLang="en-US"/>
           </a:p>
@@ -4351,7 +4351,7 @@
           <a:p>
             <a:fld id="{89B7AB8D-BCC0-43C6-B24C-055A25DB558F}" type="datetimeFigureOut">
               <a:rPr lang="zh-CN" altLang="en-US" smtClean="0"/>
-              <a:t>2023/5/30</a:t>
+              <a:t>2023/6/2</a:t>
             </a:fld>
             <a:endParaRPr lang="zh-CN" altLang="en-US"/>
           </a:p>
@@ -6803,7 +6803,7 @@
           <a:p>
             <a:fld id="{F721228B-0167-4061-A906-8575043315EE}" type="datetimeFigureOut">
               <a:rPr lang="zh-CN" altLang="en-US" smtClean="0"/>
-              <a:t>2023/5/30</a:t>
+              <a:t>2023/6/2</a:t>
             </a:fld>
             <a:endParaRPr lang="zh-CN" altLang="en-US"/>
           </a:p>
@@ -7013,7 +7013,7 @@
           <a:p>
             <a:fld id="{F721228B-0167-4061-A906-8575043315EE}" type="datetimeFigureOut">
               <a:rPr lang="zh-CN" altLang="en-US" smtClean="0"/>
-              <a:t>2023/5/30</a:t>
+              <a:t>2023/6/2</a:t>
             </a:fld>
             <a:endParaRPr lang="zh-CN" altLang="en-US"/>
           </a:p>
@@ -7233,7 +7233,7 @@
           <a:p>
             <a:fld id="{F721228B-0167-4061-A906-8575043315EE}" type="datetimeFigureOut">
               <a:rPr lang="zh-CN" altLang="en-US" smtClean="0"/>
-              <a:t>2023/5/30</a:t>
+              <a:t>2023/6/2</a:t>
             </a:fld>
             <a:endParaRPr lang="zh-CN" altLang="en-US"/>
           </a:p>
@@ -7730,7 +7730,7 @@
           <a:p>
             <a:fld id="{F721228B-0167-4061-A906-8575043315EE}" type="datetimeFigureOut">
               <a:rPr lang="zh-CN" altLang="en-US" smtClean="0"/>
-              <a:t>2023/5/30</a:t>
+              <a:t>2023/6/2</a:t>
             </a:fld>
             <a:endParaRPr lang="zh-CN" altLang="en-US"/>
           </a:p>
@@ -8066,7 +8066,7 @@
           <a:p>
             <a:fld id="{F721228B-0167-4061-A906-8575043315EE}" type="datetimeFigureOut">
               <a:rPr lang="zh-CN" altLang="en-US" smtClean="0"/>
-              <a:t>2023/5/30</a:t>
+              <a:t>2023/6/2</a:t>
             </a:fld>
             <a:endParaRPr lang="zh-CN" altLang="en-US"/>
           </a:p>
@@ -8424,7 +8424,7 @@
           <a:p>
             <a:fld id="{F721228B-0167-4061-A906-8575043315EE}" type="datetimeFigureOut">
               <a:rPr lang="zh-CN" altLang="en-US" smtClean="0"/>
-              <a:t>2023/5/30</a:t>
+              <a:t>2023/6/2</a:t>
             </a:fld>
             <a:endParaRPr lang="zh-CN" altLang="en-US"/>
           </a:p>
@@ -8897,7 +8897,7 @@
           <a:p>
             <a:fld id="{F721228B-0167-4061-A906-8575043315EE}" type="datetimeFigureOut">
               <a:rPr lang="zh-CN" altLang="en-US" smtClean="0"/>
-              <a:t>2023/5/30</a:t>
+              <a:t>2023/6/2</a:t>
             </a:fld>
             <a:endParaRPr lang="zh-CN" altLang="en-US"/>
           </a:p>
@@ -9050,7 +9050,7 @@
           <a:p>
             <a:fld id="{F721228B-0167-4061-A906-8575043315EE}" type="datetimeFigureOut">
               <a:rPr lang="zh-CN" altLang="en-US" smtClean="0"/>
-              <a:t>2023/5/30</a:t>
+              <a:t>2023/6/2</a:t>
             </a:fld>
             <a:endParaRPr lang="zh-CN" altLang="en-US"/>
           </a:p>
@@ -9175,7 +9175,7 @@
           <a:p>
             <a:fld id="{F721228B-0167-4061-A906-8575043315EE}" type="datetimeFigureOut">
               <a:rPr lang="zh-CN" altLang="en-US" smtClean="0"/>
-              <a:t>2023/5/30</a:t>
+              <a:t>2023/6/2</a:t>
             </a:fld>
             <a:endParaRPr lang="zh-CN" altLang="en-US"/>
           </a:p>
@@ -9498,7 +9498,7 @@
           <a:p>
             <a:fld id="{F721228B-0167-4061-A906-8575043315EE}" type="datetimeFigureOut">
               <a:rPr lang="zh-CN" altLang="en-US" smtClean="0"/>
-              <a:t>2023/5/30</a:t>
+              <a:t>2023/6/2</a:t>
             </a:fld>
             <a:endParaRPr lang="zh-CN" altLang="en-US"/>
           </a:p>
@@ -9798,7 +9798,7 @@
           <a:p>
             <a:fld id="{F721228B-0167-4061-A906-8575043315EE}" type="datetimeFigureOut">
               <a:rPr lang="zh-CN" altLang="en-US" smtClean="0"/>
-              <a:t>2023/5/30</a:t>
+              <a:t>2023/6/2</a:t>
             </a:fld>
             <a:endParaRPr lang="zh-CN" altLang="en-US"/>
           </a:p>
@@ -10051,7 +10051,7 @@
           <a:p>
             <a:fld id="{F721228B-0167-4061-A906-8575043315EE}" type="datetimeFigureOut">
               <a:rPr lang="zh-CN" altLang="en-US" smtClean="0"/>
-              <a:t>2023/5/30</a:t>
+              <a:t>2023/6/2</a:t>
             </a:fld>
             <a:endParaRPr lang="zh-CN" altLang="en-US"/>
           </a:p>
@@ -10520,7 +10520,7 @@
           <a:p>
             <a:pPr algn="ctr"/>
             <a:r>
-              <a:rPr lang="en-US" altLang="zh-CN" dirty="0">
+              <a:rPr lang="en-US" altLang="zh-CN">
                 <a:solidFill>
                   <a:schemeClr val="tx1">
                     <a:lumMod val="95000"/>
@@ -10537,10 +10537,10 @@
                 <a:latin typeface="华文琥珀" panose="02010800040101010101" pitchFamily="2" charset="-122"/>
                 <a:ea typeface="华文琥珀" panose="02010800040101010101" pitchFamily="2" charset="-122"/>
               </a:rPr>
-              <a:t>Python</a:t>
-            </a:r>
-            <a:r>
-              <a:rPr lang="zh-CN" altLang="en-US" dirty="0">
+              <a:t>Python </a:t>
+            </a:r>
+            <a:r>
+              <a:rPr lang="zh-CN" altLang="en-US">
                 <a:solidFill>
                   <a:schemeClr val="tx1">
                     <a:lumMod val="95000"/>
@@ -10557,7 +10557,27 @@
                 <a:latin typeface="华文琥珀" panose="02010800040101010101" pitchFamily="2" charset="-122"/>
                 <a:ea typeface="华文琥珀" panose="02010800040101010101" pitchFamily="2" charset="-122"/>
               </a:rPr>
-              <a:t>编程：从入门到实践</a:t>
+              <a:t>编程</a:t>
+            </a:r>
+            <a:r>
+              <a:rPr lang="zh-CN" altLang="en-US" dirty="0">
+                <a:solidFill>
+                  <a:schemeClr val="tx1">
+                    <a:lumMod val="95000"/>
+                    <a:lumOff val="5000"/>
+                  </a:schemeClr>
+                </a:solidFill>
+                <a:effectLst>
+                  <a:outerShdw blurRad="38100" dist="38100" dir="2700000" algn="tl">
+                    <a:srgbClr val="000000">
+                      <a:alpha val="43137"/>
+                    </a:srgbClr>
+                  </a:outerShdw>
+                </a:effectLst>
+                <a:latin typeface="华文琥珀" panose="02010800040101010101" pitchFamily="2" charset="-122"/>
+                <a:ea typeface="华文琥珀" panose="02010800040101010101" pitchFamily="2" charset="-122"/>
+              </a:rPr>
+              <a:t>：从入门到实践</a:t>
             </a:r>
             <a:br>
               <a:rPr lang="en-US" altLang="zh-CN" dirty="0">

--- a/PPT/python3.pptx
+++ b/PPT/python3.pptx
@@ -146,7 +146,7 @@
 <file path=ppt/revisionInfo.xml><?xml version="1.0" encoding="utf-8"?>
 <p1510:revInfo xmlns:a="http://schemas.openxmlformats.org/drawingml/2006/main" xmlns:r="http://schemas.openxmlformats.org/officeDocument/2006/relationships" xmlns:p1510="http://schemas.microsoft.com/office/powerpoint/2015/10/main">
   <p1510:revLst>
-    <p1510:client id="{87D85EC6-ED1F-4281-828A-5E21384E7B80}" v="1544" dt="2023-05-31T06:47:35.894"/>
+    <p1510:client id="{87D85EC6-ED1F-4281-828A-5E21384E7B80}" v="1545" dt="2023-06-02T17:22:30.471"/>
   </p1510:revLst>
 </p1510:revInfo>
 </file>
@@ -2452,7 +2452,7 @@
   <pc:docChgLst>
     <pc:chgData name="Scruel Tao" userId="5ea5c98d59b44d4b" providerId="LiveId" clId="{87D85EC6-ED1F-4281-828A-5E21384E7B80}"/>
     <pc:docChg chg="undo redo custSel addSld delSld modSld sldOrd modMainMaster">
-      <pc:chgData name="Scruel Tao" userId="5ea5c98d59b44d4b" providerId="LiveId" clId="{87D85EC6-ED1F-4281-828A-5E21384E7B80}" dt="2023-06-02T13:44:31.170" v="5541" actId="20577"/>
+      <pc:chgData name="Scruel Tao" userId="5ea5c98d59b44d4b" providerId="LiveId" clId="{87D85EC6-ED1F-4281-828A-5E21384E7B80}" dt="2023-06-02T17:22:55.040" v="5596" actId="20577"/>
       <pc:docMkLst>
         <pc:docMk/>
       </pc:docMkLst>
@@ -3404,8 +3404,8 @@
           </ac:spMkLst>
         </pc:spChg>
       </pc:sldChg>
-      <pc:sldChg chg="delSp modSp add mod modTransition modAnim modNotesTx">
-        <pc:chgData name="Scruel Tao" userId="5ea5c98d59b44d4b" providerId="LiveId" clId="{87D85EC6-ED1F-4281-828A-5E21384E7B80}" dt="2023-05-31T06:49:50.050" v="5540" actId="20577"/>
+      <pc:sldChg chg="addSp delSp modSp add mod modTransition delAnim modAnim modNotesTx">
+        <pc:chgData name="Scruel Tao" userId="5ea5c98d59b44d4b" providerId="LiveId" clId="{87D85EC6-ED1F-4281-828A-5E21384E7B80}" dt="2023-06-02T17:22:55.040" v="5596" actId="20577"/>
         <pc:sldMkLst>
           <pc:docMk/>
           <pc:sldMk cId="4256083853" sldId="294"/>
@@ -3442,8 +3442,16 @@
             <ac:spMk id="7" creationId="{12C899D8-51C5-D9B7-A323-E6EFE4AB5C33}"/>
           </ac:spMkLst>
         </pc:spChg>
-        <pc:picChg chg="mod">
-          <ac:chgData name="Scruel Tao" userId="5ea5c98d59b44d4b" providerId="LiveId" clId="{87D85EC6-ED1F-4281-828A-5E21384E7B80}" dt="2023-04-30T12:38:29.252" v="3271" actId="1076"/>
+        <pc:picChg chg="add mod">
+          <ac:chgData name="Scruel Tao" userId="5ea5c98d59b44d4b" providerId="LiveId" clId="{87D85EC6-ED1F-4281-828A-5E21384E7B80}" dt="2023-06-02T17:22:36.010" v="5544" actId="1076"/>
+          <ac:picMkLst>
+            <pc:docMk/>
+            <pc:sldMk cId="4256083853" sldId="294"/>
+            <ac:picMk id="5" creationId="{4D154A02-8A00-1EE8-D845-6301BDC2DA60}"/>
+          </ac:picMkLst>
+        </pc:picChg>
+        <pc:picChg chg="del mod">
+          <ac:chgData name="Scruel Tao" userId="5ea5c98d59b44d4b" providerId="LiveId" clId="{87D85EC6-ED1F-4281-828A-5E21384E7B80}" dt="2023-06-02T17:22:30.145" v="5542" actId="478"/>
           <ac:picMkLst>
             <pc:docMk/>
             <pc:sldMk cId="4256083853" sldId="294"/>
@@ -4174,7 +4182,7 @@
           <a:p>
             <a:fld id="{AC7E1972-C479-4420-A687-8FB83BA90DEB}" type="datetimeFigureOut">
               <a:rPr lang="zh-CN" altLang="en-US" smtClean="0"/>
-              <a:t>2023/6/2</a:t>
+              <a:t>2023/6/3</a:t>
             </a:fld>
             <a:endParaRPr lang="zh-CN" altLang="en-US"/>
           </a:p>
@@ -4351,7 +4359,7 @@
           <a:p>
             <a:fld id="{89B7AB8D-BCC0-43C6-B24C-055A25DB558F}" type="datetimeFigureOut">
               <a:rPr lang="zh-CN" altLang="en-US" smtClean="0"/>
-              <a:t>2023/6/2</a:t>
+              <a:t>2023/6/3</a:t>
             </a:fld>
             <a:endParaRPr lang="zh-CN" altLang="en-US"/>
           </a:p>
@@ -5807,8 +5815,8 @@
           <a:lstStyle/>
           <a:p>
             <a:r>
-              <a:rPr lang="zh-CN" altLang="en-US" dirty="0"/>
-              <a:t>这是 </a:t>
+              <a:rPr lang="zh-CN" altLang="en-US"/>
+              <a:t>本页讲义的图中所示，便是 </a:t>
             </a:r>
             <a:r>
               <a:rPr lang="en-US" altLang="zh-CN" dirty="0"/>
@@ -5819,15 +5827,15 @@
               <a:t>的</a:t>
             </a:r>
             <a:r>
-              <a:rPr lang="zh-CN" altLang="zh-CN"/>
+              <a:rPr lang="zh-CN" altLang="zh-CN" dirty="0"/>
               <a:t>交互式解释器</a:t>
             </a:r>
             <a:r>
-              <a:rPr lang="zh-CN" altLang="en-US"/>
+              <a:rPr lang="zh-CN" altLang="en-US" dirty="0"/>
               <a:t>，即 </a:t>
             </a:r>
             <a:r>
-              <a:rPr lang="en-US" altLang="zh-CN"/>
+              <a:rPr lang="en-US" altLang="zh-CN" dirty="0"/>
               <a:t>REPL</a:t>
             </a:r>
             <a:r>
@@ -6803,7 +6811,7 @@
           <a:p>
             <a:fld id="{F721228B-0167-4061-A906-8575043315EE}" type="datetimeFigureOut">
               <a:rPr lang="zh-CN" altLang="en-US" smtClean="0"/>
-              <a:t>2023/6/2</a:t>
+              <a:t>2023/6/3</a:t>
             </a:fld>
             <a:endParaRPr lang="zh-CN" altLang="en-US"/>
           </a:p>
@@ -7013,7 +7021,7 @@
           <a:p>
             <a:fld id="{F721228B-0167-4061-A906-8575043315EE}" type="datetimeFigureOut">
               <a:rPr lang="zh-CN" altLang="en-US" smtClean="0"/>
-              <a:t>2023/6/2</a:t>
+              <a:t>2023/6/3</a:t>
             </a:fld>
             <a:endParaRPr lang="zh-CN" altLang="en-US"/>
           </a:p>
@@ -7233,7 +7241,7 @@
           <a:p>
             <a:fld id="{F721228B-0167-4061-A906-8575043315EE}" type="datetimeFigureOut">
               <a:rPr lang="zh-CN" altLang="en-US" smtClean="0"/>
-              <a:t>2023/6/2</a:t>
+              <a:t>2023/6/3</a:t>
             </a:fld>
             <a:endParaRPr lang="zh-CN" altLang="en-US"/>
           </a:p>
@@ -7730,7 +7738,7 @@
           <a:p>
             <a:fld id="{F721228B-0167-4061-A906-8575043315EE}" type="datetimeFigureOut">
               <a:rPr lang="zh-CN" altLang="en-US" smtClean="0"/>
-              <a:t>2023/6/2</a:t>
+              <a:t>2023/6/3</a:t>
             </a:fld>
             <a:endParaRPr lang="zh-CN" altLang="en-US"/>
           </a:p>
@@ -8066,7 +8074,7 @@
           <a:p>
             <a:fld id="{F721228B-0167-4061-A906-8575043315EE}" type="datetimeFigureOut">
               <a:rPr lang="zh-CN" altLang="en-US" smtClean="0"/>
-              <a:t>2023/6/2</a:t>
+              <a:t>2023/6/3</a:t>
             </a:fld>
             <a:endParaRPr lang="zh-CN" altLang="en-US"/>
           </a:p>
@@ -8424,7 +8432,7 @@
           <a:p>
             <a:fld id="{F721228B-0167-4061-A906-8575043315EE}" type="datetimeFigureOut">
               <a:rPr lang="zh-CN" altLang="en-US" smtClean="0"/>
-              <a:t>2023/6/2</a:t>
+              <a:t>2023/6/3</a:t>
             </a:fld>
             <a:endParaRPr lang="zh-CN" altLang="en-US"/>
           </a:p>
@@ -8897,7 +8905,7 @@
           <a:p>
             <a:fld id="{F721228B-0167-4061-A906-8575043315EE}" type="datetimeFigureOut">
               <a:rPr lang="zh-CN" altLang="en-US" smtClean="0"/>
-              <a:t>2023/6/2</a:t>
+              <a:t>2023/6/3</a:t>
             </a:fld>
             <a:endParaRPr lang="zh-CN" altLang="en-US"/>
           </a:p>
@@ -9050,7 +9058,7 @@
           <a:p>
             <a:fld id="{F721228B-0167-4061-A906-8575043315EE}" type="datetimeFigureOut">
               <a:rPr lang="zh-CN" altLang="en-US" smtClean="0"/>
-              <a:t>2023/6/2</a:t>
+              <a:t>2023/6/3</a:t>
             </a:fld>
             <a:endParaRPr lang="zh-CN" altLang="en-US"/>
           </a:p>
@@ -9175,7 +9183,7 @@
           <a:p>
             <a:fld id="{F721228B-0167-4061-A906-8575043315EE}" type="datetimeFigureOut">
               <a:rPr lang="zh-CN" altLang="en-US" smtClean="0"/>
-              <a:t>2023/6/2</a:t>
+              <a:t>2023/6/3</a:t>
             </a:fld>
             <a:endParaRPr lang="zh-CN" altLang="en-US"/>
           </a:p>
@@ -9498,7 +9506,7 @@
           <a:p>
             <a:fld id="{F721228B-0167-4061-A906-8575043315EE}" type="datetimeFigureOut">
               <a:rPr lang="zh-CN" altLang="en-US" smtClean="0"/>
-              <a:t>2023/6/2</a:t>
+              <a:t>2023/6/3</a:t>
             </a:fld>
             <a:endParaRPr lang="zh-CN" altLang="en-US"/>
           </a:p>
@@ -9798,7 +9806,7 @@
           <a:p>
             <a:fld id="{F721228B-0167-4061-A906-8575043315EE}" type="datetimeFigureOut">
               <a:rPr lang="zh-CN" altLang="en-US" smtClean="0"/>
-              <a:t>2023/6/2</a:t>
+              <a:t>2023/6/3</a:t>
             </a:fld>
             <a:endParaRPr lang="zh-CN" altLang="en-US"/>
           </a:p>
@@ -10051,7 +10059,7 @@
           <a:p>
             <a:fld id="{F721228B-0167-4061-A906-8575043315EE}" type="datetimeFigureOut">
               <a:rPr lang="zh-CN" altLang="en-US" smtClean="0"/>
-              <a:t>2023/6/2</a:t>
+              <a:t>2023/6/3</a:t>
             </a:fld>
             <a:endParaRPr lang="zh-CN" altLang="en-US"/>
           </a:p>
@@ -21993,10 +22001,10 @@
       </p:sp>
       <p:pic>
         <p:nvPicPr>
-          <p:cNvPr id="8" name="图片 7">
+          <p:cNvPr id="5" name="图片 4">
             <a:extLst>
               <a:ext uri="{FF2B5EF4-FFF2-40B4-BE49-F238E27FC236}">
-                <a16:creationId xmlns:a16="http://schemas.microsoft.com/office/drawing/2014/main" id="{F7FD3FBF-8547-5AAA-DDF0-16E08AB20D8D}"/>
+                <a16:creationId xmlns:a16="http://schemas.microsoft.com/office/drawing/2014/main" id="{4D154A02-8A00-1EE8-D845-6301BDC2DA60}"/>
               </a:ext>
             </a:extLst>
           </p:cNvPr>
@@ -22013,13 +22021,14 @@
               </a:ext>
             </a:extLst>
           </a:blip>
-          <a:srcRect/>
-          <a:stretch/>
+          <a:stretch>
+            <a:fillRect/>
+          </a:stretch>
         </p:blipFill>
         <p:spPr>
           <a:xfrm>
-            <a:off x="2225835" y="3429000"/>
-            <a:ext cx="7740329" cy="2645929"/>
+            <a:off x="2758151" y="3429000"/>
+            <a:ext cx="6675698" cy="2430991"/>
           </a:xfrm>
           <a:prstGeom prst="rect">
             <a:avLst/>
@@ -22048,92 +22057,6 @@
       </p:transition>
     </mc:Fallback>
   </mc:AlternateContent>
-  <p:timing>
-    <p:tnLst>
-      <p:par>
-        <p:cTn id="1" dur="indefinite" restart="never" nodeType="tmRoot">
-          <p:childTnLst>
-            <p:seq concurrent="1" nextAc="seek">
-              <p:cTn id="2" dur="indefinite" nodeType="mainSeq">
-                <p:childTnLst>
-                  <p:par>
-                    <p:cTn id="3" fill="hold">
-                      <p:stCondLst>
-                        <p:cond delay="indefinite"/>
-                        <p:cond evt="onBegin" delay="0">
-                          <p:tn val="2"/>
-                        </p:cond>
-                      </p:stCondLst>
-                      <p:childTnLst>
-                        <p:par>
-                          <p:cTn id="4" fill="hold">
-                            <p:stCondLst>
-                              <p:cond delay="0"/>
-                            </p:stCondLst>
-                            <p:childTnLst>
-                              <p:par>
-                                <p:cTn id="5" presetID="14" presetClass="entr" presetSubtype="10" fill="hold" nodeType="withEffect">
-                                  <p:stCondLst>
-                                    <p:cond delay="0"/>
-                                  </p:stCondLst>
-                                  <p:childTnLst>
-                                    <p:set>
-                                      <p:cBhvr>
-                                        <p:cTn id="6" dur="1" fill="hold">
-                                          <p:stCondLst>
-                                            <p:cond delay="0"/>
-                                          </p:stCondLst>
-                                        </p:cTn>
-                                        <p:tgtEl>
-                                          <p:spTgt spid="8"/>
-                                        </p:tgtEl>
-                                        <p:attrNameLst>
-                                          <p:attrName>style.visibility</p:attrName>
-                                        </p:attrNameLst>
-                                      </p:cBhvr>
-                                      <p:to>
-                                        <p:strVal val="visible"/>
-                                      </p:to>
-                                    </p:set>
-                                    <p:animEffect transition="in" filter="randombar(horizontal)">
-                                      <p:cBhvr>
-                                        <p:cTn id="7" dur="500"/>
-                                        <p:tgtEl>
-                                          <p:spTgt spid="8"/>
-                                        </p:tgtEl>
-                                      </p:cBhvr>
-                                    </p:animEffect>
-                                  </p:childTnLst>
-                                </p:cTn>
-                              </p:par>
-                            </p:childTnLst>
-                          </p:cTn>
-                        </p:par>
-                      </p:childTnLst>
-                    </p:cTn>
-                  </p:par>
-                </p:childTnLst>
-              </p:cTn>
-              <p:prevCondLst>
-                <p:cond evt="onPrev" delay="0">
-                  <p:tgtEl>
-                    <p:sldTgt/>
-                  </p:tgtEl>
-                </p:cond>
-              </p:prevCondLst>
-              <p:nextCondLst>
-                <p:cond evt="onNext" delay="0">
-                  <p:tgtEl>
-                    <p:sldTgt/>
-                  </p:tgtEl>
-                </p:cond>
-              </p:nextCondLst>
-            </p:seq>
-          </p:childTnLst>
-        </p:cTn>
-      </p:par>
-    </p:tnLst>
-  </p:timing>
 </p:sld>
 </file>
 

--- a/PPT/python3.pptx
+++ b/PPT/python3.pptx
@@ -143,1118 +143,8 @@
 </p:presentation>
 </file>
 
-<file path=ppt/revisionInfo.xml><?xml version="1.0" encoding="utf-8"?>
-<p1510:revInfo xmlns:a="http://schemas.openxmlformats.org/drawingml/2006/main" xmlns:r="http://schemas.openxmlformats.org/officeDocument/2006/relationships" xmlns:p1510="http://schemas.microsoft.com/office/powerpoint/2015/10/main">
-  <p1510:revLst>
-    <p1510:client id="{87D85EC6-ED1F-4281-828A-5E21384E7B80}" v="1545" dt="2023-06-02T17:22:30.471"/>
-  </p1510:revLst>
-</p1510:revInfo>
-</file>
-
 <file path=ppt/changesInfos/changesInfo1.xml><?xml version="1.0" encoding="utf-8"?>
 <pc:chgInfo xmlns:a="http://schemas.openxmlformats.org/drawingml/2006/main" xmlns:r="http://schemas.openxmlformats.org/officeDocument/2006/relationships" xmlns:ac="http://schemas.microsoft.com/office/drawing/2013/main/command" xmlns:pc="http://schemas.microsoft.com/office/powerpoint/2013/main/command">
-  <pc:docChgLst>
-    <pc:chgData name="Scruel Tao" userId="5ea5c98d59b44d4b" providerId="LiveId" clId="{2BA6F94F-59B6-4AA6-9DB6-4A8227DBE37E}"/>
-    <pc:docChg chg="undo redo custSel addSld delSld modSld sldOrd modMainMaster">
-      <pc:chgData name="Scruel Tao" userId="5ea5c98d59b44d4b" providerId="LiveId" clId="{2BA6F94F-59B6-4AA6-9DB6-4A8227DBE37E}" dt="2023-04-06T03:22:01.021" v="6326" actId="20577"/>
-      <pc:docMkLst>
-        <pc:docMk/>
-      </pc:docMkLst>
-      <pc:sldChg chg="del">
-        <pc:chgData name="Scruel Tao" userId="5ea5c98d59b44d4b" providerId="LiveId" clId="{2BA6F94F-59B6-4AA6-9DB6-4A8227DBE37E}" dt="2023-04-03T03:24:06.255" v="207" actId="47"/>
-        <pc:sldMkLst>
-          <pc:docMk/>
-          <pc:sldMk cId="1900326474" sldId="256"/>
-        </pc:sldMkLst>
-      </pc:sldChg>
-      <pc:sldChg chg="modSp mod">
-        <pc:chgData name="Scruel Tao" userId="5ea5c98d59b44d4b" providerId="LiveId" clId="{2BA6F94F-59B6-4AA6-9DB6-4A8227DBE37E}" dt="2023-04-06T03:06:34.065" v="6045" actId="20577"/>
-        <pc:sldMkLst>
-          <pc:docMk/>
-          <pc:sldMk cId="1112998187" sldId="257"/>
-        </pc:sldMkLst>
-        <pc:spChg chg="mod">
-          <ac:chgData name="Scruel Tao" userId="5ea5c98d59b44d4b" providerId="LiveId" clId="{2BA6F94F-59B6-4AA6-9DB6-4A8227DBE37E}" dt="2023-04-06T01:53:20.359" v="3276"/>
-          <ac:spMkLst>
-            <pc:docMk/>
-            <pc:sldMk cId="1112998187" sldId="257"/>
-            <ac:spMk id="2" creationId="{1422DFF6-0952-1023-64E3-97184D36BE3F}"/>
-          </ac:spMkLst>
-        </pc:spChg>
-        <pc:spChg chg="mod">
-          <ac:chgData name="Scruel Tao" userId="5ea5c98d59b44d4b" providerId="LiveId" clId="{2BA6F94F-59B6-4AA6-9DB6-4A8227DBE37E}" dt="2023-04-06T03:06:34.065" v="6045" actId="20577"/>
-          <ac:spMkLst>
-            <pc:docMk/>
-            <pc:sldMk cId="1112998187" sldId="257"/>
-            <ac:spMk id="3" creationId="{AC7759D9-0BB4-08ED-8476-24F7D903D6DE}"/>
-          </ac:spMkLst>
-        </pc:spChg>
-      </pc:sldChg>
-      <pc:sldChg chg="addSp delSp modSp mod modClrScheme chgLayout">
-        <pc:chgData name="Scruel Tao" userId="5ea5c98d59b44d4b" providerId="LiveId" clId="{2BA6F94F-59B6-4AA6-9DB6-4A8227DBE37E}" dt="2023-04-03T05:03:22.628" v="2756"/>
-        <pc:sldMkLst>
-          <pc:docMk/>
-          <pc:sldMk cId="3636494425" sldId="258"/>
-        </pc:sldMkLst>
-        <pc:spChg chg="mod ord">
-          <ac:chgData name="Scruel Tao" userId="5ea5c98d59b44d4b" providerId="LiveId" clId="{2BA6F94F-59B6-4AA6-9DB6-4A8227DBE37E}" dt="2023-04-03T05:03:22.628" v="2756"/>
-          <ac:spMkLst>
-            <pc:docMk/>
-            <pc:sldMk cId="3636494425" sldId="258"/>
-            <ac:spMk id="2" creationId="{ABA783DF-49A6-7EF1-661E-C574E2C2F386}"/>
-          </ac:spMkLst>
-        </pc:spChg>
-        <pc:spChg chg="mod ord">
-          <ac:chgData name="Scruel Tao" userId="5ea5c98d59b44d4b" providerId="LiveId" clId="{2BA6F94F-59B6-4AA6-9DB6-4A8227DBE37E}" dt="2023-04-03T03:46:29.252" v="641" actId="20577"/>
-          <ac:spMkLst>
-            <pc:docMk/>
-            <pc:sldMk cId="3636494425" sldId="258"/>
-            <ac:spMk id="3" creationId="{4C14948B-081B-0FED-AF72-DA2CFEC85EB0}"/>
-          </ac:spMkLst>
-        </pc:spChg>
-        <pc:spChg chg="add del mod ord">
-          <ac:chgData name="Scruel Tao" userId="5ea5c98d59b44d4b" providerId="LiveId" clId="{2BA6F94F-59B6-4AA6-9DB6-4A8227DBE37E}" dt="2023-04-03T03:44:53.662" v="491" actId="700"/>
-          <ac:spMkLst>
-            <pc:docMk/>
-            <pc:sldMk cId="3636494425" sldId="258"/>
-            <ac:spMk id="6" creationId="{F56D7D0D-9A8C-4EF8-27F2-E32848F94E27}"/>
-          </ac:spMkLst>
-        </pc:spChg>
-        <pc:spChg chg="add del mod ord">
-          <ac:chgData name="Scruel Tao" userId="5ea5c98d59b44d4b" providerId="LiveId" clId="{2BA6F94F-59B6-4AA6-9DB6-4A8227DBE37E}" dt="2023-04-03T03:47:53.866" v="642" actId="478"/>
-          <ac:spMkLst>
-            <pc:docMk/>
-            <pc:sldMk cId="3636494425" sldId="258"/>
-            <ac:spMk id="7" creationId="{34E14114-55C2-509B-E32D-4974A828AFB6}"/>
-          </ac:spMkLst>
-        </pc:spChg>
-        <pc:picChg chg="add mod">
-          <ac:chgData name="Scruel Tao" userId="5ea5c98d59b44d4b" providerId="LiveId" clId="{2BA6F94F-59B6-4AA6-9DB6-4A8227DBE37E}" dt="2023-04-03T03:45:05.643" v="494" actId="1076"/>
-          <ac:picMkLst>
-            <pc:docMk/>
-            <pc:sldMk cId="3636494425" sldId="258"/>
-            <ac:picMk id="5" creationId="{C5E50AA4-F82C-6E14-E269-5451494306AE}"/>
-          </ac:picMkLst>
-        </pc:picChg>
-      </pc:sldChg>
-      <pc:sldChg chg="addSp delSp modSp add mod modClrScheme chgLayout">
-        <pc:chgData name="Scruel Tao" userId="5ea5c98d59b44d4b" providerId="LiveId" clId="{2BA6F94F-59B6-4AA6-9DB6-4A8227DBE37E}" dt="2023-04-06T01:58:50.310" v="3415" actId="20577"/>
-        <pc:sldMkLst>
-          <pc:docMk/>
-          <pc:sldMk cId="1199684676" sldId="259"/>
-        </pc:sldMkLst>
-        <pc:spChg chg="mod ord">
-          <ac:chgData name="Scruel Tao" userId="5ea5c98d59b44d4b" providerId="LiveId" clId="{2BA6F94F-59B6-4AA6-9DB6-4A8227DBE37E}" dt="2023-04-06T01:58:50.310" v="3415" actId="20577"/>
-          <ac:spMkLst>
-            <pc:docMk/>
-            <pc:sldMk cId="1199684676" sldId="259"/>
-            <ac:spMk id="2" creationId="{ABA783DF-49A6-7EF1-661E-C574E2C2F386}"/>
-          </ac:spMkLst>
-        </pc:spChg>
-        <pc:spChg chg="del">
-          <ac:chgData name="Scruel Tao" userId="5ea5c98d59b44d4b" providerId="LiveId" clId="{2BA6F94F-59B6-4AA6-9DB6-4A8227DBE37E}" dt="2023-04-03T03:35:16.150" v="336"/>
-          <ac:spMkLst>
-            <pc:docMk/>
-            <pc:sldMk cId="1199684676" sldId="259"/>
-            <ac:spMk id="3" creationId="{4C14948B-081B-0FED-AF72-DA2CFEC85EB0}"/>
-          </ac:spMkLst>
-        </pc:spChg>
-        <pc:spChg chg="add del mod">
-          <ac:chgData name="Scruel Tao" userId="5ea5c98d59b44d4b" providerId="LiveId" clId="{2BA6F94F-59B6-4AA6-9DB6-4A8227DBE37E}" dt="2023-04-03T03:35:26.887" v="338"/>
-          <ac:spMkLst>
-            <pc:docMk/>
-            <pc:sldMk cId="1199684676" sldId="259"/>
-            <ac:spMk id="6" creationId="{99A6C97A-27D9-096E-3F01-65FA7A6B5674}"/>
-          </ac:spMkLst>
-        </pc:spChg>
-        <pc:spChg chg="add del mod">
-          <ac:chgData name="Scruel Tao" userId="5ea5c98d59b44d4b" providerId="LiveId" clId="{2BA6F94F-59B6-4AA6-9DB6-4A8227DBE37E}" dt="2023-04-03T03:35:46.159" v="342"/>
-          <ac:spMkLst>
-            <pc:docMk/>
-            <pc:sldMk cId="1199684676" sldId="259"/>
-            <ac:spMk id="9" creationId="{EA4CD5A2-8483-D61D-CBA0-AB48D8A07DC9}"/>
-          </ac:spMkLst>
-        </pc:spChg>
-        <pc:spChg chg="add mod ord">
-          <ac:chgData name="Scruel Tao" userId="5ea5c98d59b44d4b" providerId="LiveId" clId="{2BA6F94F-59B6-4AA6-9DB6-4A8227DBE37E}" dt="2023-04-06T01:54:00.591" v="3312" actId="20577"/>
-          <ac:spMkLst>
-            <pc:docMk/>
-            <pc:sldMk cId="1199684676" sldId="259"/>
-            <ac:spMk id="12" creationId="{17AECC1C-6944-9F68-770A-0455E86B2492}"/>
-          </ac:spMkLst>
-        </pc:spChg>
-        <pc:picChg chg="add del mod">
-          <ac:chgData name="Scruel Tao" userId="5ea5c98d59b44d4b" providerId="LiveId" clId="{2BA6F94F-59B6-4AA6-9DB6-4A8227DBE37E}" dt="2023-04-03T03:35:18.823" v="337" actId="478"/>
-          <ac:picMkLst>
-            <pc:docMk/>
-            <pc:sldMk cId="1199684676" sldId="259"/>
-            <ac:picMk id="4" creationId="{5CD98794-78EF-B400-A554-F39AC55576BD}"/>
-          </ac:picMkLst>
-        </pc:picChg>
-        <pc:picChg chg="add del mod">
-          <ac:chgData name="Scruel Tao" userId="5ea5c98d59b44d4b" providerId="LiveId" clId="{2BA6F94F-59B6-4AA6-9DB6-4A8227DBE37E}" dt="2023-04-03T03:35:35.326" v="341" actId="478"/>
-          <ac:picMkLst>
-            <pc:docMk/>
-            <pc:sldMk cId="1199684676" sldId="259"/>
-            <ac:picMk id="7" creationId="{F8FEA747-E9DF-6A17-2CB8-1B41D931CB90}"/>
-          </ac:picMkLst>
-        </pc:picChg>
-        <pc:picChg chg="add mod ord">
-          <ac:chgData name="Scruel Tao" userId="5ea5c98d59b44d4b" providerId="LiveId" clId="{2BA6F94F-59B6-4AA6-9DB6-4A8227DBE37E}" dt="2023-04-06T01:54:10.825" v="3315" actId="1076"/>
-          <ac:picMkLst>
-            <pc:docMk/>
-            <pc:sldMk cId="1199684676" sldId="259"/>
-            <ac:picMk id="11" creationId="{9D500740-D60E-EFBC-F3C9-43DA9B4672BC}"/>
-          </ac:picMkLst>
-        </pc:picChg>
-      </pc:sldChg>
-      <pc:sldChg chg="addSp delSp modSp add mod">
-        <pc:chgData name="Scruel Tao" userId="5ea5c98d59b44d4b" providerId="LiveId" clId="{2BA6F94F-59B6-4AA6-9DB6-4A8227DBE37E}" dt="2023-04-03T03:41:24.102" v="348" actId="1076"/>
-        <pc:sldMkLst>
-          <pc:docMk/>
-          <pc:sldMk cId="0" sldId="260"/>
-        </pc:sldMkLst>
-        <pc:spChg chg="mod">
-          <ac:chgData name="Scruel Tao" userId="5ea5c98d59b44d4b" providerId="LiveId" clId="{2BA6F94F-59B6-4AA6-9DB6-4A8227DBE37E}" dt="2023-04-03T03:33:34.644" v="330"/>
-          <ac:spMkLst>
-            <pc:docMk/>
-            <pc:sldMk cId="0" sldId="260"/>
-            <ac:spMk id="1227783" creationId="{F7B3941E-B689-22D6-F18C-358E4BAEDF5F}"/>
-          </ac:spMkLst>
-        </pc:spChg>
-        <pc:spChg chg="add del mod">
-          <ac:chgData name="Scruel Tao" userId="5ea5c98d59b44d4b" providerId="LiveId" clId="{2BA6F94F-59B6-4AA6-9DB6-4A8227DBE37E}" dt="2023-04-03T03:33:39.968" v="331" actId="1076"/>
-          <ac:spMkLst>
-            <pc:docMk/>
-            <pc:sldMk cId="0" sldId="260"/>
-            <ac:spMk id="1227786" creationId="{C3F4DD20-8FA3-3CB0-19B6-FE0240B92A34}"/>
-          </ac:spMkLst>
-        </pc:spChg>
-        <pc:picChg chg="add mod">
-          <ac:chgData name="Scruel Tao" userId="5ea5c98d59b44d4b" providerId="LiveId" clId="{2BA6F94F-59B6-4AA6-9DB6-4A8227DBE37E}" dt="2023-04-03T03:41:24.102" v="348" actId="1076"/>
-          <ac:picMkLst>
-            <pc:docMk/>
-            <pc:sldMk cId="0" sldId="260"/>
-            <ac:picMk id="4" creationId="{E03AF484-A892-E4D7-A8C4-A4C7AE20944E}"/>
-          </ac:picMkLst>
-        </pc:picChg>
-      </pc:sldChg>
-      <pc:sldChg chg="addSp delSp modSp add mod chgLayout">
-        <pc:chgData name="Scruel Tao" userId="5ea5c98d59b44d4b" providerId="LiveId" clId="{2BA6F94F-59B6-4AA6-9DB6-4A8227DBE37E}" dt="2023-04-06T01:59:00.026" v="3419" actId="20577"/>
-        <pc:sldMkLst>
-          <pc:docMk/>
-          <pc:sldMk cId="3351160539" sldId="261"/>
-        </pc:sldMkLst>
-        <pc:spChg chg="mod ord">
-          <ac:chgData name="Scruel Tao" userId="5ea5c98d59b44d4b" providerId="LiveId" clId="{2BA6F94F-59B6-4AA6-9DB6-4A8227DBE37E}" dt="2023-04-06T01:59:00.026" v="3419" actId="20577"/>
-          <ac:spMkLst>
-            <pc:docMk/>
-            <pc:sldMk cId="3351160539" sldId="261"/>
-            <ac:spMk id="2" creationId="{ABA783DF-49A6-7EF1-661E-C574E2C2F386}"/>
-          </ac:spMkLst>
-        </pc:spChg>
-        <pc:spChg chg="add del mod">
-          <ac:chgData name="Scruel Tao" userId="5ea5c98d59b44d4b" providerId="LiveId" clId="{2BA6F94F-59B6-4AA6-9DB6-4A8227DBE37E}" dt="2023-04-03T03:55:10.330" v="847" actId="700"/>
-          <ac:spMkLst>
-            <pc:docMk/>
-            <pc:sldMk cId="3351160539" sldId="261"/>
-            <ac:spMk id="4" creationId="{B3A734ED-5C82-D6A5-9DB3-B2DF9F846D94}"/>
-          </ac:spMkLst>
-        </pc:spChg>
-        <pc:spChg chg="add mod ord">
-          <ac:chgData name="Scruel Tao" userId="5ea5c98d59b44d4b" providerId="LiveId" clId="{2BA6F94F-59B6-4AA6-9DB6-4A8227DBE37E}" dt="2023-04-03T04:04:07.946" v="1365" actId="20577"/>
-          <ac:spMkLst>
-            <pc:docMk/>
-            <pc:sldMk cId="3351160539" sldId="261"/>
-            <ac:spMk id="5" creationId="{334FF01F-2A65-44F6-34F9-69AC934A31D7}"/>
-          </ac:spMkLst>
-        </pc:spChg>
-        <pc:spChg chg="add del mod">
-          <ac:chgData name="Scruel Tao" userId="5ea5c98d59b44d4b" providerId="LiveId" clId="{2BA6F94F-59B6-4AA6-9DB6-4A8227DBE37E}" dt="2023-04-03T03:59:25.344" v="1081"/>
-          <ac:spMkLst>
-            <pc:docMk/>
-            <pc:sldMk cId="3351160539" sldId="261"/>
-            <ac:spMk id="9" creationId="{C16084A3-CDE6-AAC4-2971-FD575FBF0A8B}"/>
-          </ac:spMkLst>
-        </pc:spChg>
-        <pc:spChg chg="del mod ord">
-          <ac:chgData name="Scruel Tao" userId="5ea5c98d59b44d4b" providerId="LiveId" clId="{2BA6F94F-59B6-4AA6-9DB6-4A8227DBE37E}" dt="2023-04-03T03:58:01.823" v="1015"/>
-          <ac:spMkLst>
-            <pc:docMk/>
-            <pc:sldMk cId="3351160539" sldId="261"/>
-            <ac:spMk id="12" creationId="{17AECC1C-6944-9F68-770A-0455E86B2492}"/>
-          </ac:spMkLst>
-        </pc:spChg>
-        <pc:spChg chg="add mod">
-          <ac:chgData name="Scruel Tao" userId="5ea5c98d59b44d4b" providerId="LiveId" clId="{2BA6F94F-59B6-4AA6-9DB6-4A8227DBE37E}" dt="2023-04-03T04:05:44.217" v="1475" actId="114"/>
-          <ac:spMkLst>
-            <pc:docMk/>
-            <pc:sldMk cId="3351160539" sldId="261"/>
-            <ac:spMk id="14" creationId="{670E3534-8F35-5B26-8418-171E013CEE09}"/>
-          </ac:spMkLst>
-        </pc:spChg>
-        <pc:picChg chg="add del mod">
-          <ac:chgData name="Scruel Tao" userId="5ea5c98d59b44d4b" providerId="LiveId" clId="{2BA6F94F-59B6-4AA6-9DB6-4A8227DBE37E}" dt="2023-04-03T03:59:24.519" v="1080" actId="478"/>
-          <ac:picMkLst>
-            <pc:docMk/>
-            <pc:sldMk cId="3351160539" sldId="261"/>
-            <ac:picMk id="7" creationId="{0FBFFB0C-E3DC-4B3B-8988-A0B34551F390}"/>
-          </ac:picMkLst>
-        </pc:picChg>
-        <pc:picChg chg="del">
-          <ac:chgData name="Scruel Tao" userId="5ea5c98d59b44d4b" providerId="LiveId" clId="{2BA6F94F-59B6-4AA6-9DB6-4A8227DBE37E}" dt="2023-04-03T03:53:43.786" v="845" actId="21"/>
-          <ac:picMkLst>
-            <pc:docMk/>
-            <pc:sldMk cId="3351160539" sldId="261"/>
-            <ac:picMk id="11" creationId="{9D500740-D60E-EFBC-F3C9-43DA9B4672BC}"/>
-          </ac:picMkLst>
-        </pc:picChg>
-        <pc:picChg chg="add mod">
-          <ac:chgData name="Scruel Tao" userId="5ea5c98d59b44d4b" providerId="LiveId" clId="{2BA6F94F-59B6-4AA6-9DB6-4A8227DBE37E}" dt="2023-04-03T04:05:27.689" v="1473" actId="1076"/>
-          <ac:picMkLst>
-            <pc:docMk/>
-            <pc:sldMk cId="3351160539" sldId="261"/>
-            <ac:picMk id="13" creationId="{7C633EC2-82A6-5F6A-D9A3-326C1E77FDA3}"/>
-          </ac:picMkLst>
-        </pc:picChg>
-      </pc:sldChg>
-      <pc:sldChg chg="addSp delSp modSp add mod">
-        <pc:chgData name="Scruel Tao" userId="5ea5c98d59b44d4b" providerId="LiveId" clId="{2BA6F94F-59B6-4AA6-9DB6-4A8227DBE37E}" dt="2023-04-06T03:20:40.633" v="6312" actId="20577"/>
-        <pc:sldMkLst>
-          <pc:docMk/>
-          <pc:sldMk cId="1122177192" sldId="262"/>
-        </pc:sldMkLst>
-        <pc:spChg chg="mod">
-          <ac:chgData name="Scruel Tao" userId="5ea5c98d59b44d4b" providerId="LiveId" clId="{2BA6F94F-59B6-4AA6-9DB6-4A8227DBE37E}" dt="2023-04-06T03:20:30.082" v="6290" actId="20577"/>
-          <ac:spMkLst>
-            <pc:docMk/>
-            <pc:sldMk cId="1122177192" sldId="262"/>
-            <ac:spMk id="2" creationId="{ABA783DF-49A6-7EF1-661E-C574E2C2F386}"/>
-          </ac:spMkLst>
-        </pc:spChg>
-        <pc:spChg chg="mod">
-          <ac:chgData name="Scruel Tao" userId="5ea5c98d59b44d4b" providerId="LiveId" clId="{2BA6F94F-59B6-4AA6-9DB6-4A8227DBE37E}" dt="2023-04-06T03:20:40.633" v="6312" actId="20577"/>
-          <ac:spMkLst>
-            <pc:docMk/>
-            <pc:sldMk cId="1122177192" sldId="262"/>
-            <ac:spMk id="5" creationId="{334FF01F-2A65-44F6-34F9-69AC934A31D7}"/>
-          </ac:spMkLst>
-        </pc:spChg>
-        <pc:spChg chg="del">
-          <ac:chgData name="Scruel Tao" userId="5ea5c98d59b44d4b" providerId="LiveId" clId="{2BA6F94F-59B6-4AA6-9DB6-4A8227DBE37E}" dt="2023-04-03T04:15:30.512" v="1555"/>
-          <ac:spMkLst>
-            <pc:docMk/>
-            <pc:sldMk cId="1122177192" sldId="262"/>
-            <ac:spMk id="12" creationId="{17AECC1C-6944-9F68-770A-0455E86B2492}"/>
-          </ac:spMkLst>
-        </pc:spChg>
-        <pc:picChg chg="add mod">
-          <ac:chgData name="Scruel Tao" userId="5ea5c98d59b44d4b" providerId="LiveId" clId="{2BA6F94F-59B6-4AA6-9DB6-4A8227DBE37E}" dt="2023-04-03T04:15:30.512" v="1555"/>
-          <ac:picMkLst>
-            <pc:docMk/>
-            <pc:sldMk cId="1122177192" sldId="262"/>
-            <ac:picMk id="4" creationId="{1025CE4E-D3BC-5184-15B8-313E85995FFB}"/>
-          </ac:picMkLst>
-        </pc:picChg>
-      </pc:sldChg>
-      <pc:sldChg chg="addSp delSp modSp add mod chgLayout">
-        <pc:chgData name="Scruel Tao" userId="5ea5c98d59b44d4b" providerId="LiveId" clId="{2BA6F94F-59B6-4AA6-9DB6-4A8227DBE37E}" dt="2023-04-06T01:59:30.132" v="3435" actId="20577"/>
-        <pc:sldMkLst>
-          <pc:docMk/>
-          <pc:sldMk cId="3745137309" sldId="263"/>
-        </pc:sldMkLst>
-        <pc:spChg chg="mod ord">
-          <ac:chgData name="Scruel Tao" userId="5ea5c98d59b44d4b" providerId="LiveId" clId="{2BA6F94F-59B6-4AA6-9DB6-4A8227DBE37E}" dt="2023-04-06T01:59:30.132" v="3435" actId="20577"/>
-          <ac:spMkLst>
-            <pc:docMk/>
-            <pc:sldMk cId="3745137309" sldId="263"/>
-            <ac:spMk id="2" creationId="{ABA783DF-49A6-7EF1-661E-C574E2C2F386}"/>
-          </ac:spMkLst>
-        </pc:spChg>
-        <pc:spChg chg="del">
-          <ac:chgData name="Scruel Tao" userId="5ea5c98d59b44d4b" providerId="LiveId" clId="{2BA6F94F-59B6-4AA6-9DB6-4A8227DBE37E}" dt="2023-04-03T04:18:57.963" v="1679"/>
-          <ac:spMkLst>
-            <pc:docMk/>
-            <pc:sldMk cId="3745137309" sldId="263"/>
-            <ac:spMk id="5" creationId="{334FF01F-2A65-44F6-34F9-69AC934A31D7}"/>
-          </ac:spMkLst>
-        </pc:spChg>
-        <pc:spChg chg="add del mod ord">
-          <ac:chgData name="Scruel Tao" userId="5ea5c98d59b44d4b" providerId="LiveId" clId="{2BA6F94F-59B6-4AA6-9DB6-4A8227DBE37E}" dt="2023-04-03T04:19:17.511" v="1685"/>
-          <ac:spMkLst>
-            <pc:docMk/>
-            <pc:sldMk cId="3745137309" sldId="263"/>
-            <ac:spMk id="6" creationId="{6B189840-C568-FCE7-C338-AC0FAD512F62}"/>
-          </ac:spMkLst>
-        </pc:spChg>
-        <pc:spChg chg="add mod">
-          <ac:chgData name="Scruel Tao" userId="5ea5c98d59b44d4b" providerId="LiveId" clId="{2BA6F94F-59B6-4AA6-9DB6-4A8227DBE37E}" dt="2023-04-03T04:24:42.121" v="1788" actId="1076"/>
-          <ac:spMkLst>
-            <pc:docMk/>
-            <pc:sldMk cId="3745137309" sldId="263"/>
-            <ac:spMk id="8" creationId="{4EC194EB-1593-CBF2-055D-77D4ADFC943F}"/>
-          </ac:spMkLst>
-        </pc:spChg>
-        <pc:spChg chg="del">
-          <ac:chgData name="Scruel Tao" userId="5ea5c98d59b44d4b" providerId="LiveId" clId="{2BA6F94F-59B6-4AA6-9DB6-4A8227DBE37E}" dt="2023-04-03T04:19:06.857" v="1681" actId="478"/>
-          <ac:spMkLst>
-            <pc:docMk/>
-            <pc:sldMk cId="3745137309" sldId="263"/>
-            <ac:spMk id="12" creationId="{17AECC1C-6944-9F68-770A-0455E86B2492}"/>
-          </ac:spMkLst>
-        </pc:spChg>
-        <pc:spChg chg="add del mod">
-          <ac:chgData name="Scruel Tao" userId="5ea5c98d59b44d4b" providerId="LiveId" clId="{2BA6F94F-59B6-4AA6-9DB6-4A8227DBE37E}" dt="2023-04-03T04:39:14.278" v="1794"/>
-          <ac:spMkLst>
-            <pc:docMk/>
-            <pc:sldMk cId="3745137309" sldId="263"/>
-            <ac:spMk id="13" creationId="{2B1E7E69-5ECD-2369-2087-012FACB0EF09}"/>
-          </ac:spMkLst>
-        </pc:spChg>
-        <pc:spChg chg="add mod">
-          <ac:chgData name="Scruel Tao" userId="5ea5c98d59b44d4b" providerId="LiveId" clId="{2BA6F94F-59B6-4AA6-9DB6-4A8227DBE37E}" dt="2023-04-03T04:43:54.118" v="2025" actId="1076"/>
-          <ac:spMkLst>
-            <pc:docMk/>
-            <pc:sldMk cId="3745137309" sldId="263"/>
-            <ac:spMk id="14" creationId="{7382B610-BA58-D421-667D-2CC58252E53B}"/>
-          </ac:spMkLst>
-        </pc:spChg>
-        <pc:spChg chg="add del mod">
-          <ac:chgData name="Scruel Tao" userId="5ea5c98d59b44d4b" providerId="LiveId" clId="{2BA6F94F-59B6-4AA6-9DB6-4A8227DBE37E}" dt="2023-04-03T04:41:30.895" v="1872"/>
-          <ac:spMkLst>
-            <pc:docMk/>
-            <pc:sldMk cId="3745137309" sldId="263"/>
-            <ac:spMk id="20" creationId="{3C1528B3-D941-8F6A-C2B1-9FE727504D1A}"/>
-          </ac:spMkLst>
-        </pc:spChg>
-        <pc:spChg chg="add mod">
-          <ac:chgData name="Scruel Tao" userId="5ea5c98d59b44d4b" providerId="LiveId" clId="{2BA6F94F-59B6-4AA6-9DB6-4A8227DBE37E}" dt="2023-04-03T04:43:48.923" v="2024" actId="113"/>
-          <ac:spMkLst>
-            <pc:docMk/>
-            <pc:sldMk cId="3745137309" sldId="263"/>
-            <ac:spMk id="22" creationId="{7B6674C0-F558-F52E-4B1A-A3B15762388C}"/>
-          </ac:spMkLst>
-        </pc:spChg>
-        <pc:picChg chg="add del mod ord">
-          <ac:chgData name="Scruel Tao" userId="5ea5c98d59b44d4b" providerId="LiveId" clId="{2BA6F94F-59B6-4AA6-9DB6-4A8227DBE37E}" dt="2023-04-03T04:19:16.103" v="1684" actId="21"/>
-          <ac:picMkLst>
-            <pc:docMk/>
-            <pc:sldMk cId="3745137309" sldId="263"/>
-            <ac:picMk id="4" creationId="{52AC7973-0B2B-7791-FC5B-6D95CBD8CBA1}"/>
-          </ac:picMkLst>
-        </pc:picChg>
-        <pc:picChg chg="add del mod">
-          <ac:chgData name="Scruel Tao" userId="5ea5c98d59b44d4b" providerId="LiveId" clId="{2BA6F94F-59B6-4AA6-9DB6-4A8227DBE37E}" dt="2023-04-03T04:41:22.605" v="1869" actId="478"/>
-          <ac:picMkLst>
-            <pc:docMk/>
-            <pc:sldMk cId="3745137309" sldId="263"/>
-            <ac:picMk id="9" creationId="{B07056AA-01D5-51E8-D408-F1980FDC4BC3}"/>
-          </ac:picMkLst>
-        </pc:picChg>
-        <pc:picChg chg="add del mod">
-          <ac:chgData name="Scruel Tao" userId="5ea5c98d59b44d4b" providerId="LiveId" clId="{2BA6F94F-59B6-4AA6-9DB6-4A8227DBE37E}" dt="2023-04-03T04:40:34.570" v="1864" actId="21"/>
-          <ac:picMkLst>
-            <pc:docMk/>
-            <pc:sldMk cId="3745137309" sldId="263"/>
-            <ac:picMk id="11" creationId="{F2971DA2-97CA-921D-0683-2575B93D11D9}"/>
-          </ac:picMkLst>
-        </pc:picChg>
-        <pc:picChg chg="add mod">
-          <ac:chgData name="Scruel Tao" userId="5ea5c98d59b44d4b" providerId="LiveId" clId="{2BA6F94F-59B6-4AA6-9DB6-4A8227DBE37E}" dt="2023-04-03T04:41:02.756" v="1866" actId="1076"/>
-          <ac:picMkLst>
-            <pc:docMk/>
-            <pc:sldMk cId="3745137309" sldId="263"/>
-            <ac:picMk id="16" creationId="{6DA1B3CC-2227-CCDD-B3BF-D5E87A89708B}"/>
-          </ac:picMkLst>
-        </pc:picChg>
-        <pc:picChg chg="add del mod">
-          <ac:chgData name="Scruel Tao" userId="5ea5c98d59b44d4b" providerId="LiveId" clId="{2BA6F94F-59B6-4AA6-9DB6-4A8227DBE37E}" dt="2023-04-03T04:41:29.949" v="1871" actId="21"/>
-          <ac:picMkLst>
-            <pc:docMk/>
-            <pc:sldMk cId="3745137309" sldId="263"/>
-            <ac:picMk id="18" creationId="{313CB848-6C20-4548-45B0-BFDAA30EA3A2}"/>
-          </ac:picMkLst>
-        </pc:picChg>
-        <pc:picChg chg="add mod">
-          <ac:chgData name="Scruel Tao" userId="5ea5c98d59b44d4b" providerId="LiveId" clId="{2BA6F94F-59B6-4AA6-9DB6-4A8227DBE37E}" dt="2023-04-03T04:43:33.350" v="2001" actId="1076"/>
-          <ac:picMkLst>
-            <pc:docMk/>
-            <pc:sldMk cId="3745137309" sldId="263"/>
-            <ac:picMk id="21" creationId="{87C92696-2285-C2FB-D306-11BA00515544}"/>
-          </ac:picMkLst>
-        </pc:picChg>
-      </pc:sldChg>
-      <pc:sldChg chg="addSp delSp modSp add mod ord">
-        <pc:chgData name="Scruel Tao" userId="5ea5c98d59b44d4b" providerId="LiveId" clId="{2BA6F94F-59B6-4AA6-9DB6-4A8227DBE37E}" dt="2023-04-06T01:59:23.291" v="3427" actId="20577"/>
-        <pc:sldMkLst>
-          <pc:docMk/>
-          <pc:sldMk cId="3725727672" sldId="264"/>
-        </pc:sldMkLst>
-        <pc:spChg chg="mod">
-          <ac:chgData name="Scruel Tao" userId="5ea5c98d59b44d4b" providerId="LiveId" clId="{2BA6F94F-59B6-4AA6-9DB6-4A8227DBE37E}" dt="2023-04-06T01:59:23.291" v="3427" actId="20577"/>
-          <ac:spMkLst>
-            <pc:docMk/>
-            <pc:sldMk cId="3725727672" sldId="264"/>
-            <ac:spMk id="2" creationId="{ABA783DF-49A6-7EF1-661E-C574E2C2F386}"/>
-          </ac:spMkLst>
-        </pc:spChg>
-        <pc:spChg chg="mod">
-          <ac:chgData name="Scruel Tao" userId="5ea5c98d59b44d4b" providerId="LiveId" clId="{2BA6F94F-59B6-4AA6-9DB6-4A8227DBE37E}" dt="2023-04-03T05:01:36.612" v="2644" actId="1076"/>
-          <ac:spMkLst>
-            <pc:docMk/>
-            <pc:sldMk cId="3725727672" sldId="264"/>
-            <ac:spMk id="5" creationId="{334FF01F-2A65-44F6-34F9-69AC934A31D7}"/>
-          </ac:spMkLst>
-        </pc:spChg>
-        <pc:spChg chg="add del mod">
-          <ac:chgData name="Scruel Tao" userId="5ea5c98d59b44d4b" providerId="LiveId" clId="{2BA6F94F-59B6-4AA6-9DB6-4A8227DBE37E}" dt="2023-04-03T05:00:26.370" v="2626"/>
-          <ac:spMkLst>
-            <pc:docMk/>
-            <pc:sldMk cId="3725727672" sldId="264"/>
-            <ac:spMk id="11" creationId="{E9210103-9DD3-6F29-C0C7-B18A6E419E73}"/>
-          </ac:spMkLst>
-        </pc:spChg>
-        <pc:spChg chg="del mod">
-          <ac:chgData name="Scruel Tao" userId="5ea5c98d59b44d4b" providerId="LiveId" clId="{2BA6F94F-59B6-4AA6-9DB6-4A8227DBE37E}" dt="2023-04-03T04:44:34.015" v="2029"/>
-          <ac:spMkLst>
-            <pc:docMk/>
-            <pc:sldMk cId="3725727672" sldId="264"/>
-            <ac:spMk id="12" creationId="{17AECC1C-6944-9F68-770A-0455E86B2492}"/>
-          </ac:spMkLst>
-        </pc:spChg>
-        <pc:spChg chg="add mod">
-          <ac:chgData name="Scruel Tao" userId="5ea5c98d59b44d4b" providerId="LiveId" clId="{2BA6F94F-59B6-4AA6-9DB6-4A8227DBE37E}" dt="2023-04-03T05:03:05.445" v="2754" actId="1076"/>
-          <ac:spMkLst>
-            <pc:docMk/>
-            <pc:sldMk cId="3725727672" sldId="264"/>
-            <ac:spMk id="15" creationId="{57CD949C-3C60-4F11-3188-DAAC2954E147}"/>
-          </ac:spMkLst>
-        </pc:spChg>
-        <pc:picChg chg="add del mod">
-          <ac:chgData name="Scruel Tao" userId="5ea5c98d59b44d4b" providerId="LiveId" clId="{2BA6F94F-59B6-4AA6-9DB6-4A8227DBE37E}" dt="2023-04-03T05:00:25.324" v="2625" actId="478"/>
-          <ac:picMkLst>
-            <pc:docMk/>
-            <pc:sldMk cId="3725727672" sldId="264"/>
-            <ac:picMk id="4" creationId="{A511FBE8-0DD6-E630-8EF3-0C4EEA9CD752}"/>
-          </ac:picMkLst>
-        </pc:picChg>
-        <pc:picChg chg="add del mod">
-          <ac:chgData name="Scruel Tao" userId="5ea5c98d59b44d4b" providerId="LiveId" clId="{2BA6F94F-59B6-4AA6-9DB6-4A8227DBE37E}" dt="2023-04-03T04:57:24.837" v="2616" actId="21"/>
-          <ac:picMkLst>
-            <pc:docMk/>
-            <pc:sldMk cId="3725727672" sldId="264"/>
-            <ac:picMk id="7" creationId="{DD04D8AF-8509-73F1-4E2C-416ED822D93C}"/>
-          </ac:picMkLst>
-        </pc:picChg>
-        <pc:picChg chg="add mod">
-          <ac:chgData name="Scruel Tao" userId="5ea5c98d59b44d4b" providerId="LiveId" clId="{2BA6F94F-59B6-4AA6-9DB6-4A8227DBE37E}" dt="2023-04-03T05:01:32.816" v="2643" actId="1076"/>
-          <ac:picMkLst>
-            <pc:docMk/>
-            <pc:sldMk cId="3725727672" sldId="264"/>
-            <ac:picMk id="9" creationId="{5508513D-8323-A6F7-C52C-5D05B49C07CC}"/>
-          </ac:picMkLst>
-        </pc:picChg>
-        <pc:picChg chg="add mod">
-          <ac:chgData name="Scruel Tao" userId="5ea5c98d59b44d4b" providerId="LiveId" clId="{2BA6F94F-59B6-4AA6-9DB6-4A8227DBE37E}" dt="2023-04-03T05:01:30.973" v="2642" actId="1076"/>
-          <ac:picMkLst>
-            <pc:docMk/>
-            <pc:sldMk cId="3725727672" sldId="264"/>
-            <ac:picMk id="14" creationId="{D5EB1BEF-B3CD-34F8-C19A-87E8C64345B3}"/>
-          </ac:picMkLst>
-        </pc:picChg>
-      </pc:sldChg>
-      <pc:sldChg chg="addSp delSp modSp add mod">
-        <pc:chgData name="Scruel Tao" userId="5ea5c98d59b44d4b" providerId="LiveId" clId="{2BA6F94F-59B6-4AA6-9DB6-4A8227DBE37E}" dt="2023-04-06T03:12:15.194" v="6242" actId="13926"/>
-        <pc:sldMkLst>
-          <pc:docMk/>
-          <pc:sldMk cId="3416507657" sldId="265"/>
-        </pc:sldMkLst>
-        <pc:spChg chg="mod">
-          <ac:chgData name="Scruel Tao" userId="5ea5c98d59b44d4b" providerId="LiveId" clId="{2BA6F94F-59B6-4AA6-9DB6-4A8227DBE37E}" dt="2023-04-06T01:59:38.903" v="3439" actId="20577"/>
-          <ac:spMkLst>
-            <pc:docMk/>
-            <pc:sldMk cId="3416507657" sldId="265"/>
-            <ac:spMk id="2" creationId="{ABA783DF-49A6-7EF1-661E-C574E2C2F386}"/>
-          </ac:spMkLst>
-        </pc:spChg>
-        <pc:spChg chg="add del mod">
-          <ac:chgData name="Scruel Tao" userId="5ea5c98d59b44d4b" providerId="LiveId" clId="{2BA6F94F-59B6-4AA6-9DB6-4A8227DBE37E}" dt="2023-04-06T03:12:15.194" v="6242" actId="13926"/>
-          <ac:spMkLst>
-            <pc:docMk/>
-            <pc:sldMk cId="3416507657" sldId="265"/>
-            <ac:spMk id="5" creationId="{334FF01F-2A65-44F6-34F9-69AC934A31D7}"/>
-          </ac:spMkLst>
-        </pc:spChg>
-        <pc:spChg chg="add del mod">
-          <ac:chgData name="Scruel Tao" userId="5ea5c98d59b44d4b" providerId="LiveId" clId="{2BA6F94F-59B6-4AA6-9DB6-4A8227DBE37E}" dt="2023-04-03T05:07:31.501" v="2932"/>
-          <ac:spMkLst>
-            <pc:docMk/>
-            <pc:sldMk cId="3416507657" sldId="265"/>
-            <ac:spMk id="9" creationId="{CCAFF9B5-8F81-F673-219D-9240B0194641}"/>
-          </ac:spMkLst>
-        </pc:spChg>
-        <pc:spChg chg="del">
-          <ac:chgData name="Scruel Tao" userId="5ea5c98d59b44d4b" providerId="LiveId" clId="{2BA6F94F-59B6-4AA6-9DB6-4A8227DBE37E}" dt="2023-04-03T05:06:16.950" v="2812"/>
-          <ac:spMkLst>
-            <pc:docMk/>
-            <pc:sldMk cId="3416507657" sldId="265"/>
-            <ac:spMk id="12" creationId="{17AECC1C-6944-9F68-770A-0455E86B2492}"/>
-          </ac:spMkLst>
-        </pc:spChg>
-        <pc:picChg chg="add del mod">
-          <ac:chgData name="Scruel Tao" userId="5ea5c98d59b44d4b" providerId="LiveId" clId="{2BA6F94F-59B6-4AA6-9DB6-4A8227DBE37E}" dt="2023-04-03T05:06:16.168" v="2811"/>
-          <ac:picMkLst>
-            <pc:docMk/>
-            <pc:sldMk cId="3416507657" sldId="265"/>
-            <ac:picMk id="4" creationId="{ABCDEA2C-CB97-DE24-E641-E77BFA3BF78D}"/>
-          </ac:picMkLst>
-        </pc:picChg>
-        <pc:picChg chg="add del mod">
-          <ac:chgData name="Scruel Tao" userId="5ea5c98d59b44d4b" providerId="LiveId" clId="{2BA6F94F-59B6-4AA6-9DB6-4A8227DBE37E}" dt="2023-04-03T05:07:30.490" v="2931" actId="478"/>
-          <ac:picMkLst>
-            <pc:docMk/>
-            <pc:sldMk cId="3416507657" sldId="265"/>
-            <ac:picMk id="7" creationId="{203C7841-531F-0781-7458-699E2A5C7CE7}"/>
-          </ac:picMkLst>
-        </pc:picChg>
-        <pc:picChg chg="add mod">
-          <ac:chgData name="Scruel Tao" userId="5ea5c98d59b44d4b" providerId="LiveId" clId="{2BA6F94F-59B6-4AA6-9DB6-4A8227DBE37E}" dt="2023-04-03T05:09:18.591" v="3012" actId="1076"/>
-          <ac:picMkLst>
-            <pc:docMk/>
-            <pc:sldMk cId="3416507657" sldId="265"/>
-            <ac:picMk id="11" creationId="{44AA24C5-508C-4D40-7E65-55D5627E4671}"/>
-          </ac:picMkLst>
-        </pc:picChg>
-      </pc:sldChg>
-      <pc:sldChg chg="add del">
-        <pc:chgData name="Scruel Tao" userId="5ea5c98d59b44d4b" providerId="LiveId" clId="{2BA6F94F-59B6-4AA6-9DB6-4A8227DBE37E}" dt="2023-04-03T05:03:50.426" v="2761" actId="47"/>
-        <pc:sldMkLst>
-          <pc:docMk/>
-          <pc:sldMk cId="3540231720" sldId="266"/>
-        </pc:sldMkLst>
-      </pc:sldChg>
-      <pc:sldChg chg="add del">
-        <pc:chgData name="Scruel Tao" userId="5ea5c98d59b44d4b" providerId="LiveId" clId="{2BA6F94F-59B6-4AA6-9DB6-4A8227DBE37E}" dt="2023-04-03T05:03:50.758" v="2762" actId="47"/>
-        <pc:sldMkLst>
-          <pc:docMk/>
-          <pc:sldMk cId="4025758886" sldId="267"/>
-        </pc:sldMkLst>
-      </pc:sldChg>
-      <pc:sldChg chg="add del">
-        <pc:chgData name="Scruel Tao" userId="5ea5c98d59b44d4b" providerId="LiveId" clId="{2BA6F94F-59B6-4AA6-9DB6-4A8227DBE37E}" dt="2023-04-03T05:03:50.967" v="2763" actId="47"/>
-        <pc:sldMkLst>
-          <pc:docMk/>
-          <pc:sldMk cId="3881832977" sldId="268"/>
-        </pc:sldMkLst>
-      </pc:sldChg>
-      <pc:sldChg chg="add del">
-        <pc:chgData name="Scruel Tao" userId="5ea5c98d59b44d4b" providerId="LiveId" clId="{2BA6F94F-59B6-4AA6-9DB6-4A8227DBE37E}" dt="2023-04-03T05:03:51.140" v="2764" actId="47"/>
-        <pc:sldMkLst>
-          <pc:docMk/>
-          <pc:sldMk cId="3546485175" sldId="269"/>
-        </pc:sldMkLst>
-      </pc:sldChg>
-      <pc:sldChg chg="addSp delSp modSp add mod ord">
-        <pc:chgData name="Scruel Tao" userId="5ea5c98d59b44d4b" providerId="LiveId" clId="{2BA6F94F-59B6-4AA6-9DB6-4A8227DBE37E}" dt="2023-04-06T03:12:53.496" v="6269" actId="1076"/>
-        <pc:sldMkLst>
-          <pc:docMk/>
-          <pc:sldMk cId="192831406" sldId="270"/>
-        </pc:sldMkLst>
-        <pc:spChg chg="mod">
-          <ac:chgData name="Scruel Tao" userId="5ea5c98d59b44d4b" providerId="LiveId" clId="{2BA6F94F-59B6-4AA6-9DB6-4A8227DBE37E}" dt="2023-04-06T01:59:06.037" v="3423" actId="20577"/>
-          <ac:spMkLst>
-            <pc:docMk/>
-            <pc:sldMk cId="192831406" sldId="270"/>
-            <ac:spMk id="2" creationId="{ABA783DF-49A6-7EF1-661E-C574E2C2F386}"/>
-          </ac:spMkLst>
-        </pc:spChg>
-        <pc:spChg chg="mod">
-          <ac:chgData name="Scruel Tao" userId="5ea5c98d59b44d4b" providerId="LiveId" clId="{2BA6F94F-59B6-4AA6-9DB6-4A8227DBE37E}" dt="2023-04-03T04:55:36.354" v="2500" actId="20577"/>
-          <ac:spMkLst>
-            <pc:docMk/>
-            <pc:sldMk cId="192831406" sldId="270"/>
-            <ac:spMk id="5" creationId="{334FF01F-2A65-44F6-34F9-69AC934A31D7}"/>
-          </ac:spMkLst>
-        </pc:spChg>
-        <pc:spChg chg="add del mod">
-          <ac:chgData name="Scruel Tao" userId="5ea5c98d59b44d4b" providerId="LiveId" clId="{2BA6F94F-59B6-4AA6-9DB6-4A8227DBE37E}" dt="2023-04-03T04:49:26.325" v="2108"/>
-          <ac:spMkLst>
-            <pc:docMk/>
-            <pc:sldMk cId="192831406" sldId="270"/>
-            <ac:spMk id="6" creationId="{4825B1F8-4B63-9130-AF5C-D8B58F7AE6AF}"/>
-          </ac:spMkLst>
-        </pc:spChg>
-        <pc:spChg chg="add del mod">
-          <ac:chgData name="Scruel Tao" userId="5ea5c98d59b44d4b" providerId="LiveId" clId="{2BA6F94F-59B6-4AA6-9DB6-4A8227DBE37E}" dt="2023-04-03T04:55:48.392" v="2504"/>
-          <ac:spMkLst>
-            <pc:docMk/>
-            <pc:sldMk cId="192831406" sldId="270"/>
-            <ac:spMk id="13" creationId="{BFF52406-2E49-3B9D-2A6D-2A5EDD1B1D0D}"/>
-          </ac:spMkLst>
-        </pc:spChg>
-        <pc:spChg chg="add mod">
-          <ac:chgData name="Scruel Tao" userId="5ea5c98d59b44d4b" providerId="LiveId" clId="{2BA6F94F-59B6-4AA6-9DB6-4A8227DBE37E}" dt="2023-04-06T03:12:53.496" v="6269" actId="1076"/>
-          <ac:spMkLst>
-            <pc:docMk/>
-            <pc:sldMk cId="192831406" sldId="270"/>
-            <ac:spMk id="14" creationId="{BF2C039C-7D70-5BA8-10BF-AC65C1C472C2}"/>
-          </ac:spMkLst>
-        </pc:spChg>
-        <pc:picChg chg="del">
-          <ac:chgData name="Scruel Tao" userId="5ea5c98d59b44d4b" providerId="LiveId" clId="{2BA6F94F-59B6-4AA6-9DB6-4A8227DBE37E}" dt="2023-04-03T04:46:04.237" v="2072" actId="21"/>
-          <ac:picMkLst>
-            <pc:docMk/>
-            <pc:sldMk cId="192831406" sldId="270"/>
-            <ac:picMk id="4" creationId="{A511FBE8-0DD6-E630-8EF3-0C4EEA9CD752}"/>
-          </ac:picMkLst>
-        </pc:picChg>
-        <pc:picChg chg="del mod">
-          <ac:chgData name="Scruel Tao" userId="5ea5c98d59b44d4b" providerId="LiveId" clId="{2BA6F94F-59B6-4AA6-9DB6-4A8227DBE37E}" dt="2023-04-03T04:49:25.552" v="2107" actId="21"/>
-          <ac:picMkLst>
-            <pc:docMk/>
-            <pc:sldMk cId="192831406" sldId="270"/>
-            <ac:picMk id="7" creationId="{DD04D8AF-8509-73F1-4E2C-416ED822D93C}"/>
-          </ac:picMkLst>
-        </pc:picChg>
-        <pc:picChg chg="add mod">
-          <ac:chgData name="Scruel Tao" userId="5ea5c98d59b44d4b" providerId="LiveId" clId="{2BA6F94F-59B6-4AA6-9DB6-4A8227DBE37E}" dt="2023-04-03T04:56:24.305" v="2563" actId="1076"/>
-          <ac:picMkLst>
-            <pc:docMk/>
-            <pc:sldMk cId="192831406" sldId="270"/>
-            <ac:picMk id="8" creationId="{9FEE71E3-5A5A-BDD3-0177-666AE0953528}"/>
-          </ac:picMkLst>
-        </pc:picChg>
-        <pc:picChg chg="add mod">
-          <ac:chgData name="Scruel Tao" userId="5ea5c98d59b44d4b" providerId="LiveId" clId="{2BA6F94F-59B6-4AA6-9DB6-4A8227DBE37E}" dt="2023-04-03T04:57:09.828" v="2614" actId="1076"/>
-          <ac:picMkLst>
-            <pc:docMk/>
-            <pc:sldMk cId="192831406" sldId="270"/>
-            <ac:picMk id="10" creationId="{ED7D2C24-3911-466C-3E76-669FC1671250}"/>
-          </ac:picMkLst>
-        </pc:picChg>
-        <pc:picChg chg="add mod">
-          <ac:chgData name="Scruel Tao" userId="5ea5c98d59b44d4b" providerId="LiveId" clId="{2BA6F94F-59B6-4AA6-9DB6-4A8227DBE37E}" dt="2023-04-03T04:55:39.683" v="2501" actId="1076"/>
-          <ac:picMkLst>
-            <pc:docMk/>
-            <pc:sldMk cId="192831406" sldId="270"/>
-            <ac:picMk id="12" creationId="{A8B42638-E2EC-8913-3326-65DFC6BFA414}"/>
-          </ac:picMkLst>
-        </pc:picChg>
-      </pc:sldChg>
-      <pc:sldChg chg="addSp delSp modSp add mod modTransition delAnim modAnim">
-        <pc:chgData name="Scruel Tao" userId="5ea5c98d59b44d4b" providerId="LiveId" clId="{2BA6F94F-59B6-4AA6-9DB6-4A8227DBE37E}" dt="2023-04-06T02:37:35.540" v="4103" actId="20577"/>
-        <pc:sldMkLst>
-          <pc:docMk/>
-          <pc:sldMk cId="555885545" sldId="271"/>
-        </pc:sldMkLst>
-        <pc:spChg chg="mod">
-          <ac:chgData name="Scruel Tao" userId="5ea5c98d59b44d4b" providerId="LiveId" clId="{2BA6F94F-59B6-4AA6-9DB6-4A8227DBE37E}" dt="2023-04-06T02:37:35.540" v="4103" actId="20577"/>
-          <ac:spMkLst>
-            <pc:docMk/>
-            <pc:sldMk cId="555885545" sldId="271"/>
-            <ac:spMk id="2" creationId="{ABA783DF-49A6-7EF1-661E-C574E2C2F386}"/>
-          </ac:spMkLst>
-        </pc:spChg>
-        <pc:spChg chg="mod">
-          <ac:chgData name="Scruel Tao" userId="5ea5c98d59b44d4b" providerId="LiveId" clId="{2BA6F94F-59B6-4AA6-9DB6-4A8227DBE37E}" dt="2023-04-06T02:37:10.496" v="4102" actId="20577"/>
-          <ac:spMkLst>
-            <pc:docMk/>
-            <pc:sldMk cId="555885545" sldId="271"/>
-            <ac:spMk id="5" creationId="{334FF01F-2A65-44F6-34F9-69AC934A31D7}"/>
-          </ac:spMkLst>
-        </pc:spChg>
-        <pc:spChg chg="del">
-          <ac:chgData name="Scruel Tao" userId="5ea5c98d59b44d4b" providerId="LiveId" clId="{2BA6F94F-59B6-4AA6-9DB6-4A8227DBE37E}" dt="2023-04-03T05:12:20.396" v="3109"/>
-          <ac:spMkLst>
-            <pc:docMk/>
-            <pc:sldMk cId="555885545" sldId="271"/>
-            <ac:spMk id="12" creationId="{17AECC1C-6944-9F68-770A-0455E86B2492}"/>
-          </ac:spMkLst>
-        </pc:spChg>
-        <pc:picChg chg="add mod">
-          <ac:chgData name="Scruel Tao" userId="5ea5c98d59b44d4b" providerId="LiveId" clId="{2BA6F94F-59B6-4AA6-9DB6-4A8227DBE37E}" dt="2023-04-03T05:12:24.482" v="3111" actId="1076"/>
-          <ac:picMkLst>
-            <pc:docMk/>
-            <pc:sldMk cId="555885545" sldId="271"/>
-            <ac:picMk id="3" creationId="{E9C9C4B6-9E80-13FC-3C11-56455F818828}"/>
-          </ac:picMkLst>
-        </pc:picChg>
-        <pc:picChg chg="add del mod">
-          <ac:chgData name="Scruel Tao" userId="5ea5c98d59b44d4b" providerId="LiveId" clId="{2BA6F94F-59B6-4AA6-9DB6-4A8227DBE37E}" dt="2023-04-06T02:23:46.442" v="3975" actId="478"/>
-          <ac:picMkLst>
-            <pc:docMk/>
-            <pc:sldMk cId="555885545" sldId="271"/>
-            <ac:picMk id="6" creationId="{946FBC4D-967C-E0DD-4B99-AFE37DE456FC}"/>
-          </ac:picMkLst>
-        </pc:picChg>
-        <pc:picChg chg="add del mod">
-          <ac:chgData name="Scruel Tao" userId="5ea5c98d59b44d4b" providerId="LiveId" clId="{2BA6F94F-59B6-4AA6-9DB6-4A8227DBE37E}" dt="2023-04-06T02:34:23.966" v="4014" actId="478"/>
-          <ac:picMkLst>
-            <pc:docMk/>
-            <pc:sldMk cId="555885545" sldId="271"/>
-            <ac:picMk id="8" creationId="{CBE0F782-9063-9A1B-F123-E3585C23F8D4}"/>
-          </ac:picMkLst>
-        </pc:picChg>
-        <pc:picChg chg="add mod ord">
-          <ac:chgData name="Scruel Tao" userId="5ea5c98d59b44d4b" providerId="LiveId" clId="{2BA6F94F-59B6-4AA6-9DB6-4A8227DBE37E}" dt="2023-04-06T02:34:21.109" v="4013" actId="171"/>
-          <ac:picMkLst>
-            <pc:docMk/>
-            <pc:sldMk cId="555885545" sldId="271"/>
-            <ac:picMk id="10" creationId="{AB9AA877-00A8-CAE0-AEB2-54C3CC706AB2}"/>
-          </ac:picMkLst>
-        </pc:picChg>
-        <pc:picChg chg="add del mod">
-          <ac:chgData name="Scruel Tao" userId="5ea5c98d59b44d4b" providerId="LiveId" clId="{2BA6F94F-59B6-4AA6-9DB6-4A8227DBE37E}" dt="2023-04-06T02:34:05.904" v="4011" actId="478"/>
-          <ac:picMkLst>
-            <pc:docMk/>
-            <pc:sldMk cId="555885545" sldId="271"/>
-            <ac:picMk id="12" creationId="{6B5B9BC3-94A6-21D9-46F9-DD8E61B43B92}"/>
-          </ac:picMkLst>
-        </pc:picChg>
-        <pc:picChg chg="add mod">
-          <ac:chgData name="Scruel Tao" userId="5ea5c98d59b44d4b" providerId="LiveId" clId="{2BA6F94F-59B6-4AA6-9DB6-4A8227DBE37E}" dt="2023-04-06T02:34:48.022" v="4029" actId="1076"/>
-          <ac:picMkLst>
-            <pc:docMk/>
-            <pc:sldMk cId="555885545" sldId="271"/>
-            <ac:picMk id="14" creationId="{6A16C4FE-00E6-5357-100A-B8710B34F596}"/>
-          </ac:picMkLst>
-        </pc:picChg>
-        <pc:picChg chg="add mod">
-          <ac:chgData name="Scruel Tao" userId="5ea5c98d59b44d4b" providerId="LiveId" clId="{2BA6F94F-59B6-4AA6-9DB6-4A8227DBE37E}" dt="2023-04-06T02:35:36.170" v="4034" actId="1076"/>
-          <ac:picMkLst>
-            <pc:docMk/>
-            <pc:sldMk cId="555885545" sldId="271"/>
-            <ac:picMk id="16" creationId="{11C754BB-74AE-32B2-031C-7FF20420B575}"/>
-          </ac:picMkLst>
-        </pc:picChg>
-      </pc:sldChg>
-      <pc:sldChg chg="addSp delSp modSp add mod modClrScheme modAnim chgLayout">
-        <pc:chgData name="Scruel Tao" userId="5ea5c98d59b44d4b" providerId="LiveId" clId="{2BA6F94F-59B6-4AA6-9DB6-4A8227DBE37E}" dt="2023-04-06T03:21:33.591" v="6322" actId="20577"/>
-        <pc:sldMkLst>
-          <pc:docMk/>
-          <pc:sldMk cId="1518949093" sldId="272"/>
-        </pc:sldMkLst>
-        <pc:spChg chg="mod ord">
-          <ac:chgData name="Scruel Tao" userId="5ea5c98d59b44d4b" providerId="LiveId" clId="{2BA6F94F-59B6-4AA6-9DB6-4A8227DBE37E}" dt="2023-04-06T02:46:26.755" v="4346" actId="700"/>
-          <ac:spMkLst>
-            <pc:docMk/>
-            <pc:sldMk cId="1518949093" sldId="272"/>
-            <ac:spMk id="2" creationId="{ABA783DF-49A6-7EF1-661E-C574E2C2F386}"/>
-          </ac:spMkLst>
-        </pc:spChg>
-        <pc:spChg chg="add mod ord">
-          <ac:chgData name="Scruel Tao" userId="5ea5c98d59b44d4b" providerId="LiveId" clId="{2BA6F94F-59B6-4AA6-9DB6-4A8227DBE37E}" dt="2023-04-06T03:21:33.591" v="6322" actId="20577"/>
-          <ac:spMkLst>
-            <pc:docMk/>
-            <pc:sldMk cId="1518949093" sldId="272"/>
-            <ac:spMk id="3" creationId="{939F03AE-10F4-D882-D99A-D5393469A114}"/>
-          </ac:spMkLst>
-        </pc:spChg>
-        <pc:spChg chg="add mod">
-          <ac:chgData name="Scruel Tao" userId="5ea5c98d59b44d4b" providerId="LiveId" clId="{2BA6F94F-59B6-4AA6-9DB6-4A8227DBE37E}" dt="2023-04-06T03:00:35.995" v="5800" actId="1076"/>
-          <ac:spMkLst>
-            <pc:docMk/>
-            <pc:sldMk cId="1518949093" sldId="272"/>
-            <ac:spMk id="4" creationId="{7F9F47DD-E49D-A929-FBF6-0571BAC29FB6}"/>
-          </ac:spMkLst>
-        </pc:spChg>
-        <pc:spChg chg="del mod ord">
-          <ac:chgData name="Scruel Tao" userId="5ea5c98d59b44d4b" providerId="LiveId" clId="{2BA6F94F-59B6-4AA6-9DB6-4A8227DBE37E}" dt="2023-04-06T02:46:26.755" v="4346" actId="700"/>
-          <ac:spMkLst>
-            <pc:docMk/>
-            <pc:sldMk cId="1518949093" sldId="272"/>
-            <ac:spMk id="5" creationId="{334FF01F-2A65-44F6-34F9-69AC934A31D7}"/>
-          </ac:spMkLst>
-        </pc:spChg>
-        <pc:spChg chg="add del mod">
-          <ac:chgData name="Scruel Tao" userId="5ea5c98d59b44d4b" providerId="LiveId" clId="{2BA6F94F-59B6-4AA6-9DB6-4A8227DBE37E}" dt="2023-04-06T02:46:26.755" v="4346" actId="700"/>
-          <ac:spMkLst>
-            <pc:docMk/>
-            <pc:sldMk cId="1518949093" sldId="272"/>
-            <ac:spMk id="7" creationId="{F35B7A8A-4930-2C62-CD2B-1E4E38AFABE3}"/>
-          </ac:spMkLst>
-        </pc:spChg>
-        <pc:spChg chg="del">
-          <ac:chgData name="Scruel Tao" userId="5ea5c98d59b44d4b" providerId="LiveId" clId="{2BA6F94F-59B6-4AA6-9DB6-4A8227DBE37E}" dt="2023-04-03T05:12:13.720" v="3106"/>
-          <ac:spMkLst>
-            <pc:docMk/>
-            <pc:sldMk cId="1518949093" sldId="272"/>
-            <ac:spMk id="12" creationId="{17AECC1C-6944-9F68-770A-0455E86B2492}"/>
-          </ac:spMkLst>
-        </pc:spChg>
-        <pc:picChg chg="add del mod">
-          <ac:chgData name="Scruel Tao" userId="5ea5c98d59b44d4b" providerId="LiveId" clId="{2BA6F94F-59B6-4AA6-9DB6-4A8227DBE37E}" dt="2023-04-03T05:12:18.430" v="3108" actId="21"/>
-          <ac:picMkLst>
-            <pc:docMk/>
-            <pc:sldMk cId="1518949093" sldId="272"/>
-            <ac:picMk id="4" creationId="{ED7E2725-EC32-D629-C663-EC55BC83D8AA}"/>
-          </ac:picMkLst>
-        </pc:picChg>
-      </pc:sldChg>
-      <pc:sldChg chg="addSp delSp modSp add mod modAnim">
-        <pc:chgData name="Scruel Tao" userId="5ea5c98d59b44d4b" providerId="LiveId" clId="{2BA6F94F-59B6-4AA6-9DB6-4A8227DBE37E}" dt="2023-04-06T03:22:01.021" v="6326" actId="20577"/>
-        <pc:sldMkLst>
-          <pc:docMk/>
-          <pc:sldMk cId="1301849154" sldId="273"/>
-        </pc:sldMkLst>
-        <pc:spChg chg="mod">
-          <ac:chgData name="Scruel Tao" userId="5ea5c98d59b44d4b" providerId="LiveId" clId="{2BA6F94F-59B6-4AA6-9DB6-4A8227DBE37E}" dt="2023-04-06T02:00:22.559" v="3502" actId="20577"/>
-          <ac:spMkLst>
-            <pc:docMk/>
-            <pc:sldMk cId="1301849154" sldId="273"/>
-            <ac:spMk id="2" creationId="{ABA783DF-49A6-7EF1-661E-C574E2C2F386}"/>
-          </ac:spMkLst>
-        </pc:spChg>
-        <pc:spChg chg="mod ord">
-          <ac:chgData name="Scruel Tao" userId="5ea5c98d59b44d4b" providerId="LiveId" clId="{2BA6F94F-59B6-4AA6-9DB6-4A8227DBE37E}" dt="2023-04-06T03:22:01.021" v="6326" actId="20577"/>
-          <ac:spMkLst>
-            <pc:docMk/>
-            <pc:sldMk cId="1301849154" sldId="273"/>
-            <ac:spMk id="5" creationId="{334FF01F-2A65-44F6-34F9-69AC934A31D7}"/>
-          </ac:spMkLst>
-        </pc:spChg>
-        <pc:spChg chg="add del">
-          <ac:chgData name="Scruel Tao" userId="5ea5c98d59b44d4b" providerId="LiveId" clId="{2BA6F94F-59B6-4AA6-9DB6-4A8227DBE37E}" dt="2023-04-06T03:03:08.342" v="5816" actId="22"/>
-          <ac:spMkLst>
-            <pc:docMk/>
-            <pc:sldMk cId="1301849154" sldId="273"/>
-            <ac:spMk id="9" creationId="{2D63CFCC-FD4C-6E5B-C31C-1FACE6548087}"/>
-          </ac:spMkLst>
-        </pc:spChg>
-        <pc:spChg chg="del">
-          <ac:chgData name="Scruel Tao" userId="5ea5c98d59b44d4b" providerId="LiveId" clId="{2BA6F94F-59B6-4AA6-9DB6-4A8227DBE37E}" dt="2023-04-06T02:59:42.163" v="5772"/>
-          <ac:spMkLst>
-            <pc:docMk/>
-            <pc:sldMk cId="1301849154" sldId="273"/>
-            <ac:spMk id="12" creationId="{17AECC1C-6944-9F68-770A-0455E86B2492}"/>
-          </ac:spMkLst>
-        </pc:spChg>
-        <pc:picChg chg="add mod">
-          <ac:chgData name="Scruel Tao" userId="5ea5c98d59b44d4b" providerId="LiveId" clId="{2BA6F94F-59B6-4AA6-9DB6-4A8227DBE37E}" dt="2023-04-06T03:00:08.355" v="5783" actId="14100"/>
-          <ac:picMkLst>
-            <pc:docMk/>
-            <pc:sldMk cId="1301849154" sldId="273"/>
-            <ac:picMk id="4" creationId="{0A002240-4414-DA2D-96E9-81195475F4D9}"/>
-          </ac:picMkLst>
-        </pc:picChg>
-        <pc:picChg chg="add mod">
-          <ac:chgData name="Scruel Tao" userId="5ea5c98d59b44d4b" providerId="LiveId" clId="{2BA6F94F-59B6-4AA6-9DB6-4A8227DBE37E}" dt="2023-04-06T03:01:55.942" v="5807" actId="1076"/>
-          <ac:picMkLst>
-            <pc:docMk/>
-            <pc:sldMk cId="1301849154" sldId="273"/>
-            <ac:picMk id="7" creationId="{039AB04D-EA90-8BDD-A9C6-599C7C25DC63}"/>
-          </ac:picMkLst>
-        </pc:picChg>
-        <pc:picChg chg="add mod">
-          <ac:chgData name="Scruel Tao" userId="5ea5c98d59b44d4b" providerId="LiveId" clId="{2BA6F94F-59B6-4AA6-9DB6-4A8227DBE37E}" dt="2023-04-06T03:03:35.262" v="5826" actId="1076"/>
-          <ac:picMkLst>
-            <pc:docMk/>
-            <pc:sldMk cId="1301849154" sldId="273"/>
-            <ac:picMk id="11" creationId="{F56CF5C9-083E-9020-8D45-F23AB3CF38CE}"/>
-          </ac:picMkLst>
-        </pc:picChg>
-      </pc:sldChg>
-      <pc:sldChg chg="addSp delSp modSp add mod modClrScheme modAnim chgLayout">
-        <pc:chgData name="Scruel Tao" userId="5ea5c98d59b44d4b" providerId="LiveId" clId="{2BA6F94F-59B6-4AA6-9DB6-4A8227DBE37E}" dt="2023-04-06T03:08:04.347" v="6177" actId="20577"/>
-        <pc:sldMkLst>
-          <pc:docMk/>
-          <pc:sldMk cId="2878673110" sldId="274"/>
-        </pc:sldMkLst>
-        <pc:spChg chg="mod ord">
-          <ac:chgData name="Scruel Tao" userId="5ea5c98d59b44d4b" providerId="LiveId" clId="{2BA6F94F-59B6-4AA6-9DB6-4A8227DBE37E}" dt="2023-04-06T03:06:24.832" v="6026" actId="20577"/>
-          <ac:spMkLst>
-            <pc:docMk/>
-            <pc:sldMk cId="2878673110" sldId="274"/>
-            <ac:spMk id="2" creationId="{ABA783DF-49A6-7EF1-661E-C574E2C2F386}"/>
-          </ac:spMkLst>
-        </pc:spChg>
-        <pc:spChg chg="add mod ord">
-          <ac:chgData name="Scruel Tao" userId="5ea5c98d59b44d4b" providerId="LiveId" clId="{2BA6F94F-59B6-4AA6-9DB6-4A8227DBE37E}" dt="2023-04-06T03:08:04.347" v="6177" actId="20577"/>
-          <ac:spMkLst>
-            <pc:docMk/>
-            <pc:sldMk cId="2878673110" sldId="274"/>
-            <ac:spMk id="3" creationId="{9E0BA8B8-92DA-1AC9-79B9-A552D184BB54}"/>
-          </ac:spMkLst>
-        </pc:spChg>
-        <pc:spChg chg="del mod ord">
-          <ac:chgData name="Scruel Tao" userId="5ea5c98d59b44d4b" providerId="LiveId" clId="{2BA6F94F-59B6-4AA6-9DB6-4A8227DBE37E}" dt="2023-04-03T05:14:57.549" v="3272" actId="700"/>
-          <ac:spMkLst>
-            <pc:docMk/>
-            <pc:sldMk cId="2878673110" sldId="274"/>
-            <ac:spMk id="5" creationId="{334FF01F-2A65-44F6-34F9-69AC934A31D7}"/>
-          </ac:spMkLst>
-        </pc:spChg>
-        <pc:spChg chg="del">
-          <ac:chgData name="Scruel Tao" userId="5ea5c98d59b44d4b" providerId="LiveId" clId="{2BA6F94F-59B6-4AA6-9DB6-4A8227DBE37E}" dt="2023-04-03T05:14:57.549" v="3272" actId="700"/>
-          <ac:spMkLst>
-            <pc:docMk/>
-            <pc:sldMk cId="2878673110" sldId="274"/>
-            <ac:spMk id="12" creationId="{17AECC1C-6944-9F68-770A-0455E86B2492}"/>
-          </ac:spMkLst>
-        </pc:spChg>
-      </pc:sldChg>
-      <pc:sldChg chg="addSp delSp modSp add mod delAnim modAnim">
-        <pc:chgData name="Scruel Tao" userId="5ea5c98d59b44d4b" providerId="LiveId" clId="{2BA6F94F-59B6-4AA6-9DB6-4A8227DBE37E}" dt="2023-04-06T03:11:42.112" v="6223" actId="20577"/>
-        <pc:sldMkLst>
-          <pc:docMk/>
-          <pc:sldMk cId="1525970791" sldId="275"/>
-        </pc:sldMkLst>
-        <pc:spChg chg="mod">
-          <ac:chgData name="Scruel Tao" userId="5ea5c98d59b44d4b" providerId="LiveId" clId="{2BA6F94F-59B6-4AA6-9DB6-4A8227DBE37E}" dt="2023-04-06T02:37:55.606" v="4130" actId="20577"/>
-          <ac:spMkLst>
-            <pc:docMk/>
-            <pc:sldMk cId="1525970791" sldId="275"/>
-            <ac:spMk id="2" creationId="{ABA783DF-49A6-7EF1-661E-C574E2C2F386}"/>
-          </ac:spMkLst>
-        </pc:spChg>
-        <pc:spChg chg="add mod">
-          <ac:chgData name="Scruel Tao" userId="5ea5c98d59b44d4b" providerId="LiveId" clId="{2BA6F94F-59B6-4AA6-9DB6-4A8227DBE37E}" dt="2023-04-06T02:40:44.115" v="4288" actId="1076"/>
-          <ac:spMkLst>
-            <pc:docMk/>
-            <pc:sldMk cId="1525970791" sldId="275"/>
-            <ac:spMk id="3" creationId="{758FEE91-E006-78B4-7371-44F05CE1873F}"/>
-          </ac:spMkLst>
-        </pc:spChg>
-        <pc:spChg chg="mod">
-          <ac:chgData name="Scruel Tao" userId="5ea5c98d59b44d4b" providerId="LiveId" clId="{2BA6F94F-59B6-4AA6-9DB6-4A8227DBE37E}" dt="2023-04-06T03:11:42.112" v="6223" actId="20577"/>
-          <ac:spMkLst>
-            <pc:docMk/>
-            <pc:sldMk cId="1525970791" sldId="275"/>
-            <ac:spMk id="5" creationId="{334FF01F-2A65-44F6-34F9-69AC934A31D7}"/>
-          </ac:spMkLst>
-        </pc:spChg>
-        <pc:spChg chg="add del mod">
-          <ac:chgData name="Scruel Tao" userId="5ea5c98d59b44d4b" providerId="LiveId" clId="{2BA6F94F-59B6-4AA6-9DB6-4A8227DBE37E}" dt="2023-04-06T02:41:11.484" v="4301"/>
-          <ac:spMkLst>
-            <pc:docMk/>
-            <pc:sldMk cId="1525970791" sldId="275"/>
-            <ac:spMk id="6" creationId="{FE71521E-2CC0-4A61-AAED-50B969DD3FB2}"/>
-          </ac:spMkLst>
-        </pc:spChg>
-        <pc:spChg chg="add del mod">
-          <ac:chgData name="Scruel Tao" userId="5ea5c98d59b44d4b" providerId="LiveId" clId="{2BA6F94F-59B6-4AA6-9DB6-4A8227DBE37E}" dt="2023-04-06T02:41:49.801" v="4308"/>
-          <ac:spMkLst>
-            <pc:docMk/>
-            <pc:sldMk cId="1525970791" sldId="275"/>
-            <ac:spMk id="11" creationId="{E7566BCF-DD27-2A40-5FAC-846D590C6664}"/>
-          </ac:spMkLst>
-        </pc:spChg>
-        <pc:picChg chg="del">
-          <ac:chgData name="Scruel Tao" userId="5ea5c98d59b44d4b" providerId="LiveId" clId="{2BA6F94F-59B6-4AA6-9DB6-4A8227DBE37E}" dt="2023-04-03T05:13:19.543" v="3163" actId="21"/>
-          <ac:picMkLst>
-            <pc:docMk/>
-            <pc:sldMk cId="1525970791" sldId="275"/>
-            <ac:picMk id="3" creationId="{E9C9C4B6-9E80-13FC-3C11-56455F818828}"/>
-          </ac:picMkLst>
-        </pc:picChg>
-        <pc:picChg chg="add del mod">
-          <ac:chgData name="Scruel Tao" userId="5ea5c98d59b44d4b" providerId="LiveId" clId="{2BA6F94F-59B6-4AA6-9DB6-4A8227DBE37E}" dt="2023-04-06T02:41:10.728" v="4300"/>
-          <ac:picMkLst>
-            <pc:docMk/>
-            <pc:sldMk cId="1525970791" sldId="275"/>
-            <ac:picMk id="7" creationId="{72753DEC-DD0C-C274-F404-F5EB4CD1C448}"/>
-          </ac:picMkLst>
-        </pc:picChg>
-        <pc:picChg chg="add del mod">
-          <ac:chgData name="Scruel Tao" userId="5ea5c98d59b44d4b" providerId="LiveId" clId="{2BA6F94F-59B6-4AA6-9DB6-4A8227DBE37E}" dt="2023-04-06T02:41:48.798" v="4307" actId="478"/>
-          <ac:picMkLst>
-            <pc:docMk/>
-            <pc:sldMk cId="1525970791" sldId="275"/>
-            <ac:picMk id="9" creationId="{956D46E1-CA10-6110-3721-527FB106B816}"/>
-          </ac:picMkLst>
-        </pc:picChg>
-        <pc:picChg chg="add mod">
-          <ac:chgData name="Scruel Tao" userId="5ea5c98d59b44d4b" providerId="LiveId" clId="{2BA6F94F-59B6-4AA6-9DB6-4A8227DBE37E}" dt="2023-04-06T02:41:56.060" v="4311" actId="14100"/>
-          <ac:picMkLst>
-            <pc:docMk/>
-            <pc:sldMk cId="1525970791" sldId="275"/>
-            <ac:picMk id="13" creationId="{28E0336C-E8D0-EA88-BA1F-58180AAA10B2}"/>
-          </ac:picMkLst>
-        </pc:picChg>
-        <pc:picChg chg="add mod">
-          <ac:chgData name="Scruel Tao" userId="5ea5c98d59b44d4b" providerId="LiveId" clId="{2BA6F94F-59B6-4AA6-9DB6-4A8227DBE37E}" dt="2023-04-06T02:43:15.541" v="4323" actId="1076"/>
-          <ac:picMkLst>
-            <pc:docMk/>
-            <pc:sldMk cId="1525970791" sldId="275"/>
-            <ac:picMk id="15" creationId="{688D0B3B-ED19-D752-7801-4EA7CCF93CF1}"/>
-          </ac:picMkLst>
-        </pc:picChg>
-        <pc:picChg chg="add del mod">
-          <ac:chgData name="Scruel Tao" userId="5ea5c98d59b44d4b" providerId="LiveId" clId="{2BA6F94F-59B6-4AA6-9DB6-4A8227DBE37E}" dt="2023-04-06T02:45:44.597" v="4337" actId="478"/>
-          <ac:picMkLst>
-            <pc:docMk/>
-            <pc:sldMk cId="1525970791" sldId="275"/>
-            <ac:picMk id="17" creationId="{A0899730-319B-2A2E-DBC8-BEBF8655AA69}"/>
-          </ac:picMkLst>
-        </pc:picChg>
-        <pc:picChg chg="add mod">
-          <ac:chgData name="Scruel Tao" userId="5ea5c98d59b44d4b" providerId="LiveId" clId="{2BA6F94F-59B6-4AA6-9DB6-4A8227DBE37E}" dt="2023-04-06T02:45:54.296" v="4342" actId="1076"/>
-          <ac:picMkLst>
-            <pc:docMk/>
-            <pc:sldMk cId="1525970791" sldId="275"/>
-            <ac:picMk id="19" creationId="{EA4C9E56-4F35-33EF-251B-533EFC0DABBF}"/>
-          </ac:picMkLst>
-        </pc:picChg>
-      </pc:sldChg>
-      <pc:sldChg chg="modSp add del mod">
-        <pc:chgData name="Scruel Tao" userId="5ea5c98d59b44d4b" providerId="LiveId" clId="{2BA6F94F-59B6-4AA6-9DB6-4A8227DBE37E}" dt="2023-04-06T02:37:57.733" v="4131" actId="47"/>
-        <pc:sldMkLst>
-          <pc:docMk/>
-          <pc:sldMk cId="1084643022" sldId="276"/>
-        </pc:sldMkLst>
-        <pc:spChg chg="mod">
-          <ac:chgData name="Scruel Tao" userId="5ea5c98d59b44d4b" providerId="LiveId" clId="{2BA6F94F-59B6-4AA6-9DB6-4A8227DBE37E}" dt="2023-04-06T01:59:57.563" v="3451" actId="20577"/>
-          <ac:spMkLst>
-            <pc:docMk/>
-            <pc:sldMk cId="1084643022" sldId="276"/>
-            <ac:spMk id="2" creationId="{ABA783DF-49A6-7EF1-661E-C574E2C2F386}"/>
-          </ac:spMkLst>
-        </pc:spChg>
-      </pc:sldChg>
-      <pc:sldMasterChg chg="modSldLayout">
-        <pc:chgData name="Scruel Tao" userId="5ea5c98d59b44d4b" providerId="LiveId" clId="{2BA6F94F-59B6-4AA6-9DB6-4A8227DBE37E}" dt="2023-04-03T03:34:53.033" v="335" actId="1076"/>
-        <pc:sldMasterMkLst>
-          <pc:docMk/>
-          <pc:sldMasterMk cId="1766057859" sldId="2147483648"/>
-        </pc:sldMasterMkLst>
-        <pc:sldLayoutChg chg="delSp modSp mod">
-          <pc:chgData name="Scruel Tao" userId="5ea5c98d59b44d4b" providerId="LiveId" clId="{2BA6F94F-59B6-4AA6-9DB6-4A8227DBE37E}" dt="2023-04-03T03:34:53.033" v="335" actId="1076"/>
-          <pc:sldLayoutMkLst>
-            <pc:docMk/>
-            <pc:sldMasterMk cId="1766057859" sldId="2147483648"/>
-            <pc:sldLayoutMk cId="1337634028" sldId="2147483660"/>
-          </pc:sldLayoutMkLst>
-          <pc:spChg chg="del mod">
-            <ac:chgData name="Scruel Tao" userId="5ea5c98d59b44d4b" providerId="LiveId" clId="{2BA6F94F-59B6-4AA6-9DB6-4A8227DBE37E}" dt="2023-04-03T03:27:47.594" v="278" actId="478"/>
-            <ac:spMkLst>
-              <pc:docMk/>
-              <pc:sldMasterMk cId="1766057859" sldId="2147483648"/>
-              <pc:sldLayoutMk cId="1337634028" sldId="2147483660"/>
-              <ac:spMk id="19468" creationId="{418CE5A5-515B-CEAB-D160-CBAFEBF4837F}"/>
-            </ac:spMkLst>
-          </pc:spChg>
-          <pc:picChg chg="del">
-            <ac:chgData name="Scruel Tao" userId="5ea5c98d59b44d4b" providerId="LiveId" clId="{2BA6F94F-59B6-4AA6-9DB6-4A8227DBE37E}" dt="2023-04-03T03:26:11.336" v="269" actId="21"/>
-            <ac:picMkLst>
-              <pc:docMk/>
-              <pc:sldMasterMk cId="1766057859" sldId="2147483648"/>
-              <pc:sldLayoutMk cId="1337634028" sldId="2147483660"/>
-              <ac:picMk id="19481" creationId="{02568321-E4E6-1B3D-8017-A3451A7203B9}"/>
-            </ac:picMkLst>
-          </pc:picChg>
-          <pc:picChg chg="mod">
-            <ac:chgData name="Scruel Tao" userId="5ea5c98d59b44d4b" providerId="LiveId" clId="{2BA6F94F-59B6-4AA6-9DB6-4A8227DBE37E}" dt="2023-04-03T03:34:53.033" v="335" actId="1076"/>
-            <ac:picMkLst>
-              <pc:docMk/>
-              <pc:sldMasterMk cId="1766057859" sldId="2147483648"/>
-              <pc:sldLayoutMk cId="1337634028" sldId="2147483660"/>
-              <ac:picMk id="19482" creationId="{8F2B9C9A-7CA4-5723-784E-DBADCF09186B}"/>
-            </ac:picMkLst>
-          </pc:picChg>
-        </pc:sldLayoutChg>
-      </pc:sldMasterChg>
-    </pc:docChg>
-  </pc:docChgLst>
   <pc:docChgLst>
     <pc:chgData name="Scruel Tao" userId="5ea5c98d59b44d4b" providerId="LiveId" clId="{A52ED264-C864-416B-BFF4-46855FE833A0}"/>
     <pc:docChg chg="undo redo custSel addSld delSld modSld modMainMaster">
@@ -1443,6 +333,179 @@
     </pc:docChg>
   </pc:docChgLst>
   <pc:docChgLst>
+    <pc:chgData name="Scruel Tao" userId="5ea5c98d59b44d4b" providerId="LiveId" clId="{2330EADB-10ED-4956-973A-3B593FFF7F82}"/>
+    <pc:docChg chg="undo custSel modSld">
+      <pc:chgData name="Scruel Tao" userId="5ea5c98d59b44d4b" providerId="LiveId" clId="{2330EADB-10ED-4956-973A-3B593FFF7F82}" dt="2023-12-03T14:21:15.772" v="462"/>
+      <pc:docMkLst>
+        <pc:docMk/>
+      </pc:docMkLst>
+      <pc:sldChg chg="addSp delSp modSp mod">
+        <pc:chgData name="Scruel Tao" userId="5ea5c98d59b44d4b" providerId="LiveId" clId="{2330EADB-10ED-4956-973A-3B593FFF7F82}" dt="2023-12-03T05:12:55.919" v="3" actId="478"/>
+        <pc:sldMkLst>
+          <pc:docMk/>
+          <pc:sldMk cId="3519437269" sldId="279"/>
+        </pc:sldMkLst>
+        <pc:spChg chg="del mod">
+          <ac:chgData name="Scruel Tao" userId="5ea5c98d59b44d4b" providerId="LiveId" clId="{2330EADB-10ED-4956-973A-3B593FFF7F82}" dt="2023-12-03T05:12:52.429" v="2" actId="478"/>
+          <ac:spMkLst>
+            <pc:docMk/>
+            <pc:sldMk cId="3519437269" sldId="279"/>
+            <ac:spMk id="3" creationId="{0E2FC508-1AFD-A957-52F2-FA1DEF2A9D27}"/>
+          </ac:spMkLst>
+        </pc:spChg>
+        <pc:spChg chg="add del mod">
+          <ac:chgData name="Scruel Tao" userId="5ea5c98d59b44d4b" providerId="LiveId" clId="{2330EADB-10ED-4956-973A-3B593FFF7F82}" dt="2023-12-03T05:12:55.919" v="3" actId="478"/>
+          <ac:spMkLst>
+            <pc:docMk/>
+            <pc:sldMk cId="3519437269" sldId="279"/>
+            <ac:spMk id="5" creationId="{1830351D-5E91-6ED4-ED95-32E78B9771EF}"/>
+          </ac:spMkLst>
+        </pc:spChg>
+      </pc:sldChg>
+      <pc:sldChg chg="modAnim">
+        <pc:chgData name="Scruel Tao" userId="5ea5c98d59b44d4b" providerId="LiveId" clId="{2330EADB-10ED-4956-973A-3B593FFF7F82}" dt="2023-12-03T05:33:03.489" v="252"/>
+        <pc:sldMkLst>
+          <pc:docMk/>
+          <pc:sldMk cId="3091530352" sldId="283"/>
+        </pc:sldMkLst>
+      </pc:sldChg>
+      <pc:sldChg chg="addSp modSp mod modAnim">
+        <pc:chgData name="Scruel Tao" userId="5ea5c98d59b44d4b" providerId="LiveId" clId="{2330EADB-10ED-4956-973A-3B593FFF7F82}" dt="2023-12-03T05:34:18.176" v="260"/>
+        <pc:sldMkLst>
+          <pc:docMk/>
+          <pc:sldMk cId="2057342537" sldId="285"/>
+        </pc:sldMkLst>
+        <pc:spChg chg="add mod">
+          <ac:chgData name="Scruel Tao" userId="5ea5c98d59b44d4b" providerId="LiveId" clId="{2330EADB-10ED-4956-973A-3B593FFF7F82}" dt="2023-12-03T05:34:03.469" v="255" actId="1035"/>
+          <ac:spMkLst>
+            <pc:docMk/>
+            <pc:sldMk cId="2057342537" sldId="285"/>
+            <ac:spMk id="4" creationId="{95185EE5-90C6-4AC8-BFCF-7A3E5E3EF0FE}"/>
+          </ac:spMkLst>
+        </pc:spChg>
+      </pc:sldChg>
+      <pc:sldChg chg="modNotesTx">
+        <pc:chgData name="Scruel Tao" userId="5ea5c98d59b44d4b" providerId="LiveId" clId="{2330EADB-10ED-4956-973A-3B593FFF7F82}" dt="2023-09-19T09:35:18.865" v="0" actId="20577"/>
+        <pc:sldMkLst>
+          <pc:docMk/>
+          <pc:sldMk cId="3604496744" sldId="290"/>
+        </pc:sldMkLst>
+      </pc:sldChg>
+      <pc:sldChg chg="modSp modAnim">
+        <pc:chgData name="Scruel Tao" userId="5ea5c98d59b44d4b" providerId="LiveId" clId="{2330EADB-10ED-4956-973A-3B593FFF7F82}" dt="2023-12-03T05:35:54.258" v="264" actId="113"/>
+        <pc:sldMkLst>
+          <pc:docMk/>
+          <pc:sldMk cId="1171829121" sldId="291"/>
+        </pc:sldMkLst>
+        <pc:spChg chg="mod">
+          <ac:chgData name="Scruel Tao" userId="5ea5c98d59b44d4b" providerId="LiveId" clId="{2330EADB-10ED-4956-973A-3B593FFF7F82}" dt="2023-12-03T05:35:54.258" v="264" actId="113"/>
+          <ac:spMkLst>
+            <pc:docMk/>
+            <pc:sldMk cId="1171829121" sldId="291"/>
+            <ac:spMk id="6" creationId="{5357301F-961E-CB74-E220-38F7E7794570}"/>
+          </ac:spMkLst>
+        </pc:spChg>
+      </pc:sldChg>
+      <pc:sldChg chg="modSp mod">
+        <pc:chgData name="Scruel Tao" userId="5ea5c98d59b44d4b" providerId="LiveId" clId="{2330EADB-10ED-4956-973A-3B593FFF7F82}" dt="2023-12-03T05:40:04.345" v="461" actId="1076"/>
+        <pc:sldMkLst>
+          <pc:docMk/>
+          <pc:sldMk cId="2748658712" sldId="293"/>
+        </pc:sldMkLst>
+        <pc:spChg chg="mod">
+          <ac:chgData name="Scruel Tao" userId="5ea5c98d59b44d4b" providerId="LiveId" clId="{2330EADB-10ED-4956-973A-3B593FFF7F82}" dt="2023-12-03T05:40:04.345" v="461" actId="1076"/>
+          <ac:spMkLst>
+            <pc:docMk/>
+            <pc:sldMk cId="2748658712" sldId="293"/>
+            <ac:spMk id="4" creationId="{F0C251C7-4C7B-3236-48AF-E1BBF0BBDCCA}"/>
+          </ac:spMkLst>
+        </pc:spChg>
+      </pc:sldChg>
+      <pc:sldChg chg="modNotesTx">
+        <pc:chgData name="Scruel Tao" userId="5ea5c98d59b44d4b" providerId="LiveId" clId="{2330EADB-10ED-4956-973A-3B593FFF7F82}" dt="2023-12-03T05:39:06.094" v="433" actId="20577"/>
+        <pc:sldMkLst>
+          <pc:docMk/>
+          <pc:sldMk cId="4256083853" sldId="294"/>
+        </pc:sldMkLst>
+      </pc:sldChg>
+      <pc:sldChg chg="modSp mod">
+        <pc:chgData name="Scruel Tao" userId="5ea5c98d59b44d4b" providerId="LiveId" clId="{2330EADB-10ED-4956-973A-3B593FFF7F82}" dt="2023-12-03T05:14:32.467" v="20" actId="313"/>
+        <pc:sldMkLst>
+          <pc:docMk/>
+          <pc:sldMk cId="3584119265" sldId="295"/>
+        </pc:sldMkLst>
+        <pc:spChg chg="mod">
+          <ac:chgData name="Scruel Tao" userId="5ea5c98d59b44d4b" providerId="LiveId" clId="{2330EADB-10ED-4956-973A-3B593FFF7F82}" dt="2023-12-03T05:13:57.573" v="5" actId="113"/>
+          <ac:spMkLst>
+            <pc:docMk/>
+            <pc:sldMk cId="3584119265" sldId="295"/>
+            <ac:spMk id="3" creationId="{0E2FC508-1AFD-A957-52F2-FA1DEF2A9D27}"/>
+          </ac:spMkLst>
+        </pc:spChg>
+        <pc:spChg chg="mod">
+          <ac:chgData name="Scruel Tao" userId="5ea5c98d59b44d4b" providerId="LiveId" clId="{2330EADB-10ED-4956-973A-3B593FFF7F82}" dt="2023-12-03T05:14:32.467" v="20" actId="313"/>
+          <ac:spMkLst>
+            <pc:docMk/>
+            <pc:sldMk cId="3584119265" sldId="295"/>
+            <ac:spMk id="5" creationId="{B7A8CE03-6A77-60EC-056E-D7A0019640A3}"/>
+          </ac:spMkLst>
+        </pc:spChg>
+      </pc:sldChg>
+      <pc:sldChg chg="modTransition">
+        <pc:chgData name="Scruel Tao" userId="5ea5c98d59b44d4b" providerId="LiveId" clId="{2330EADB-10ED-4956-973A-3B593FFF7F82}" dt="2023-12-03T14:21:15.772" v="462"/>
+        <pc:sldMkLst>
+          <pc:docMk/>
+          <pc:sldMk cId="3787547593" sldId="297"/>
+        </pc:sldMkLst>
+      </pc:sldChg>
+      <pc:sldChg chg="modSp mod">
+        <pc:chgData name="Scruel Tao" userId="5ea5c98d59b44d4b" providerId="LiveId" clId="{2330EADB-10ED-4956-973A-3B593FFF7F82}" dt="2023-12-03T05:20:58.013" v="251"/>
+        <pc:sldMkLst>
+          <pc:docMk/>
+          <pc:sldMk cId="144408623" sldId="299"/>
+        </pc:sldMkLst>
+        <pc:spChg chg="mod">
+          <ac:chgData name="Scruel Tao" userId="5ea5c98d59b44d4b" providerId="LiveId" clId="{2330EADB-10ED-4956-973A-3B593FFF7F82}" dt="2023-12-03T05:20:58.013" v="251"/>
+          <ac:spMkLst>
+            <pc:docMk/>
+            <pc:sldMk cId="144408623" sldId="299"/>
+            <ac:spMk id="3" creationId="{0E2FC508-1AFD-A957-52F2-FA1DEF2A9D27}"/>
+          </ac:spMkLst>
+        </pc:spChg>
+      </pc:sldChg>
+      <pc:sldChg chg="modSp mod">
+        <pc:chgData name="Scruel Tao" userId="5ea5c98d59b44d4b" providerId="LiveId" clId="{2330EADB-10ED-4956-973A-3B593FFF7F82}" dt="2023-12-03T05:19:25.165" v="145"/>
+        <pc:sldMkLst>
+          <pc:docMk/>
+          <pc:sldMk cId="2974806146" sldId="301"/>
+        </pc:sldMkLst>
+        <pc:spChg chg="mod">
+          <ac:chgData name="Scruel Tao" userId="5ea5c98d59b44d4b" providerId="LiveId" clId="{2330EADB-10ED-4956-973A-3B593FFF7F82}" dt="2023-12-03T05:19:25.165" v="145"/>
+          <ac:spMkLst>
+            <pc:docMk/>
+            <pc:sldMk cId="2974806146" sldId="301"/>
+            <ac:spMk id="3" creationId="{0E2FC508-1AFD-A957-52F2-FA1DEF2A9D27}"/>
+          </ac:spMkLst>
+        </pc:spChg>
+      </pc:sldChg>
+      <pc:sldChg chg="modSp mod">
+        <pc:chgData name="Scruel Tao" userId="5ea5c98d59b44d4b" providerId="LiveId" clId="{2330EADB-10ED-4956-973A-3B593FFF7F82}" dt="2023-12-03T05:20:51.968" v="250" actId="20577"/>
+        <pc:sldMkLst>
+          <pc:docMk/>
+          <pc:sldMk cId="2546857016" sldId="302"/>
+        </pc:sldMkLst>
+        <pc:spChg chg="mod">
+          <ac:chgData name="Scruel Tao" userId="5ea5c98d59b44d4b" providerId="LiveId" clId="{2330EADB-10ED-4956-973A-3B593FFF7F82}" dt="2023-12-03T05:20:51.968" v="250" actId="20577"/>
+          <ac:spMkLst>
+            <pc:docMk/>
+            <pc:sldMk cId="2546857016" sldId="302"/>
+            <ac:spMk id="3" creationId="{0E2FC508-1AFD-A957-52F2-FA1DEF2A9D27}"/>
+          </ac:spMkLst>
+        </pc:spChg>
+      </pc:sldChg>
+    </pc:docChg>
+  </pc:docChgLst>
+  <pc:docChgLst>
     <pc:chgData name="Scruel Tao" userId="5ea5c98d59b44d4b" providerId="LiveId" clId="{42F73B06-DA81-4C67-8473-07E158E9C79B}"/>
     <pc:docChg chg="undo redo custSel addSld delSld modSld sldOrd modMainMaster">
       <pc:chgData name="Scruel Tao" userId="5ea5c98d59b44d4b" providerId="LiveId" clId="{42F73B06-DA81-4C67-8473-07E158E9C79B}" dt="2023-04-25T04:46:22.938" v="2599" actId="20577"/>
@@ -2438,6 +1501,1108 @@
           </pc:sldLayoutMkLst>
           <pc:picChg chg="del">
             <ac:chgData name="Scruel Tao" userId="5ea5c98d59b44d4b" providerId="LiveId" clId="{42F73B06-DA81-4C67-8473-07E158E9C79B}" dt="2023-04-25T02:47:33.665" v="42" actId="21"/>
+            <ac:picMkLst>
+              <pc:docMk/>
+              <pc:sldMasterMk cId="1766057859" sldId="2147483648"/>
+              <pc:sldLayoutMk cId="1337634028" sldId="2147483660"/>
+              <ac:picMk id="19482" creationId="{8F2B9C9A-7CA4-5723-784E-DBADCF09186B}"/>
+            </ac:picMkLst>
+          </pc:picChg>
+        </pc:sldLayoutChg>
+      </pc:sldMasterChg>
+    </pc:docChg>
+  </pc:docChgLst>
+  <pc:docChgLst>
+    <pc:chgData name="Scruel Tao" userId="5ea5c98d59b44d4b" providerId="LiveId" clId="{2BA6F94F-59B6-4AA6-9DB6-4A8227DBE37E}"/>
+    <pc:docChg chg="undo redo custSel addSld delSld modSld sldOrd modMainMaster">
+      <pc:chgData name="Scruel Tao" userId="5ea5c98d59b44d4b" providerId="LiveId" clId="{2BA6F94F-59B6-4AA6-9DB6-4A8227DBE37E}" dt="2023-04-06T03:22:01.021" v="6326" actId="20577"/>
+      <pc:docMkLst>
+        <pc:docMk/>
+      </pc:docMkLst>
+      <pc:sldChg chg="del">
+        <pc:chgData name="Scruel Tao" userId="5ea5c98d59b44d4b" providerId="LiveId" clId="{2BA6F94F-59B6-4AA6-9DB6-4A8227DBE37E}" dt="2023-04-03T03:24:06.255" v="207" actId="47"/>
+        <pc:sldMkLst>
+          <pc:docMk/>
+          <pc:sldMk cId="1900326474" sldId="256"/>
+        </pc:sldMkLst>
+      </pc:sldChg>
+      <pc:sldChg chg="modSp mod">
+        <pc:chgData name="Scruel Tao" userId="5ea5c98d59b44d4b" providerId="LiveId" clId="{2BA6F94F-59B6-4AA6-9DB6-4A8227DBE37E}" dt="2023-04-06T03:06:34.065" v="6045" actId="20577"/>
+        <pc:sldMkLst>
+          <pc:docMk/>
+          <pc:sldMk cId="1112998187" sldId="257"/>
+        </pc:sldMkLst>
+        <pc:spChg chg="mod">
+          <ac:chgData name="Scruel Tao" userId="5ea5c98d59b44d4b" providerId="LiveId" clId="{2BA6F94F-59B6-4AA6-9DB6-4A8227DBE37E}" dt="2023-04-06T01:53:20.359" v="3276"/>
+          <ac:spMkLst>
+            <pc:docMk/>
+            <pc:sldMk cId="1112998187" sldId="257"/>
+            <ac:spMk id="2" creationId="{1422DFF6-0952-1023-64E3-97184D36BE3F}"/>
+          </ac:spMkLst>
+        </pc:spChg>
+        <pc:spChg chg="mod">
+          <ac:chgData name="Scruel Tao" userId="5ea5c98d59b44d4b" providerId="LiveId" clId="{2BA6F94F-59B6-4AA6-9DB6-4A8227DBE37E}" dt="2023-04-06T03:06:34.065" v="6045" actId="20577"/>
+          <ac:spMkLst>
+            <pc:docMk/>
+            <pc:sldMk cId="1112998187" sldId="257"/>
+            <ac:spMk id="3" creationId="{AC7759D9-0BB4-08ED-8476-24F7D903D6DE}"/>
+          </ac:spMkLst>
+        </pc:spChg>
+      </pc:sldChg>
+      <pc:sldChg chg="addSp delSp modSp mod modClrScheme chgLayout">
+        <pc:chgData name="Scruel Tao" userId="5ea5c98d59b44d4b" providerId="LiveId" clId="{2BA6F94F-59B6-4AA6-9DB6-4A8227DBE37E}" dt="2023-04-03T05:03:22.628" v="2756"/>
+        <pc:sldMkLst>
+          <pc:docMk/>
+          <pc:sldMk cId="3636494425" sldId="258"/>
+        </pc:sldMkLst>
+        <pc:spChg chg="mod ord">
+          <ac:chgData name="Scruel Tao" userId="5ea5c98d59b44d4b" providerId="LiveId" clId="{2BA6F94F-59B6-4AA6-9DB6-4A8227DBE37E}" dt="2023-04-03T05:03:22.628" v="2756"/>
+          <ac:spMkLst>
+            <pc:docMk/>
+            <pc:sldMk cId="3636494425" sldId="258"/>
+            <ac:spMk id="2" creationId="{ABA783DF-49A6-7EF1-661E-C574E2C2F386}"/>
+          </ac:spMkLst>
+        </pc:spChg>
+        <pc:spChg chg="mod ord">
+          <ac:chgData name="Scruel Tao" userId="5ea5c98d59b44d4b" providerId="LiveId" clId="{2BA6F94F-59B6-4AA6-9DB6-4A8227DBE37E}" dt="2023-04-03T03:46:29.252" v="641" actId="20577"/>
+          <ac:spMkLst>
+            <pc:docMk/>
+            <pc:sldMk cId="3636494425" sldId="258"/>
+            <ac:spMk id="3" creationId="{4C14948B-081B-0FED-AF72-DA2CFEC85EB0}"/>
+          </ac:spMkLst>
+        </pc:spChg>
+        <pc:spChg chg="add del mod ord">
+          <ac:chgData name="Scruel Tao" userId="5ea5c98d59b44d4b" providerId="LiveId" clId="{2BA6F94F-59B6-4AA6-9DB6-4A8227DBE37E}" dt="2023-04-03T03:44:53.662" v="491" actId="700"/>
+          <ac:spMkLst>
+            <pc:docMk/>
+            <pc:sldMk cId="3636494425" sldId="258"/>
+            <ac:spMk id="6" creationId="{F56D7D0D-9A8C-4EF8-27F2-E32848F94E27}"/>
+          </ac:spMkLst>
+        </pc:spChg>
+        <pc:spChg chg="add del mod ord">
+          <ac:chgData name="Scruel Tao" userId="5ea5c98d59b44d4b" providerId="LiveId" clId="{2BA6F94F-59B6-4AA6-9DB6-4A8227DBE37E}" dt="2023-04-03T03:47:53.866" v="642" actId="478"/>
+          <ac:spMkLst>
+            <pc:docMk/>
+            <pc:sldMk cId="3636494425" sldId="258"/>
+            <ac:spMk id="7" creationId="{34E14114-55C2-509B-E32D-4974A828AFB6}"/>
+          </ac:spMkLst>
+        </pc:spChg>
+        <pc:picChg chg="add mod">
+          <ac:chgData name="Scruel Tao" userId="5ea5c98d59b44d4b" providerId="LiveId" clId="{2BA6F94F-59B6-4AA6-9DB6-4A8227DBE37E}" dt="2023-04-03T03:45:05.643" v="494" actId="1076"/>
+          <ac:picMkLst>
+            <pc:docMk/>
+            <pc:sldMk cId="3636494425" sldId="258"/>
+            <ac:picMk id="5" creationId="{C5E50AA4-F82C-6E14-E269-5451494306AE}"/>
+          </ac:picMkLst>
+        </pc:picChg>
+      </pc:sldChg>
+      <pc:sldChg chg="addSp delSp modSp add mod modClrScheme chgLayout">
+        <pc:chgData name="Scruel Tao" userId="5ea5c98d59b44d4b" providerId="LiveId" clId="{2BA6F94F-59B6-4AA6-9DB6-4A8227DBE37E}" dt="2023-04-06T01:58:50.310" v="3415" actId="20577"/>
+        <pc:sldMkLst>
+          <pc:docMk/>
+          <pc:sldMk cId="1199684676" sldId="259"/>
+        </pc:sldMkLst>
+        <pc:spChg chg="mod ord">
+          <ac:chgData name="Scruel Tao" userId="5ea5c98d59b44d4b" providerId="LiveId" clId="{2BA6F94F-59B6-4AA6-9DB6-4A8227DBE37E}" dt="2023-04-06T01:58:50.310" v="3415" actId="20577"/>
+          <ac:spMkLst>
+            <pc:docMk/>
+            <pc:sldMk cId="1199684676" sldId="259"/>
+            <ac:spMk id="2" creationId="{ABA783DF-49A6-7EF1-661E-C574E2C2F386}"/>
+          </ac:spMkLst>
+        </pc:spChg>
+        <pc:spChg chg="del">
+          <ac:chgData name="Scruel Tao" userId="5ea5c98d59b44d4b" providerId="LiveId" clId="{2BA6F94F-59B6-4AA6-9DB6-4A8227DBE37E}" dt="2023-04-03T03:35:16.150" v="336"/>
+          <ac:spMkLst>
+            <pc:docMk/>
+            <pc:sldMk cId="1199684676" sldId="259"/>
+            <ac:spMk id="3" creationId="{4C14948B-081B-0FED-AF72-DA2CFEC85EB0}"/>
+          </ac:spMkLst>
+        </pc:spChg>
+        <pc:spChg chg="add del mod">
+          <ac:chgData name="Scruel Tao" userId="5ea5c98d59b44d4b" providerId="LiveId" clId="{2BA6F94F-59B6-4AA6-9DB6-4A8227DBE37E}" dt="2023-04-03T03:35:26.887" v="338"/>
+          <ac:spMkLst>
+            <pc:docMk/>
+            <pc:sldMk cId="1199684676" sldId="259"/>
+            <ac:spMk id="6" creationId="{99A6C97A-27D9-096E-3F01-65FA7A6B5674}"/>
+          </ac:spMkLst>
+        </pc:spChg>
+        <pc:spChg chg="add del mod">
+          <ac:chgData name="Scruel Tao" userId="5ea5c98d59b44d4b" providerId="LiveId" clId="{2BA6F94F-59B6-4AA6-9DB6-4A8227DBE37E}" dt="2023-04-03T03:35:46.159" v="342"/>
+          <ac:spMkLst>
+            <pc:docMk/>
+            <pc:sldMk cId="1199684676" sldId="259"/>
+            <ac:spMk id="9" creationId="{EA4CD5A2-8483-D61D-CBA0-AB48D8A07DC9}"/>
+          </ac:spMkLst>
+        </pc:spChg>
+        <pc:spChg chg="add mod ord">
+          <ac:chgData name="Scruel Tao" userId="5ea5c98d59b44d4b" providerId="LiveId" clId="{2BA6F94F-59B6-4AA6-9DB6-4A8227DBE37E}" dt="2023-04-06T01:54:00.591" v="3312" actId="20577"/>
+          <ac:spMkLst>
+            <pc:docMk/>
+            <pc:sldMk cId="1199684676" sldId="259"/>
+            <ac:spMk id="12" creationId="{17AECC1C-6944-9F68-770A-0455E86B2492}"/>
+          </ac:spMkLst>
+        </pc:spChg>
+        <pc:picChg chg="add del mod">
+          <ac:chgData name="Scruel Tao" userId="5ea5c98d59b44d4b" providerId="LiveId" clId="{2BA6F94F-59B6-4AA6-9DB6-4A8227DBE37E}" dt="2023-04-03T03:35:18.823" v="337" actId="478"/>
+          <ac:picMkLst>
+            <pc:docMk/>
+            <pc:sldMk cId="1199684676" sldId="259"/>
+            <ac:picMk id="4" creationId="{5CD98794-78EF-B400-A554-F39AC55576BD}"/>
+          </ac:picMkLst>
+        </pc:picChg>
+        <pc:picChg chg="add del mod">
+          <ac:chgData name="Scruel Tao" userId="5ea5c98d59b44d4b" providerId="LiveId" clId="{2BA6F94F-59B6-4AA6-9DB6-4A8227DBE37E}" dt="2023-04-03T03:35:35.326" v="341" actId="478"/>
+          <ac:picMkLst>
+            <pc:docMk/>
+            <pc:sldMk cId="1199684676" sldId="259"/>
+            <ac:picMk id="7" creationId="{F8FEA747-E9DF-6A17-2CB8-1B41D931CB90}"/>
+          </ac:picMkLst>
+        </pc:picChg>
+        <pc:picChg chg="add mod ord">
+          <ac:chgData name="Scruel Tao" userId="5ea5c98d59b44d4b" providerId="LiveId" clId="{2BA6F94F-59B6-4AA6-9DB6-4A8227DBE37E}" dt="2023-04-06T01:54:10.825" v="3315" actId="1076"/>
+          <ac:picMkLst>
+            <pc:docMk/>
+            <pc:sldMk cId="1199684676" sldId="259"/>
+            <ac:picMk id="11" creationId="{9D500740-D60E-EFBC-F3C9-43DA9B4672BC}"/>
+          </ac:picMkLst>
+        </pc:picChg>
+      </pc:sldChg>
+      <pc:sldChg chg="addSp delSp modSp add mod">
+        <pc:chgData name="Scruel Tao" userId="5ea5c98d59b44d4b" providerId="LiveId" clId="{2BA6F94F-59B6-4AA6-9DB6-4A8227DBE37E}" dt="2023-04-03T03:41:24.102" v="348" actId="1076"/>
+        <pc:sldMkLst>
+          <pc:docMk/>
+          <pc:sldMk cId="0" sldId="260"/>
+        </pc:sldMkLst>
+        <pc:spChg chg="mod">
+          <ac:chgData name="Scruel Tao" userId="5ea5c98d59b44d4b" providerId="LiveId" clId="{2BA6F94F-59B6-4AA6-9DB6-4A8227DBE37E}" dt="2023-04-03T03:33:34.644" v="330"/>
+          <ac:spMkLst>
+            <pc:docMk/>
+            <pc:sldMk cId="0" sldId="260"/>
+            <ac:spMk id="1227783" creationId="{F7B3941E-B689-22D6-F18C-358E4BAEDF5F}"/>
+          </ac:spMkLst>
+        </pc:spChg>
+        <pc:spChg chg="add del mod">
+          <ac:chgData name="Scruel Tao" userId="5ea5c98d59b44d4b" providerId="LiveId" clId="{2BA6F94F-59B6-4AA6-9DB6-4A8227DBE37E}" dt="2023-04-03T03:33:39.968" v="331" actId="1076"/>
+          <ac:spMkLst>
+            <pc:docMk/>
+            <pc:sldMk cId="0" sldId="260"/>
+            <ac:spMk id="1227786" creationId="{C3F4DD20-8FA3-3CB0-19B6-FE0240B92A34}"/>
+          </ac:spMkLst>
+        </pc:spChg>
+        <pc:picChg chg="add mod">
+          <ac:chgData name="Scruel Tao" userId="5ea5c98d59b44d4b" providerId="LiveId" clId="{2BA6F94F-59B6-4AA6-9DB6-4A8227DBE37E}" dt="2023-04-03T03:41:24.102" v="348" actId="1076"/>
+          <ac:picMkLst>
+            <pc:docMk/>
+            <pc:sldMk cId="0" sldId="260"/>
+            <ac:picMk id="4" creationId="{E03AF484-A892-E4D7-A8C4-A4C7AE20944E}"/>
+          </ac:picMkLst>
+        </pc:picChg>
+      </pc:sldChg>
+      <pc:sldChg chg="addSp delSp modSp add mod chgLayout">
+        <pc:chgData name="Scruel Tao" userId="5ea5c98d59b44d4b" providerId="LiveId" clId="{2BA6F94F-59B6-4AA6-9DB6-4A8227DBE37E}" dt="2023-04-06T01:59:00.026" v="3419" actId="20577"/>
+        <pc:sldMkLst>
+          <pc:docMk/>
+          <pc:sldMk cId="3351160539" sldId="261"/>
+        </pc:sldMkLst>
+        <pc:spChg chg="mod ord">
+          <ac:chgData name="Scruel Tao" userId="5ea5c98d59b44d4b" providerId="LiveId" clId="{2BA6F94F-59B6-4AA6-9DB6-4A8227DBE37E}" dt="2023-04-06T01:59:00.026" v="3419" actId="20577"/>
+          <ac:spMkLst>
+            <pc:docMk/>
+            <pc:sldMk cId="3351160539" sldId="261"/>
+            <ac:spMk id="2" creationId="{ABA783DF-49A6-7EF1-661E-C574E2C2F386}"/>
+          </ac:spMkLst>
+        </pc:spChg>
+        <pc:spChg chg="add del mod">
+          <ac:chgData name="Scruel Tao" userId="5ea5c98d59b44d4b" providerId="LiveId" clId="{2BA6F94F-59B6-4AA6-9DB6-4A8227DBE37E}" dt="2023-04-03T03:55:10.330" v="847" actId="700"/>
+          <ac:spMkLst>
+            <pc:docMk/>
+            <pc:sldMk cId="3351160539" sldId="261"/>
+            <ac:spMk id="4" creationId="{B3A734ED-5C82-D6A5-9DB3-B2DF9F846D94}"/>
+          </ac:spMkLst>
+        </pc:spChg>
+        <pc:spChg chg="add mod ord">
+          <ac:chgData name="Scruel Tao" userId="5ea5c98d59b44d4b" providerId="LiveId" clId="{2BA6F94F-59B6-4AA6-9DB6-4A8227DBE37E}" dt="2023-04-03T04:04:07.946" v="1365" actId="20577"/>
+          <ac:spMkLst>
+            <pc:docMk/>
+            <pc:sldMk cId="3351160539" sldId="261"/>
+            <ac:spMk id="5" creationId="{334FF01F-2A65-44F6-34F9-69AC934A31D7}"/>
+          </ac:spMkLst>
+        </pc:spChg>
+        <pc:spChg chg="add del mod">
+          <ac:chgData name="Scruel Tao" userId="5ea5c98d59b44d4b" providerId="LiveId" clId="{2BA6F94F-59B6-4AA6-9DB6-4A8227DBE37E}" dt="2023-04-03T03:59:25.344" v="1081"/>
+          <ac:spMkLst>
+            <pc:docMk/>
+            <pc:sldMk cId="3351160539" sldId="261"/>
+            <ac:spMk id="9" creationId="{C16084A3-CDE6-AAC4-2971-FD575FBF0A8B}"/>
+          </ac:spMkLst>
+        </pc:spChg>
+        <pc:spChg chg="del mod ord">
+          <ac:chgData name="Scruel Tao" userId="5ea5c98d59b44d4b" providerId="LiveId" clId="{2BA6F94F-59B6-4AA6-9DB6-4A8227DBE37E}" dt="2023-04-03T03:58:01.823" v="1015"/>
+          <ac:spMkLst>
+            <pc:docMk/>
+            <pc:sldMk cId="3351160539" sldId="261"/>
+            <ac:spMk id="12" creationId="{17AECC1C-6944-9F68-770A-0455E86B2492}"/>
+          </ac:spMkLst>
+        </pc:spChg>
+        <pc:spChg chg="add mod">
+          <ac:chgData name="Scruel Tao" userId="5ea5c98d59b44d4b" providerId="LiveId" clId="{2BA6F94F-59B6-4AA6-9DB6-4A8227DBE37E}" dt="2023-04-03T04:05:44.217" v="1475" actId="114"/>
+          <ac:spMkLst>
+            <pc:docMk/>
+            <pc:sldMk cId="3351160539" sldId="261"/>
+            <ac:spMk id="14" creationId="{670E3534-8F35-5B26-8418-171E013CEE09}"/>
+          </ac:spMkLst>
+        </pc:spChg>
+        <pc:picChg chg="add del mod">
+          <ac:chgData name="Scruel Tao" userId="5ea5c98d59b44d4b" providerId="LiveId" clId="{2BA6F94F-59B6-4AA6-9DB6-4A8227DBE37E}" dt="2023-04-03T03:59:24.519" v="1080" actId="478"/>
+          <ac:picMkLst>
+            <pc:docMk/>
+            <pc:sldMk cId="3351160539" sldId="261"/>
+            <ac:picMk id="7" creationId="{0FBFFB0C-E3DC-4B3B-8988-A0B34551F390}"/>
+          </ac:picMkLst>
+        </pc:picChg>
+        <pc:picChg chg="del">
+          <ac:chgData name="Scruel Tao" userId="5ea5c98d59b44d4b" providerId="LiveId" clId="{2BA6F94F-59B6-4AA6-9DB6-4A8227DBE37E}" dt="2023-04-03T03:53:43.786" v="845" actId="21"/>
+          <ac:picMkLst>
+            <pc:docMk/>
+            <pc:sldMk cId="3351160539" sldId="261"/>
+            <ac:picMk id="11" creationId="{9D500740-D60E-EFBC-F3C9-43DA9B4672BC}"/>
+          </ac:picMkLst>
+        </pc:picChg>
+        <pc:picChg chg="add mod">
+          <ac:chgData name="Scruel Tao" userId="5ea5c98d59b44d4b" providerId="LiveId" clId="{2BA6F94F-59B6-4AA6-9DB6-4A8227DBE37E}" dt="2023-04-03T04:05:27.689" v="1473" actId="1076"/>
+          <ac:picMkLst>
+            <pc:docMk/>
+            <pc:sldMk cId="3351160539" sldId="261"/>
+            <ac:picMk id="13" creationId="{7C633EC2-82A6-5F6A-D9A3-326C1E77FDA3}"/>
+          </ac:picMkLst>
+        </pc:picChg>
+      </pc:sldChg>
+      <pc:sldChg chg="addSp delSp modSp add mod">
+        <pc:chgData name="Scruel Tao" userId="5ea5c98d59b44d4b" providerId="LiveId" clId="{2BA6F94F-59B6-4AA6-9DB6-4A8227DBE37E}" dt="2023-04-06T03:20:40.633" v="6312" actId="20577"/>
+        <pc:sldMkLst>
+          <pc:docMk/>
+          <pc:sldMk cId="1122177192" sldId="262"/>
+        </pc:sldMkLst>
+        <pc:spChg chg="mod">
+          <ac:chgData name="Scruel Tao" userId="5ea5c98d59b44d4b" providerId="LiveId" clId="{2BA6F94F-59B6-4AA6-9DB6-4A8227DBE37E}" dt="2023-04-06T03:20:30.082" v="6290" actId="20577"/>
+          <ac:spMkLst>
+            <pc:docMk/>
+            <pc:sldMk cId="1122177192" sldId="262"/>
+            <ac:spMk id="2" creationId="{ABA783DF-49A6-7EF1-661E-C574E2C2F386}"/>
+          </ac:spMkLst>
+        </pc:spChg>
+        <pc:spChg chg="mod">
+          <ac:chgData name="Scruel Tao" userId="5ea5c98d59b44d4b" providerId="LiveId" clId="{2BA6F94F-59B6-4AA6-9DB6-4A8227DBE37E}" dt="2023-04-06T03:20:40.633" v="6312" actId="20577"/>
+          <ac:spMkLst>
+            <pc:docMk/>
+            <pc:sldMk cId="1122177192" sldId="262"/>
+            <ac:spMk id="5" creationId="{334FF01F-2A65-44F6-34F9-69AC934A31D7}"/>
+          </ac:spMkLst>
+        </pc:spChg>
+        <pc:spChg chg="del">
+          <ac:chgData name="Scruel Tao" userId="5ea5c98d59b44d4b" providerId="LiveId" clId="{2BA6F94F-59B6-4AA6-9DB6-4A8227DBE37E}" dt="2023-04-03T04:15:30.512" v="1555"/>
+          <ac:spMkLst>
+            <pc:docMk/>
+            <pc:sldMk cId="1122177192" sldId="262"/>
+            <ac:spMk id="12" creationId="{17AECC1C-6944-9F68-770A-0455E86B2492}"/>
+          </ac:spMkLst>
+        </pc:spChg>
+        <pc:picChg chg="add mod">
+          <ac:chgData name="Scruel Tao" userId="5ea5c98d59b44d4b" providerId="LiveId" clId="{2BA6F94F-59B6-4AA6-9DB6-4A8227DBE37E}" dt="2023-04-03T04:15:30.512" v="1555"/>
+          <ac:picMkLst>
+            <pc:docMk/>
+            <pc:sldMk cId="1122177192" sldId="262"/>
+            <ac:picMk id="4" creationId="{1025CE4E-D3BC-5184-15B8-313E85995FFB}"/>
+          </ac:picMkLst>
+        </pc:picChg>
+      </pc:sldChg>
+      <pc:sldChg chg="addSp delSp modSp add mod chgLayout">
+        <pc:chgData name="Scruel Tao" userId="5ea5c98d59b44d4b" providerId="LiveId" clId="{2BA6F94F-59B6-4AA6-9DB6-4A8227DBE37E}" dt="2023-04-06T01:59:30.132" v="3435" actId="20577"/>
+        <pc:sldMkLst>
+          <pc:docMk/>
+          <pc:sldMk cId="3745137309" sldId="263"/>
+        </pc:sldMkLst>
+        <pc:spChg chg="mod ord">
+          <ac:chgData name="Scruel Tao" userId="5ea5c98d59b44d4b" providerId="LiveId" clId="{2BA6F94F-59B6-4AA6-9DB6-4A8227DBE37E}" dt="2023-04-06T01:59:30.132" v="3435" actId="20577"/>
+          <ac:spMkLst>
+            <pc:docMk/>
+            <pc:sldMk cId="3745137309" sldId="263"/>
+            <ac:spMk id="2" creationId="{ABA783DF-49A6-7EF1-661E-C574E2C2F386}"/>
+          </ac:spMkLst>
+        </pc:spChg>
+        <pc:spChg chg="del">
+          <ac:chgData name="Scruel Tao" userId="5ea5c98d59b44d4b" providerId="LiveId" clId="{2BA6F94F-59B6-4AA6-9DB6-4A8227DBE37E}" dt="2023-04-03T04:18:57.963" v="1679"/>
+          <ac:spMkLst>
+            <pc:docMk/>
+            <pc:sldMk cId="3745137309" sldId="263"/>
+            <ac:spMk id="5" creationId="{334FF01F-2A65-44F6-34F9-69AC934A31D7}"/>
+          </ac:spMkLst>
+        </pc:spChg>
+        <pc:spChg chg="add del mod ord">
+          <ac:chgData name="Scruel Tao" userId="5ea5c98d59b44d4b" providerId="LiveId" clId="{2BA6F94F-59B6-4AA6-9DB6-4A8227DBE37E}" dt="2023-04-03T04:19:17.511" v="1685"/>
+          <ac:spMkLst>
+            <pc:docMk/>
+            <pc:sldMk cId="3745137309" sldId="263"/>
+            <ac:spMk id="6" creationId="{6B189840-C568-FCE7-C338-AC0FAD512F62}"/>
+          </ac:spMkLst>
+        </pc:spChg>
+        <pc:spChg chg="add mod">
+          <ac:chgData name="Scruel Tao" userId="5ea5c98d59b44d4b" providerId="LiveId" clId="{2BA6F94F-59B6-4AA6-9DB6-4A8227DBE37E}" dt="2023-04-03T04:24:42.121" v="1788" actId="1076"/>
+          <ac:spMkLst>
+            <pc:docMk/>
+            <pc:sldMk cId="3745137309" sldId="263"/>
+            <ac:spMk id="8" creationId="{4EC194EB-1593-CBF2-055D-77D4ADFC943F}"/>
+          </ac:spMkLst>
+        </pc:spChg>
+        <pc:spChg chg="del">
+          <ac:chgData name="Scruel Tao" userId="5ea5c98d59b44d4b" providerId="LiveId" clId="{2BA6F94F-59B6-4AA6-9DB6-4A8227DBE37E}" dt="2023-04-03T04:19:06.857" v="1681" actId="478"/>
+          <ac:spMkLst>
+            <pc:docMk/>
+            <pc:sldMk cId="3745137309" sldId="263"/>
+            <ac:spMk id="12" creationId="{17AECC1C-6944-9F68-770A-0455E86B2492}"/>
+          </ac:spMkLst>
+        </pc:spChg>
+        <pc:spChg chg="add del mod">
+          <ac:chgData name="Scruel Tao" userId="5ea5c98d59b44d4b" providerId="LiveId" clId="{2BA6F94F-59B6-4AA6-9DB6-4A8227DBE37E}" dt="2023-04-03T04:39:14.278" v="1794"/>
+          <ac:spMkLst>
+            <pc:docMk/>
+            <pc:sldMk cId="3745137309" sldId="263"/>
+            <ac:spMk id="13" creationId="{2B1E7E69-5ECD-2369-2087-012FACB0EF09}"/>
+          </ac:spMkLst>
+        </pc:spChg>
+        <pc:spChg chg="add mod">
+          <ac:chgData name="Scruel Tao" userId="5ea5c98d59b44d4b" providerId="LiveId" clId="{2BA6F94F-59B6-4AA6-9DB6-4A8227DBE37E}" dt="2023-04-03T04:43:54.118" v="2025" actId="1076"/>
+          <ac:spMkLst>
+            <pc:docMk/>
+            <pc:sldMk cId="3745137309" sldId="263"/>
+            <ac:spMk id="14" creationId="{7382B610-BA58-D421-667D-2CC58252E53B}"/>
+          </ac:spMkLst>
+        </pc:spChg>
+        <pc:spChg chg="add del mod">
+          <ac:chgData name="Scruel Tao" userId="5ea5c98d59b44d4b" providerId="LiveId" clId="{2BA6F94F-59B6-4AA6-9DB6-4A8227DBE37E}" dt="2023-04-03T04:41:30.895" v="1872"/>
+          <ac:spMkLst>
+            <pc:docMk/>
+            <pc:sldMk cId="3745137309" sldId="263"/>
+            <ac:spMk id="20" creationId="{3C1528B3-D941-8F6A-C2B1-9FE727504D1A}"/>
+          </ac:spMkLst>
+        </pc:spChg>
+        <pc:spChg chg="add mod">
+          <ac:chgData name="Scruel Tao" userId="5ea5c98d59b44d4b" providerId="LiveId" clId="{2BA6F94F-59B6-4AA6-9DB6-4A8227DBE37E}" dt="2023-04-03T04:43:48.923" v="2024" actId="113"/>
+          <ac:spMkLst>
+            <pc:docMk/>
+            <pc:sldMk cId="3745137309" sldId="263"/>
+            <ac:spMk id="22" creationId="{7B6674C0-F558-F52E-4B1A-A3B15762388C}"/>
+          </ac:spMkLst>
+        </pc:spChg>
+        <pc:picChg chg="add del mod ord">
+          <ac:chgData name="Scruel Tao" userId="5ea5c98d59b44d4b" providerId="LiveId" clId="{2BA6F94F-59B6-4AA6-9DB6-4A8227DBE37E}" dt="2023-04-03T04:19:16.103" v="1684" actId="21"/>
+          <ac:picMkLst>
+            <pc:docMk/>
+            <pc:sldMk cId="3745137309" sldId="263"/>
+            <ac:picMk id="4" creationId="{52AC7973-0B2B-7791-FC5B-6D95CBD8CBA1}"/>
+          </ac:picMkLst>
+        </pc:picChg>
+        <pc:picChg chg="add del mod">
+          <ac:chgData name="Scruel Tao" userId="5ea5c98d59b44d4b" providerId="LiveId" clId="{2BA6F94F-59B6-4AA6-9DB6-4A8227DBE37E}" dt="2023-04-03T04:41:22.605" v="1869" actId="478"/>
+          <ac:picMkLst>
+            <pc:docMk/>
+            <pc:sldMk cId="3745137309" sldId="263"/>
+            <ac:picMk id="9" creationId="{B07056AA-01D5-51E8-D408-F1980FDC4BC3}"/>
+          </ac:picMkLst>
+        </pc:picChg>
+        <pc:picChg chg="add del mod">
+          <ac:chgData name="Scruel Tao" userId="5ea5c98d59b44d4b" providerId="LiveId" clId="{2BA6F94F-59B6-4AA6-9DB6-4A8227DBE37E}" dt="2023-04-03T04:40:34.570" v="1864" actId="21"/>
+          <ac:picMkLst>
+            <pc:docMk/>
+            <pc:sldMk cId="3745137309" sldId="263"/>
+            <ac:picMk id="11" creationId="{F2971DA2-97CA-921D-0683-2575B93D11D9}"/>
+          </ac:picMkLst>
+        </pc:picChg>
+        <pc:picChg chg="add mod">
+          <ac:chgData name="Scruel Tao" userId="5ea5c98d59b44d4b" providerId="LiveId" clId="{2BA6F94F-59B6-4AA6-9DB6-4A8227DBE37E}" dt="2023-04-03T04:41:02.756" v="1866" actId="1076"/>
+          <ac:picMkLst>
+            <pc:docMk/>
+            <pc:sldMk cId="3745137309" sldId="263"/>
+            <ac:picMk id="16" creationId="{6DA1B3CC-2227-CCDD-B3BF-D5E87A89708B}"/>
+          </ac:picMkLst>
+        </pc:picChg>
+        <pc:picChg chg="add del mod">
+          <ac:chgData name="Scruel Tao" userId="5ea5c98d59b44d4b" providerId="LiveId" clId="{2BA6F94F-59B6-4AA6-9DB6-4A8227DBE37E}" dt="2023-04-03T04:41:29.949" v="1871" actId="21"/>
+          <ac:picMkLst>
+            <pc:docMk/>
+            <pc:sldMk cId="3745137309" sldId="263"/>
+            <ac:picMk id="18" creationId="{313CB848-6C20-4548-45B0-BFDAA30EA3A2}"/>
+          </ac:picMkLst>
+        </pc:picChg>
+        <pc:picChg chg="add mod">
+          <ac:chgData name="Scruel Tao" userId="5ea5c98d59b44d4b" providerId="LiveId" clId="{2BA6F94F-59B6-4AA6-9DB6-4A8227DBE37E}" dt="2023-04-03T04:43:33.350" v="2001" actId="1076"/>
+          <ac:picMkLst>
+            <pc:docMk/>
+            <pc:sldMk cId="3745137309" sldId="263"/>
+            <ac:picMk id="21" creationId="{87C92696-2285-C2FB-D306-11BA00515544}"/>
+          </ac:picMkLst>
+        </pc:picChg>
+      </pc:sldChg>
+      <pc:sldChg chg="addSp delSp modSp add mod ord">
+        <pc:chgData name="Scruel Tao" userId="5ea5c98d59b44d4b" providerId="LiveId" clId="{2BA6F94F-59B6-4AA6-9DB6-4A8227DBE37E}" dt="2023-04-06T01:59:23.291" v="3427" actId="20577"/>
+        <pc:sldMkLst>
+          <pc:docMk/>
+          <pc:sldMk cId="3725727672" sldId="264"/>
+        </pc:sldMkLst>
+        <pc:spChg chg="mod">
+          <ac:chgData name="Scruel Tao" userId="5ea5c98d59b44d4b" providerId="LiveId" clId="{2BA6F94F-59B6-4AA6-9DB6-4A8227DBE37E}" dt="2023-04-06T01:59:23.291" v="3427" actId="20577"/>
+          <ac:spMkLst>
+            <pc:docMk/>
+            <pc:sldMk cId="3725727672" sldId="264"/>
+            <ac:spMk id="2" creationId="{ABA783DF-49A6-7EF1-661E-C574E2C2F386}"/>
+          </ac:spMkLst>
+        </pc:spChg>
+        <pc:spChg chg="mod">
+          <ac:chgData name="Scruel Tao" userId="5ea5c98d59b44d4b" providerId="LiveId" clId="{2BA6F94F-59B6-4AA6-9DB6-4A8227DBE37E}" dt="2023-04-03T05:01:36.612" v="2644" actId="1076"/>
+          <ac:spMkLst>
+            <pc:docMk/>
+            <pc:sldMk cId="3725727672" sldId="264"/>
+            <ac:spMk id="5" creationId="{334FF01F-2A65-44F6-34F9-69AC934A31D7}"/>
+          </ac:spMkLst>
+        </pc:spChg>
+        <pc:spChg chg="add del mod">
+          <ac:chgData name="Scruel Tao" userId="5ea5c98d59b44d4b" providerId="LiveId" clId="{2BA6F94F-59B6-4AA6-9DB6-4A8227DBE37E}" dt="2023-04-03T05:00:26.370" v="2626"/>
+          <ac:spMkLst>
+            <pc:docMk/>
+            <pc:sldMk cId="3725727672" sldId="264"/>
+            <ac:spMk id="11" creationId="{E9210103-9DD3-6F29-C0C7-B18A6E419E73}"/>
+          </ac:spMkLst>
+        </pc:spChg>
+        <pc:spChg chg="del mod">
+          <ac:chgData name="Scruel Tao" userId="5ea5c98d59b44d4b" providerId="LiveId" clId="{2BA6F94F-59B6-4AA6-9DB6-4A8227DBE37E}" dt="2023-04-03T04:44:34.015" v="2029"/>
+          <ac:spMkLst>
+            <pc:docMk/>
+            <pc:sldMk cId="3725727672" sldId="264"/>
+            <ac:spMk id="12" creationId="{17AECC1C-6944-9F68-770A-0455E86B2492}"/>
+          </ac:spMkLst>
+        </pc:spChg>
+        <pc:spChg chg="add mod">
+          <ac:chgData name="Scruel Tao" userId="5ea5c98d59b44d4b" providerId="LiveId" clId="{2BA6F94F-59B6-4AA6-9DB6-4A8227DBE37E}" dt="2023-04-03T05:03:05.445" v="2754" actId="1076"/>
+          <ac:spMkLst>
+            <pc:docMk/>
+            <pc:sldMk cId="3725727672" sldId="264"/>
+            <ac:spMk id="15" creationId="{57CD949C-3C60-4F11-3188-DAAC2954E147}"/>
+          </ac:spMkLst>
+        </pc:spChg>
+        <pc:picChg chg="add del mod">
+          <ac:chgData name="Scruel Tao" userId="5ea5c98d59b44d4b" providerId="LiveId" clId="{2BA6F94F-59B6-4AA6-9DB6-4A8227DBE37E}" dt="2023-04-03T05:00:25.324" v="2625" actId="478"/>
+          <ac:picMkLst>
+            <pc:docMk/>
+            <pc:sldMk cId="3725727672" sldId="264"/>
+            <ac:picMk id="4" creationId="{A511FBE8-0DD6-E630-8EF3-0C4EEA9CD752}"/>
+          </ac:picMkLst>
+        </pc:picChg>
+        <pc:picChg chg="add del mod">
+          <ac:chgData name="Scruel Tao" userId="5ea5c98d59b44d4b" providerId="LiveId" clId="{2BA6F94F-59B6-4AA6-9DB6-4A8227DBE37E}" dt="2023-04-03T04:57:24.837" v="2616" actId="21"/>
+          <ac:picMkLst>
+            <pc:docMk/>
+            <pc:sldMk cId="3725727672" sldId="264"/>
+            <ac:picMk id="7" creationId="{DD04D8AF-8509-73F1-4E2C-416ED822D93C}"/>
+          </ac:picMkLst>
+        </pc:picChg>
+        <pc:picChg chg="add mod">
+          <ac:chgData name="Scruel Tao" userId="5ea5c98d59b44d4b" providerId="LiveId" clId="{2BA6F94F-59B6-4AA6-9DB6-4A8227DBE37E}" dt="2023-04-03T05:01:32.816" v="2643" actId="1076"/>
+          <ac:picMkLst>
+            <pc:docMk/>
+            <pc:sldMk cId="3725727672" sldId="264"/>
+            <ac:picMk id="9" creationId="{5508513D-8323-A6F7-C52C-5D05B49C07CC}"/>
+          </ac:picMkLst>
+        </pc:picChg>
+        <pc:picChg chg="add mod">
+          <ac:chgData name="Scruel Tao" userId="5ea5c98d59b44d4b" providerId="LiveId" clId="{2BA6F94F-59B6-4AA6-9DB6-4A8227DBE37E}" dt="2023-04-03T05:01:30.973" v="2642" actId="1076"/>
+          <ac:picMkLst>
+            <pc:docMk/>
+            <pc:sldMk cId="3725727672" sldId="264"/>
+            <ac:picMk id="14" creationId="{D5EB1BEF-B3CD-34F8-C19A-87E8C64345B3}"/>
+          </ac:picMkLst>
+        </pc:picChg>
+      </pc:sldChg>
+      <pc:sldChg chg="addSp delSp modSp add mod">
+        <pc:chgData name="Scruel Tao" userId="5ea5c98d59b44d4b" providerId="LiveId" clId="{2BA6F94F-59B6-4AA6-9DB6-4A8227DBE37E}" dt="2023-04-06T03:12:15.194" v="6242" actId="13926"/>
+        <pc:sldMkLst>
+          <pc:docMk/>
+          <pc:sldMk cId="3416507657" sldId="265"/>
+        </pc:sldMkLst>
+        <pc:spChg chg="mod">
+          <ac:chgData name="Scruel Tao" userId="5ea5c98d59b44d4b" providerId="LiveId" clId="{2BA6F94F-59B6-4AA6-9DB6-4A8227DBE37E}" dt="2023-04-06T01:59:38.903" v="3439" actId="20577"/>
+          <ac:spMkLst>
+            <pc:docMk/>
+            <pc:sldMk cId="3416507657" sldId="265"/>
+            <ac:spMk id="2" creationId="{ABA783DF-49A6-7EF1-661E-C574E2C2F386}"/>
+          </ac:spMkLst>
+        </pc:spChg>
+        <pc:spChg chg="add del mod">
+          <ac:chgData name="Scruel Tao" userId="5ea5c98d59b44d4b" providerId="LiveId" clId="{2BA6F94F-59B6-4AA6-9DB6-4A8227DBE37E}" dt="2023-04-06T03:12:15.194" v="6242" actId="13926"/>
+          <ac:spMkLst>
+            <pc:docMk/>
+            <pc:sldMk cId="3416507657" sldId="265"/>
+            <ac:spMk id="5" creationId="{334FF01F-2A65-44F6-34F9-69AC934A31D7}"/>
+          </ac:spMkLst>
+        </pc:spChg>
+        <pc:spChg chg="add del mod">
+          <ac:chgData name="Scruel Tao" userId="5ea5c98d59b44d4b" providerId="LiveId" clId="{2BA6F94F-59B6-4AA6-9DB6-4A8227DBE37E}" dt="2023-04-03T05:07:31.501" v="2932"/>
+          <ac:spMkLst>
+            <pc:docMk/>
+            <pc:sldMk cId="3416507657" sldId="265"/>
+            <ac:spMk id="9" creationId="{CCAFF9B5-8F81-F673-219D-9240B0194641}"/>
+          </ac:spMkLst>
+        </pc:spChg>
+        <pc:spChg chg="del">
+          <ac:chgData name="Scruel Tao" userId="5ea5c98d59b44d4b" providerId="LiveId" clId="{2BA6F94F-59B6-4AA6-9DB6-4A8227DBE37E}" dt="2023-04-03T05:06:16.950" v="2812"/>
+          <ac:spMkLst>
+            <pc:docMk/>
+            <pc:sldMk cId="3416507657" sldId="265"/>
+            <ac:spMk id="12" creationId="{17AECC1C-6944-9F68-770A-0455E86B2492}"/>
+          </ac:spMkLst>
+        </pc:spChg>
+        <pc:picChg chg="add del mod">
+          <ac:chgData name="Scruel Tao" userId="5ea5c98d59b44d4b" providerId="LiveId" clId="{2BA6F94F-59B6-4AA6-9DB6-4A8227DBE37E}" dt="2023-04-03T05:06:16.168" v="2811"/>
+          <ac:picMkLst>
+            <pc:docMk/>
+            <pc:sldMk cId="3416507657" sldId="265"/>
+            <ac:picMk id="4" creationId="{ABCDEA2C-CB97-DE24-E641-E77BFA3BF78D}"/>
+          </ac:picMkLst>
+        </pc:picChg>
+        <pc:picChg chg="add del mod">
+          <ac:chgData name="Scruel Tao" userId="5ea5c98d59b44d4b" providerId="LiveId" clId="{2BA6F94F-59B6-4AA6-9DB6-4A8227DBE37E}" dt="2023-04-03T05:07:30.490" v="2931" actId="478"/>
+          <ac:picMkLst>
+            <pc:docMk/>
+            <pc:sldMk cId="3416507657" sldId="265"/>
+            <ac:picMk id="7" creationId="{203C7841-531F-0781-7458-699E2A5C7CE7}"/>
+          </ac:picMkLst>
+        </pc:picChg>
+        <pc:picChg chg="add mod">
+          <ac:chgData name="Scruel Tao" userId="5ea5c98d59b44d4b" providerId="LiveId" clId="{2BA6F94F-59B6-4AA6-9DB6-4A8227DBE37E}" dt="2023-04-03T05:09:18.591" v="3012" actId="1076"/>
+          <ac:picMkLst>
+            <pc:docMk/>
+            <pc:sldMk cId="3416507657" sldId="265"/>
+            <ac:picMk id="11" creationId="{44AA24C5-508C-4D40-7E65-55D5627E4671}"/>
+          </ac:picMkLst>
+        </pc:picChg>
+      </pc:sldChg>
+      <pc:sldChg chg="add del">
+        <pc:chgData name="Scruel Tao" userId="5ea5c98d59b44d4b" providerId="LiveId" clId="{2BA6F94F-59B6-4AA6-9DB6-4A8227DBE37E}" dt="2023-04-03T05:03:50.426" v="2761" actId="47"/>
+        <pc:sldMkLst>
+          <pc:docMk/>
+          <pc:sldMk cId="3540231720" sldId="266"/>
+        </pc:sldMkLst>
+      </pc:sldChg>
+      <pc:sldChg chg="add del">
+        <pc:chgData name="Scruel Tao" userId="5ea5c98d59b44d4b" providerId="LiveId" clId="{2BA6F94F-59B6-4AA6-9DB6-4A8227DBE37E}" dt="2023-04-03T05:03:50.758" v="2762" actId="47"/>
+        <pc:sldMkLst>
+          <pc:docMk/>
+          <pc:sldMk cId="4025758886" sldId="267"/>
+        </pc:sldMkLst>
+      </pc:sldChg>
+      <pc:sldChg chg="add del">
+        <pc:chgData name="Scruel Tao" userId="5ea5c98d59b44d4b" providerId="LiveId" clId="{2BA6F94F-59B6-4AA6-9DB6-4A8227DBE37E}" dt="2023-04-03T05:03:50.967" v="2763" actId="47"/>
+        <pc:sldMkLst>
+          <pc:docMk/>
+          <pc:sldMk cId="3881832977" sldId="268"/>
+        </pc:sldMkLst>
+      </pc:sldChg>
+      <pc:sldChg chg="add del">
+        <pc:chgData name="Scruel Tao" userId="5ea5c98d59b44d4b" providerId="LiveId" clId="{2BA6F94F-59B6-4AA6-9DB6-4A8227DBE37E}" dt="2023-04-03T05:03:51.140" v="2764" actId="47"/>
+        <pc:sldMkLst>
+          <pc:docMk/>
+          <pc:sldMk cId="3546485175" sldId="269"/>
+        </pc:sldMkLst>
+      </pc:sldChg>
+      <pc:sldChg chg="addSp delSp modSp add mod ord">
+        <pc:chgData name="Scruel Tao" userId="5ea5c98d59b44d4b" providerId="LiveId" clId="{2BA6F94F-59B6-4AA6-9DB6-4A8227DBE37E}" dt="2023-04-06T03:12:53.496" v="6269" actId="1076"/>
+        <pc:sldMkLst>
+          <pc:docMk/>
+          <pc:sldMk cId="192831406" sldId="270"/>
+        </pc:sldMkLst>
+        <pc:spChg chg="mod">
+          <ac:chgData name="Scruel Tao" userId="5ea5c98d59b44d4b" providerId="LiveId" clId="{2BA6F94F-59B6-4AA6-9DB6-4A8227DBE37E}" dt="2023-04-06T01:59:06.037" v="3423" actId="20577"/>
+          <ac:spMkLst>
+            <pc:docMk/>
+            <pc:sldMk cId="192831406" sldId="270"/>
+            <ac:spMk id="2" creationId="{ABA783DF-49A6-7EF1-661E-C574E2C2F386}"/>
+          </ac:spMkLst>
+        </pc:spChg>
+        <pc:spChg chg="mod">
+          <ac:chgData name="Scruel Tao" userId="5ea5c98d59b44d4b" providerId="LiveId" clId="{2BA6F94F-59B6-4AA6-9DB6-4A8227DBE37E}" dt="2023-04-03T04:55:36.354" v="2500" actId="20577"/>
+          <ac:spMkLst>
+            <pc:docMk/>
+            <pc:sldMk cId="192831406" sldId="270"/>
+            <ac:spMk id="5" creationId="{334FF01F-2A65-44F6-34F9-69AC934A31D7}"/>
+          </ac:spMkLst>
+        </pc:spChg>
+        <pc:spChg chg="add del mod">
+          <ac:chgData name="Scruel Tao" userId="5ea5c98d59b44d4b" providerId="LiveId" clId="{2BA6F94F-59B6-4AA6-9DB6-4A8227DBE37E}" dt="2023-04-03T04:49:26.325" v="2108"/>
+          <ac:spMkLst>
+            <pc:docMk/>
+            <pc:sldMk cId="192831406" sldId="270"/>
+            <ac:spMk id="6" creationId="{4825B1F8-4B63-9130-AF5C-D8B58F7AE6AF}"/>
+          </ac:spMkLst>
+        </pc:spChg>
+        <pc:spChg chg="add del mod">
+          <ac:chgData name="Scruel Tao" userId="5ea5c98d59b44d4b" providerId="LiveId" clId="{2BA6F94F-59B6-4AA6-9DB6-4A8227DBE37E}" dt="2023-04-03T04:55:48.392" v="2504"/>
+          <ac:spMkLst>
+            <pc:docMk/>
+            <pc:sldMk cId="192831406" sldId="270"/>
+            <ac:spMk id="13" creationId="{BFF52406-2E49-3B9D-2A6D-2A5EDD1B1D0D}"/>
+          </ac:spMkLst>
+        </pc:spChg>
+        <pc:spChg chg="add mod">
+          <ac:chgData name="Scruel Tao" userId="5ea5c98d59b44d4b" providerId="LiveId" clId="{2BA6F94F-59B6-4AA6-9DB6-4A8227DBE37E}" dt="2023-04-06T03:12:53.496" v="6269" actId="1076"/>
+          <ac:spMkLst>
+            <pc:docMk/>
+            <pc:sldMk cId="192831406" sldId="270"/>
+            <ac:spMk id="14" creationId="{BF2C039C-7D70-5BA8-10BF-AC65C1C472C2}"/>
+          </ac:spMkLst>
+        </pc:spChg>
+        <pc:picChg chg="del">
+          <ac:chgData name="Scruel Tao" userId="5ea5c98d59b44d4b" providerId="LiveId" clId="{2BA6F94F-59B6-4AA6-9DB6-4A8227DBE37E}" dt="2023-04-03T04:46:04.237" v="2072" actId="21"/>
+          <ac:picMkLst>
+            <pc:docMk/>
+            <pc:sldMk cId="192831406" sldId="270"/>
+            <ac:picMk id="4" creationId="{A511FBE8-0DD6-E630-8EF3-0C4EEA9CD752}"/>
+          </ac:picMkLst>
+        </pc:picChg>
+        <pc:picChg chg="del mod">
+          <ac:chgData name="Scruel Tao" userId="5ea5c98d59b44d4b" providerId="LiveId" clId="{2BA6F94F-59B6-4AA6-9DB6-4A8227DBE37E}" dt="2023-04-03T04:49:25.552" v="2107" actId="21"/>
+          <ac:picMkLst>
+            <pc:docMk/>
+            <pc:sldMk cId="192831406" sldId="270"/>
+            <ac:picMk id="7" creationId="{DD04D8AF-8509-73F1-4E2C-416ED822D93C}"/>
+          </ac:picMkLst>
+        </pc:picChg>
+        <pc:picChg chg="add mod">
+          <ac:chgData name="Scruel Tao" userId="5ea5c98d59b44d4b" providerId="LiveId" clId="{2BA6F94F-59B6-4AA6-9DB6-4A8227DBE37E}" dt="2023-04-03T04:56:24.305" v="2563" actId="1076"/>
+          <ac:picMkLst>
+            <pc:docMk/>
+            <pc:sldMk cId="192831406" sldId="270"/>
+            <ac:picMk id="8" creationId="{9FEE71E3-5A5A-BDD3-0177-666AE0953528}"/>
+          </ac:picMkLst>
+        </pc:picChg>
+        <pc:picChg chg="add mod">
+          <ac:chgData name="Scruel Tao" userId="5ea5c98d59b44d4b" providerId="LiveId" clId="{2BA6F94F-59B6-4AA6-9DB6-4A8227DBE37E}" dt="2023-04-03T04:57:09.828" v="2614" actId="1076"/>
+          <ac:picMkLst>
+            <pc:docMk/>
+            <pc:sldMk cId="192831406" sldId="270"/>
+            <ac:picMk id="10" creationId="{ED7D2C24-3911-466C-3E76-669FC1671250}"/>
+          </ac:picMkLst>
+        </pc:picChg>
+        <pc:picChg chg="add mod">
+          <ac:chgData name="Scruel Tao" userId="5ea5c98d59b44d4b" providerId="LiveId" clId="{2BA6F94F-59B6-4AA6-9DB6-4A8227DBE37E}" dt="2023-04-03T04:55:39.683" v="2501" actId="1076"/>
+          <ac:picMkLst>
+            <pc:docMk/>
+            <pc:sldMk cId="192831406" sldId="270"/>
+            <ac:picMk id="12" creationId="{A8B42638-E2EC-8913-3326-65DFC6BFA414}"/>
+          </ac:picMkLst>
+        </pc:picChg>
+      </pc:sldChg>
+      <pc:sldChg chg="addSp delSp modSp add mod modTransition delAnim modAnim">
+        <pc:chgData name="Scruel Tao" userId="5ea5c98d59b44d4b" providerId="LiveId" clId="{2BA6F94F-59B6-4AA6-9DB6-4A8227DBE37E}" dt="2023-04-06T02:37:35.540" v="4103" actId="20577"/>
+        <pc:sldMkLst>
+          <pc:docMk/>
+          <pc:sldMk cId="555885545" sldId="271"/>
+        </pc:sldMkLst>
+        <pc:spChg chg="mod">
+          <ac:chgData name="Scruel Tao" userId="5ea5c98d59b44d4b" providerId="LiveId" clId="{2BA6F94F-59B6-4AA6-9DB6-4A8227DBE37E}" dt="2023-04-06T02:37:35.540" v="4103" actId="20577"/>
+          <ac:spMkLst>
+            <pc:docMk/>
+            <pc:sldMk cId="555885545" sldId="271"/>
+            <ac:spMk id="2" creationId="{ABA783DF-49A6-7EF1-661E-C574E2C2F386}"/>
+          </ac:spMkLst>
+        </pc:spChg>
+        <pc:spChg chg="mod">
+          <ac:chgData name="Scruel Tao" userId="5ea5c98d59b44d4b" providerId="LiveId" clId="{2BA6F94F-59B6-4AA6-9DB6-4A8227DBE37E}" dt="2023-04-06T02:37:10.496" v="4102" actId="20577"/>
+          <ac:spMkLst>
+            <pc:docMk/>
+            <pc:sldMk cId="555885545" sldId="271"/>
+            <ac:spMk id="5" creationId="{334FF01F-2A65-44F6-34F9-69AC934A31D7}"/>
+          </ac:spMkLst>
+        </pc:spChg>
+        <pc:spChg chg="del">
+          <ac:chgData name="Scruel Tao" userId="5ea5c98d59b44d4b" providerId="LiveId" clId="{2BA6F94F-59B6-4AA6-9DB6-4A8227DBE37E}" dt="2023-04-03T05:12:20.396" v="3109"/>
+          <ac:spMkLst>
+            <pc:docMk/>
+            <pc:sldMk cId="555885545" sldId="271"/>
+            <ac:spMk id="12" creationId="{17AECC1C-6944-9F68-770A-0455E86B2492}"/>
+          </ac:spMkLst>
+        </pc:spChg>
+        <pc:picChg chg="add mod">
+          <ac:chgData name="Scruel Tao" userId="5ea5c98d59b44d4b" providerId="LiveId" clId="{2BA6F94F-59B6-4AA6-9DB6-4A8227DBE37E}" dt="2023-04-03T05:12:24.482" v="3111" actId="1076"/>
+          <ac:picMkLst>
+            <pc:docMk/>
+            <pc:sldMk cId="555885545" sldId="271"/>
+            <ac:picMk id="3" creationId="{E9C9C4B6-9E80-13FC-3C11-56455F818828}"/>
+          </ac:picMkLst>
+        </pc:picChg>
+        <pc:picChg chg="add del mod">
+          <ac:chgData name="Scruel Tao" userId="5ea5c98d59b44d4b" providerId="LiveId" clId="{2BA6F94F-59B6-4AA6-9DB6-4A8227DBE37E}" dt="2023-04-06T02:23:46.442" v="3975" actId="478"/>
+          <ac:picMkLst>
+            <pc:docMk/>
+            <pc:sldMk cId="555885545" sldId="271"/>
+            <ac:picMk id="6" creationId="{946FBC4D-967C-E0DD-4B99-AFE37DE456FC}"/>
+          </ac:picMkLst>
+        </pc:picChg>
+        <pc:picChg chg="add del mod">
+          <ac:chgData name="Scruel Tao" userId="5ea5c98d59b44d4b" providerId="LiveId" clId="{2BA6F94F-59B6-4AA6-9DB6-4A8227DBE37E}" dt="2023-04-06T02:34:23.966" v="4014" actId="478"/>
+          <ac:picMkLst>
+            <pc:docMk/>
+            <pc:sldMk cId="555885545" sldId="271"/>
+            <ac:picMk id="8" creationId="{CBE0F782-9063-9A1B-F123-E3585C23F8D4}"/>
+          </ac:picMkLst>
+        </pc:picChg>
+        <pc:picChg chg="add mod ord">
+          <ac:chgData name="Scruel Tao" userId="5ea5c98d59b44d4b" providerId="LiveId" clId="{2BA6F94F-59B6-4AA6-9DB6-4A8227DBE37E}" dt="2023-04-06T02:34:21.109" v="4013" actId="171"/>
+          <ac:picMkLst>
+            <pc:docMk/>
+            <pc:sldMk cId="555885545" sldId="271"/>
+            <ac:picMk id="10" creationId="{AB9AA877-00A8-CAE0-AEB2-54C3CC706AB2}"/>
+          </ac:picMkLst>
+        </pc:picChg>
+        <pc:picChg chg="add del mod">
+          <ac:chgData name="Scruel Tao" userId="5ea5c98d59b44d4b" providerId="LiveId" clId="{2BA6F94F-59B6-4AA6-9DB6-4A8227DBE37E}" dt="2023-04-06T02:34:05.904" v="4011" actId="478"/>
+          <ac:picMkLst>
+            <pc:docMk/>
+            <pc:sldMk cId="555885545" sldId="271"/>
+            <ac:picMk id="12" creationId="{6B5B9BC3-94A6-21D9-46F9-DD8E61B43B92}"/>
+          </ac:picMkLst>
+        </pc:picChg>
+        <pc:picChg chg="add mod">
+          <ac:chgData name="Scruel Tao" userId="5ea5c98d59b44d4b" providerId="LiveId" clId="{2BA6F94F-59B6-4AA6-9DB6-4A8227DBE37E}" dt="2023-04-06T02:34:48.022" v="4029" actId="1076"/>
+          <ac:picMkLst>
+            <pc:docMk/>
+            <pc:sldMk cId="555885545" sldId="271"/>
+            <ac:picMk id="14" creationId="{6A16C4FE-00E6-5357-100A-B8710B34F596}"/>
+          </ac:picMkLst>
+        </pc:picChg>
+        <pc:picChg chg="add mod">
+          <ac:chgData name="Scruel Tao" userId="5ea5c98d59b44d4b" providerId="LiveId" clId="{2BA6F94F-59B6-4AA6-9DB6-4A8227DBE37E}" dt="2023-04-06T02:35:36.170" v="4034" actId="1076"/>
+          <ac:picMkLst>
+            <pc:docMk/>
+            <pc:sldMk cId="555885545" sldId="271"/>
+            <ac:picMk id="16" creationId="{11C754BB-74AE-32B2-031C-7FF20420B575}"/>
+          </ac:picMkLst>
+        </pc:picChg>
+      </pc:sldChg>
+      <pc:sldChg chg="addSp delSp modSp add mod modClrScheme modAnim chgLayout">
+        <pc:chgData name="Scruel Tao" userId="5ea5c98d59b44d4b" providerId="LiveId" clId="{2BA6F94F-59B6-4AA6-9DB6-4A8227DBE37E}" dt="2023-04-06T03:21:33.591" v="6322" actId="20577"/>
+        <pc:sldMkLst>
+          <pc:docMk/>
+          <pc:sldMk cId="1518949093" sldId="272"/>
+        </pc:sldMkLst>
+        <pc:spChg chg="mod ord">
+          <ac:chgData name="Scruel Tao" userId="5ea5c98d59b44d4b" providerId="LiveId" clId="{2BA6F94F-59B6-4AA6-9DB6-4A8227DBE37E}" dt="2023-04-06T02:46:26.755" v="4346" actId="700"/>
+          <ac:spMkLst>
+            <pc:docMk/>
+            <pc:sldMk cId="1518949093" sldId="272"/>
+            <ac:spMk id="2" creationId="{ABA783DF-49A6-7EF1-661E-C574E2C2F386}"/>
+          </ac:spMkLst>
+        </pc:spChg>
+        <pc:spChg chg="add mod ord">
+          <ac:chgData name="Scruel Tao" userId="5ea5c98d59b44d4b" providerId="LiveId" clId="{2BA6F94F-59B6-4AA6-9DB6-4A8227DBE37E}" dt="2023-04-06T03:21:33.591" v="6322" actId="20577"/>
+          <ac:spMkLst>
+            <pc:docMk/>
+            <pc:sldMk cId="1518949093" sldId="272"/>
+            <ac:spMk id="3" creationId="{939F03AE-10F4-D882-D99A-D5393469A114}"/>
+          </ac:spMkLst>
+        </pc:spChg>
+        <pc:spChg chg="add mod">
+          <ac:chgData name="Scruel Tao" userId="5ea5c98d59b44d4b" providerId="LiveId" clId="{2BA6F94F-59B6-4AA6-9DB6-4A8227DBE37E}" dt="2023-04-06T03:00:35.995" v="5800" actId="1076"/>
+          <ac:spMkLst>
+            <pc:docMk/>
+            <pc:sldMk cId="1518949093" sldId="272"/>
+            <ac:spMk id="4" creationId="{7F9F47DD-E49D-A929-FBF6-0571BAC29FB6}"/>
+          </ac:spMkLst>
+        </pc:spChg>
+        <pc:spChg chg="del mod ord">
+          <ac:chgData name="Scruel Tao" userId="5ea5c98d59b44d4b" providerId="LiveId" clId="{2BA6F94F-59B6-4AA6-9DB6-4A8227DBE37E}" dt="2023-04-06T02:46:26.755" v="4346" actId="700"/>
+          <ac:spMkLst>
+            <pc:docMk/>
+            <pc:sldMk cId="1518949093" sldId="272"/>
+            <ac:spMk id="5" creationId="{334FF01F-2A65-44F6-34F9-69AC934A31D7}"/>
+          </ac:spMkLst>
+        </pc:spChg>
+        <pc:spChg chg="add del mod">
+          <ac:chgData name="Scruel Tao" userId="5ea5c98d59b44d4b" providerId="LiveId" clId="{2BA6F94F-59B6-4AA6-9DB6-4A8227DBE37E}" dt="2023-04-06T02:46:26.755" v="4346" actId="700"/>
+          <ac:spMkLst>
+            <pc:docMk/>
+            <pc:sldMk cId="1518949093" sldId="272"/>
+            <ac:spMk id="7" creationId="{F35B7A8A-4930-2C62-CD2B-1E4E38AFABE3}"/>
+          </ac:spMkLst>
+        </pc:spChg>
+        <pc:spChg chg="del">
+          <ac:chgData name="Scruel Tao" userId="5ea5c98d59b44d4b" providerId="LiveId" clId="{2BA6F94F-59B6-4AA6-9DB6-4A8227DBE37E}" dt="2023-04-03T05:12:13.720" v="3106"/>
+          <ac:spMkLst>
+            <pc:docMk/>
+            <pc:sldMk cId="1518949093" sldId="272"/>
+            <ac:spMk id="12" creationId="{17AECC1C-6944-9F68-770A-0455E86B2492}"/>
+          </ac:spMkLst>
+        </pc:spChg>
+        <pc:picChg chg="add del mod">
+          <ac:chgData name="Scruel Tao" userId="5ea5c98d59b44d4b" providerId="LiveId" clId="{2BA6F94F-59B6-4AA6-9DB6-4A8227DBE37E}" dt="2023-04-03T05:12:18.430" v="3108" actId="21"/>
+          <ac:picMkLst>
+            <pc:docMk/>
+            <pc:sldMk cId="1518949093" sldId="272"/>
+            <ac:picMk id="4" creationId="{ED7E2725-EC32-D629-C663-EC55BC83D8AA}"/>
+          </ac:picMkLst>
+        </pc:picChg>
+      </pc:sldChg>
+      <pc:sldChg chg="addSp delSp modSp add mod modAnim">
+        <pc:chgData name="Scruel Tao" userId="5ea5c98d59b44d4b" providerId="LiveId" clId="{2BA6F94F-59B6-4AA6-9DB6-4A8227DBE37E}" dt="2023-04-06T03:22:01.021" v="6326" actId="20577"/>
+        <pc:sldMkLst>
+          <pc:docMk/>
+          <pc:sldMk cId="1301849154" sldId="273"/>
+        </pc:sldMkLst>
+        <pc:spChg chg="mod">
+          <ac:chgData name="Scruel Tao" userId="5ea5c98d59b44d4b" providerId="LiveId" clId="{2BA6F94F-59B6-4AA6-9DB6-4A8227DBE37E}" dt="2023-04-06T02:00:22.559" v="3502" actId="20577"/>
+          <ac:spMkLst>
+            <pc:docMk/>
+            <pc:sldMk cId="1301849154" sldId="273"/>
+            <ac:spMk id="2" creationId="{ABA783DF-49A6-7EF1-661E-C574E2C2F386}"/>
+          </ac:spMkLst>
+        </pc:spChg>
+        <pc:spChg chg="mod ord">
+          <ac:chgData name="Scruel Tao" userId="5ea5c98d59b44d4b" providerId="LiveId" clId="{2BA6F94F-59B6-4AA6-9DB6-4A8227DBE37E}" dt="2023-04-06T03:22:01.021" v="6326" actId="20577"/>
+          <ac:spMkLst>
+            <pc:docMk/>
+            <pc:sldMk cId="1301849154" sldId="273"/>
+            <ac:spMk id="5" creationId="{334FF01F-2A65-44F6-34F9-69AC934A31D7}"/>
+          </ac:spMkLst>
+        </pc:spChg>
+        <pc:spChg chg="add del">
+          <ac:chgData name="Scruel Tao" userId="5ea5c98d59b44d4b" providerId="LiveId" clId="{2BA6F94F-59B6-4AA6-9DB6-4A8227DBE37E}" dt="2023-04-06T03:03:08.342" v="5816" actId="22"/>
+          <ac:spMkLst>
+            <pc:docMk/>
+            <pc:sldMk cId="1301849154" sldId="273"/>
+            <ac:spMk id="9" creationId="{2D63CFCC-FD4C-6E5B-C31C-1FACE6548087}"/>
+          </ac:spMkLst>
+        </pc:spChg>
+        <pc:spChg chg="del">
+          <ac:chgData name="Scruel Tao" userId="5ea5c98d59b44d4b" providerId="LiveId" clId="{2BA6F94F-59B6-4AA6-9DB6-4A8227DBE37E}" dt="2023-04-06T02:59:42.163" v="5772"/>
+          <ac:spMkLst>
+            <pc:docMk/>
+            <pc:sldMk cId="1301849154" sldId="273"/>
+            <ac:spMk id="12" creationId="{17AECC1C-6944-9F68-770A-0455E86B2492}"/>
+          </ac:spMkLst>
+        </pc:spChg>
+        <pc:picChg chg="add mod">
+          <ac:chgData name="Scruel Tao" userId="5ea5c98d59b44d4b" providerId="LiveId" clId="{2BA6F94F-59B6-4AA6-9DB6-4A8227DBE37E}" dt="2023-04-06T03:00:08.355" v="5783" actId="14100"/>
+          <ac:picMkLst>
+            <pc:docMk/>
+            <pc:sldMk cId="1301849154" sldId="273"/>
+            <ac:picMk id="4" creationId="{0A002240-4414-DA2D-96E9-81195475F4D9}"/>
+          </ac:picMkLst>
+        </pc:picChg>
+        <pc:picChg chg="add mod">
+          <ac:chgData name="Scruel Tao" userId="5ea5c98d59b44d4b" providerId="LiveId" clId="{2BA6F94F-59B6-4AA6-9DB6-4A8227DBE37E}" dt="2023-04-06T03:01:55.942" v="5807" actId="1076"/>
+          <ac:picMkLst>
+            <pc:docMk/>
+            <pc:sldMk cId="1301849154" sldId="273"/>
+            <ac:picMk id="7" creationId="{039AB04D-EA90-8BDD-A9C6-599C7C25DC63}"/>
+          </ac:picMkLst>
+        </pc:picChg>
+        <pc:picChg chg="add mod">
+          <ac:chgData name="Scruel Tao" userId="5ea5c98d59b44d4b" providerId="LiveId" clId="{2BA6F94F-59B6-4AA6-9DB6-4A8227DBE37E}" dt="2023-04-06T03:03:35.262" v="5826" actId="1076"/>
+          <ac:picMkLst>
+            <pc:docMk/>
+            <pc:sldMk cId="1301849154" sldId="273"/>
+            <ac:picMk id="11" creationId="{F56CF5C9-083E-9020-8D45-F23AB3CF38CE}"/>
+          </ac:picMkLst>
+        </pc:picChg>
+      </pc:sldChg>
+      <pc:sldChg chg="addSp delSp modSp add mod modClrScheme modAnim chgLayout">
+        <pc:chgData name="Scruel Tao" userId="5ea5c98d59b44d4b" providerId="LiveId" clId="{2BA6F94F-59B6-4AA6-9DB6-4A8227DBE37E}" dt="2023-04-06T03:08:04.347" v="6177" actId="20577"/>
+        <pc:sldMkLst>
+          <pc:docMk/>
+          <pc:sldMk cId="2878673110" sldId="274"/>
+        </pc:sldMkLst>
+        <pc:spChg chg="mod ord">
+          <ac:chgData name="Scruel Tao" userId="5ea5c98d59b44d4b" providerId="LiveId" clId="{2BA6F94F-59B6-4AA6-9DB6-4A8227DBE37E}" dt="2023-04-06T03:06:24.832" v="6026" actId="20577"/>
+          <ac:spMkLst>
+            <pc:docMk/>
+            <pc:sldMk cId="2878673110" sldId="274"/>
+            <ac:spMk id="2" creationId="{ABA783DF-49A6-7EF1-661E-C574E2C2F386}"/>
+          </ac:spMkLst>
+        </pc:spChg>
+        <pc:spChg chg="add mod ord">
+          <ac:chgData name="Scruel Tao" userId="5ea5c98d59b44d4b" providerId="LiveId" clId="{2BA6F94F-59B6-4AA6-9DB6-4A8227DBE37E}" dt="2023-04-06T03:08:04.347" v="6177" actId="20577"/>
+          <ac:spMkLst>
+            <pc:docMk/>
+            <pc:sldMk cId="2878673110" sldId="274"/>
+            <ac:spMk id="3" creationId="{9E0BA8B8-92DA-1AC9-79B9-A552D184BB54}"/>
+          </ac:spMkLst>
+        </pc:spChg>
+        <pc:spChg chg="del mod ord">
+          <ac:chgData name="Scruel Tao" userId="5ea5c98d59b44d4b" providerId="LiveId" clId="{2BA6F94F-59B6-4AA6-9DB6-4A8227DBE37E}" dt="2023-04-03T05:14:57.549" v="3272" actId="700"/>
+          <ac:spMkLst>
+            <pc:docMk/>
+            <pc:sldMk cId="2878673110" sldId="274"/>
+            <ac:spMk id="5" creationId="{334FF01F-2A65-44F6-34F9-69AC934A31D7}"/>
+          </ac:spMkLst>
+        </pc:spChg>
+        <pc:spChg chg="del">
+          <ac:chgData name="Scruel Tao" userId="5ea5c98d59b44d4b" providerId="LiveId" clId="{2BA6F94F-59B6-4AA6-9DB6-4A8227DBE37E}" dt="2023-04-03T05:14:57.549" v="3272" actId="700"/>
+          <ac:spMkLst>
+            <pc:docMk/>
+            <pc:sldMk cId="2878673110" sldId="274"/>
+            <ac:spMk id="12" creationId="{17AECC1C-6944-9F68-770A-0455E86B2492}"/>
+          </ac:spMkLst>
+        </pc:spChg>
+      </pc:sldChg>
+      <pc:sldChg chg="addSp delSp modSp add mod delAnim modAnim">
+        <pc:chgData name="Scruel Tao" userId="5ea5c98d59b44d4b" providerId="LiveId" clId="{2BA6F94F-59B6-4AA6-9DB6-4A8227DBE37E}" dt="2023-04-06T03:11:42.112" v="6223" actId="20577"/>
+        <pc:sldMkLst>
+          <pc:docMk/>
+          <pc:sldMk cId="1525970791" sldId="275"/>
+        </pc:sldMkLst>
+        <pc:spChg chg="mod">
+          <ac:chgData name="Scruel Tao" userId="5ea5c98d59b44d4b" providerId="LiveId" clId="{2BA6F94F-59B6-4AA6-9DB6-4A8227DBE37E}" dt="2023-04-06T02:37:55.606" v="4130" actId="20577"/>
+          <ac:spMkLst>
+            <pc:docMk/>
+            <pc:sldMk cId="1525970791" sldId="275"/>
+            <ac:spMk id="2" creationId="{ABA783DF-49A6-7EF1-661E-C574E2C2F386}"/>
+          </ac:spMkLst>
+        </pc:spChg>
+        <pc:spChg chg="add mod">
+          <ac:chgData name="Scruel Tao" userId="5ea5c98d59b44d4b" providerId="LiveId" clId="{2BA6F94F-59B6-4AA6-9DB6-4A8227DBE37E}" dt="2023-04-06T02:40:44.115" v="4288" actId="1076"/>
+          <ac:spMkLst>
+            <pc:docMk/>
+            <pc:sldMk cId="1525970791" sldId="275"/>
+            <ac:spMk id="3" creationId="{758FEE91-E006-78B4-7371-44F05CE1873F}"/>
+          </ac:spMkLst>
+        </pc:spChg>
+        <pc:spChg chg="mod">
+          <ac:chgData name="Scruel Tao" userId="5ea5c98d59b44d4b" providerId="LiveId" clId="{2BA6F94F-59B6-4AA6-9DB6-4A8227DBE37E}" dt="2023-04-06T03:11:42.112" v="6223" actId="20577"/>
+          <ac:spMkLst>
+            <pc:docMk/>
+            <pc:sldMk cId="1525970791" sldId="275"/>
+            <ac:spMk id="5" creationId="{334FF01F-2A65-44F6-34F9-69AC934A31D7}"/>
+          </ac:spMkLst>
+        </pc:spChg>
+        <pc:spChg chg="add del mod">
+          <ac:chgData name="Scruel Tao" userId="5ea5c98d59b44d4b" providerId="LiveId" clId="{2BA6F94F-59B6-4AA6-9DB6-4A8227DBE37E}" dt="2023-04-06T02:41:11.484" v="4301"/>
+          <ac:spMkLst>
+            <pc:docMk/>
+            <pc:sldMk cId="1525970791" sldId="275"/>
+            <ac:spMk id="6" creationId="{FE71521E-2CC0-4A61-AAED-50B969DD3FB2}"/>
+          </ac:spMkLst>
+        </pc:spChg>
+        <pc:spChg chg="add del mod">
+          <ac:chgData name="Scruel Tao" userId="5ea5c98d59b44d4b" providerId="LiveId" clId="{2BA6F94F-59B6-4AA6-9DB6-4A8227DBE37E}" dt="2023-04-06T02:41:49.801" v="4308"/>
+          <ac:spMkLst>
+            <pc:docMk/>
+            <pc:sldMk cId="1525970791" sldId="275"/>
+            <ac:spMk id="11" creationId="{E7566BCF-DD27-2A40-5FAC-846D590C6664}"/>
+          </ac:spMkLst>
+        </pc:spChg>
+        <pc:picChg chg="del">
+          <ac:chgData name="Scruel Tao" userId="5ea5c98d59b44d4b" providerId="LiveId" clId="{2BA6F94F-59B6-4AA6-9DB6-4A8227DBE37E}" dt="2023-04-03T05:13:19.543" v="3163" actId="21"/>
+          <ac:picMkLst>
+            <pc:docMk/>
+            <pc:sldMk cId="1525970791" sldId="275"/>
+            <ac:picMk id="3" creationId="{E9C9C4B6-9E80-13FC-3C11-56455F818828}"/>
+          </ac:picMkLst>
+        </pc:picChg>
+        <pc:picChg chg="add del mod">
+          <ac:chgData name="Scruel Tao" userId="5ea5c98d59b44d4b" providerId="LiveId" clId="{2BA6F94F-59B6-4AA6-9DB6-4A8227DBE37E}" dt="2023-04-06T02:41:10.728" v="4300"/>
+          <ac:picMkLst>
+            <pc:docMk/>
+            <pc:sldMk cId="1525970791" sldId="275"/>
+            <ac:picMk id="7" creationId="{72753DEC-DD0C-C274-F404-F5EB4CD1C448}"/>
+          </ac:picMkLst>
+        </pc:picChg>
+        <pc:picChg chg="add del mod">
+          <ac:chgData name="Scruel Tao" userId="5ea5c98d59b44d4b" providerId="LiveId" clId="{2BA6F94F-59B6-4AA6-9DB6-4A8227DBE37E}" dt="2023-04-06T02:41:48.798" v="4307" actId="478"/>
+          <ac:picMkLst>
+            <pc:docMk/>
+            <pc:sldMk cId="1525970791" sldId="275"/>
+            <ac:picMk id="9" creationId="{956D46E1-CA10-6110-3721-527FB106B816}"/>
+          </ac:picMkLst>
+        </pc:picChg>
+        <pc:picChg chg="add mod">
+          <ac:chgData name="Scruel Tao" userId="5ea5c98d59b44d4b" providerId="LiveId" clId="{2BA6F94F-59B6-4AA6-9DB6-4A8227DBE37E}" dt="2023-04-06T02:41:56.060" v="4311" actId="14100"/>
+          <ac:picMkLst>
+            <pc:docMk/>
+            <pc:sldMk cId="1525970791" sldId="275"/>
+            <ac:picMk id="13" creationId="{28E0336C-E8D0-EA88-BA1F-58180AAA10B2}"/>
+          </ac:picMkLst>
+        </pc:picChg>
+        <pc:picChg chg="add mod">
+          <ac:chgData name="Scruel Tao" userId="5ea5c98d59b44d4b" providerId="LiveId" clId="{2BA6F94F-59B6-4AA6-9DB6-4A8227DBE37E}" dt="2023-04-06T02:43:15.541" v="4323" actId="1076"/>
+          <ac:picMkLst>
+            <pc:docMk/>
+            <pc:sldMk cId="1525970791" sldId="275"/>
+            <ac:picMk id="15" creationId="{688D0B3B-ED19-D752-7801-4EA7CCF93CF1}"/>
+          </ac:picMkLst>
+        </pc:picChg>
+        <pc:picChg chg="add del mod">
+          <ac:chgData name="Scruel Tao" userId="5ea5c98d59b44d4b" providerId="LiveId" clId="{2BA6F94F-59B6-4AA6-9DB6-4A8227DBE37E}" dt="2023-04-06T02:45:44.597" v="4337" actId="478"/>
+          <ac:picMkLst>
+            <pc:docMk/>
+            <pc:sldMk cId="1525970791" sldId="275"/>
+            <ac:picMk id="17" creationId="{A0899730-319B-2A2E-DBC8-BEBF8655AA69}"/>
+          </ac:picMkLst>
+        </pc:picChg>
+        <pc:picChg chg="add mod">
+          <ac:chgData name="Scruel Tao" userId="5ea5c98d59b44d4b" providerId="LiveId" clId="{2BA6F94F-59B6-4AA6-9DB6-4A8227DBE37E}" dt="2023-04-06T02:45:54.296" v="4342" actId="1076"/>
+          <ac:picMkLst>
+            <pc:docMk/>
+            <pc:sldMk cId="1525970791" sldId="275"/>
+            <ac:picMk id="19" creationId="{EA4C9E56-4F35-33EF-251B-533EFC0DABBF}"/>
+          </ac:picMkLst>
+        </pc:picChg>
+      </pc:sldChg>
+      <pc:sldChg chg="modSp add del mod">
+        <pc:chgData name="Scruel Tao" userId="5ea5c98d59b44d4b" providerId="LiveId" clId="{2BA6F94F-59B6-4AA6-9DB6-4A8227DBE37E}" dt="2023-04-06T02:37:57.733" v="4131" actId="47"/>
+        <pc:sldMkLst>
+          <pc:docMk/>
+          <pc:sldMk cId="1084643022" sldId="276"/>
+        </pc:sldMkLst>
+        <pc:spChg chg="mod">
+          <ac:chgData name="Scruel Tao" userId="5ea5c98d59b44d4b" providerId="LiveId" clId="{2BA6F94F-59B6-4AA6-9DB6-4A8227DBE37E}" dt="2023-04-06T01:59:57.563" v="3451" actId="20577"/>
+          <ac:spMkLst>
+            <pc:docMk/>
+            <pc:sldMk cId="1084643022" sldId="276"/>
+            <ac:spMk id="2" creationId="{ABA783DF-49A6-7EF1-661E-C574E2C2F386}"/>
+          </ac:spMkLst>
+        </pc:spChg>
+      </pc:sldChg>
+      <pc:sldMasterChg chg="modSldLayout">
+        <pc:chgData name="Scruel Tao" userId="5ea5c98d59b44d4b" providerId="LiveId" clId="{2BA6F94F-59B6-4AA6-9DB6-4A8227DBE37E}" dt="2023-04-03T03:34:53.033" v="335" actId="1076"/>
+        <pc:sldMasterMkLst>
+          <pc:docMk/>
+          <pc:sldMasterMk cId="1766057859" sldId="2147483648"/>
+        </pc:sldMasterMkLst>
+        <pc:sldLayoutChg chg="delSp modSp mod">
+          <pc:chgData name="Scruel Tao" userId="5ea5c98d59b44d4b" providerId="LiveId" clId="{2BA6F94F-59B6-4AA6-9DB6-4A8227DBE37E}" dt="2023-04-03T03:34:53.033" v="335" actId="1076"/>
+          <pc:sldLayoutMkLst>
+            <pc:docMk/>
+            <pc:sldMasterMk cId="1766057859" sldId="2147483648"/>
+            <pc:sldLayoutMk cId="1337634028" sldId="2147483660"/>
+          </pc:sldLayoutMkLst>
+          <pc:spChg chg="del mod">
+            <ac:chgData name="Scruel Tao" userId="5ea5c98d59b44d4b" providerId="LiveId" clId="{2BA6F94F-59B6-4AA6-9DB6-4A8227DBE37E}" dt="2023-04-03T03:27:47.594" v="278" actId="478"/>
+            <ac:spMkLst>
+              <pc:docMk/>
+              <pc:sldMasterMk cId="1766057859" sldId="2147483648"/>
+              <pc:sldLayoutMk cId="1337634028" sldId="2147483660"/>
+              <ac:spMk id="19468" creationId="{418CE5A5-515B-CEAB-D160-CBAFEBF4837F}"/>
+            </ac:spMkLst>
+          </pc:spChg>
+          <pc:picChg chg="del">
+            <ac:chgData name="Scruel Tao" userId="5ea5c98d59b44d4b" providerId="LiveId" clId="{2BA6F94F-59B6-4AA6-9DB6-4A8227DBE37E}" dt="2023-04-03T03:26:11.336" v="269" actId="21"/>
+            <ac:picMkLst>
+              <pc:docMk/>
+              <pc:sldMasterMk cId="1766057859" sldId="2147483648"/>
+              <pc:sldLayoutMk cId="1337634028" sldId="2147483660"/>
+              <ac:picMk id="19481" creationId="{02568321-E4E6-1B3D-8017-A3451A7203B9}"/>
+            </ac:picMkLst>
+          </pc:picChg>
+          <pc:picChg chg="mod">
+            <ac:chgData name="Scruel Tao" userId="5ea5c98d59b44d4b" providerId="LiveId" clId="{2BA6F94F-59B6-4AA6-9DB6-4A8227DBE37E}" dt="2023-04-03T03:34:53.033" v="335" actId="1076"/>
             <ac:picMkLst>
               <pc:docMk/>
               <pc:sldMasterMk cId="1766057859" sldId="2147483648"/>
@@ -4182,7 +4347,7 @@
           <a:p>
             <a:fld id="{AC7E1972-C479-4420-A687-8FB83BA90DEB}" type="datetimeFigureOut">
               <a:rPr lang="zh-CN" altLang="en-US" smtClean="0"/>
-              <a:t>2023/6/3</a:t>
+              <a:t>2023/12/3</a:t>
             </a:fld>
             <a:endParaRPr lang="zh-CN" altLang="en-US"/>
           </a:p>
@@ -4359,7 +4524,7 @@
           <a:p>
             <a:fld id="{89B7AB8D-BCC0-43C6-B24C-055A25DB558F}" type="datetimeFigureOut">
               <a:rPr lang="zh-CN" altLang="en-US" smtClean="0"/>
-              <a:t>2023/6/3</a:t>
+              <a:t>2023/12/3</a:t>
             </a:fld>
             <a:endParaRPr lang="zh-CN" altLang="en-US"/>
           </a:p>
@@ -5514,16 +5679,22 @@
               <a:t>处）最后我们再次调用 </a:t>
             </a:r>
             <a:r>
-              <a:rPr lang="en-US" altLang="zh-CN" sz="1200" b="0" i="0" u="none" strike="noStrike" baseline="0" dirty="0">
+              <a:rPr lang="en-US" altLang="zh-CN" sz="1200" b="0" i="0" u="none" strike="noStrike" baseline="0">
                 <a:latin typeface="FZSSJW--GB1-0"/>
               </a:rPr>
-              <a:t>sort()</a:t>
+              <a:t>sort() </a:t>
+            </a:r>
+            <a:r>
+              <a:rPr lang="zh-CN" altLang="en-US" sz="1200" b="0" i="0" u="none" strike="noStrike" baseline="0">
+                <a:latin typeface="FZSSJW--GB1-0"/>
+              </a:rPr>
+              <a:t>方法</a:t>
             </a:r>
             <a:r>
               <a:rPr lang="zh-CN" altLang="en-US" sz="1200" b="0" i="0" u="none" strike="noStrike" baseline="0" dirty="0">
                 <a:latin typeface="FZSSJW--GB1-0"/>
               </a:rPr>
-              <a:t>方法，但此时</a:t>
+              <a:t>，但此时</a:t>
             </a:r>
             <a:r>
               <a:rPr lang="zh-CN" altLang="en-US" sz="1800" b="0" i="0" u="none" strike="noStrike" baseline="0" dirty="0">
@@ -5815,8 +5986,8 @@
           <a:lstStyle/>
           <a:p>
             <a:r>
-              <a:rPr lang="zh-CN" altLang="en-US"/>
-              <a:t>本页讲义的图中所示，便是 </a:t>
+              <a:rPr lang="zh-CN" altLang="en-US" dirty="0"/>
+              <a:t>注：终端中 </a:t>
             </a:r>
             <a:r>
               <a:rPr lang="en-US" altLang="zh-CN" dirty="0"/>
@@ -5824,7 +5995,7 @@
             </a:r>
             <a:r>
               <a:rPr lang="zh-CN" altLang="en-US" dirty="0"/>
-              <a:t>的</a:t>
+              <a:t>的解释器，又称为</a:t>
             </a:r>
             <a:r>
               <a:rPr lang="zh-CN" altLang="zh-CN" dirty="0"/>
@@ -5864,7 +6035,7 @@
             </a:r>
             <a:r>
               <a:rPr lang="zh-CN" altLang="en-US" dirty="0"/>
-              <a:t>输出”循环）</a:t>
+              <a:t>输出”循环），其本身会将运行的结果进行输出。</a:t>
             </a:r>
           </a:p>
         </p:txBody>
@@ -6811,7 +6982,7 @@
           <a:p>
             <a:fld id="{F721228B-0167-4061-A906-8575043315EE}" type="datetimeFigureOut">
               <a:rPr lang="zh-CN" altLang="en-US" smtClean="0"/>
-              <a:t>2023/6/3</a:t>
+              <a:t>2023/12/3</a:t>
             </a:fld>
             <a:endParaRPr lang="zh-CN" altLang="en-US"/>
           </a:p>
@@ -7021,7 +7192,7 @@
           <a:p>
             <a:fld id="{F721228B-0167-4061-A906-8575043315EE}" type="datetimeFigureOut">
               <a:rPr lang="zh-CN" altLang="en-US" smtClean="0"/>
-              <a:t>2023/6/3</a:t>
+              <a:t>2023/12/3</a:t>
             </a:fld>
             <a:endParaRPr lang="zh-CN" altLang="en-US"/>
           </a:p>
@@ -7241,7 +7412,7 @@
           <a:p>
             <a:fld id="{F721228B-0167-4061-A906-8575043315EE}" type="datetimeFigureOut">
               <a:rPr lang="zh-CN" altLang="en-US" smtClean="0"/>
-              <a:t>2023/6/3</a:t>
+              <a:t>2023/12/3</a:t>
             </a:fld>
             <a:endParaRPr lang="zh-CN" altLang="en-US"/>
           </a:p>
@@ -7738,7 +7909,7 @@
           <a:p>
             <a:fld id="{F721228B-0167-4061-A906-8575043315EE}" type="datetimeFigureOut">
               <a:rPr lang="zh-CN" altLang="en-US" smtClean="0"/>
-              <a:t>2023/6/3</a:t>
+              <a:t>2023/12/3</a:t>
             </a:fld>
             <a:endParaRPr lang="zh-CN" altLang="en-US"/>
           </a:p>
@@ -8074,7 +8245,7 @@
           <a:p>
             <a:fld id="{F721228B-0167-4061-A906-8575043315EE}" type="datetimeFigureOut">
               <a:rPr lang="zh-CN" altLang="en-US" smtClean="0"/>
-              <a:t>2023/6/3</a:t>
+              <a:t>2023/12/3</a:t>
             </a:fld>
             <a:endParaRPr lang="zh-CN" altLang="en-US"/>
           </a:p>
@@ -8432,7 +8603,7 @@
           <a:p>
             <a:fld id="{F721228B-0167-4061-A906-8575043315EE}" type="datetimeFigureOut">
               <a:rPr lang="zh-CN" altLang="en-US" smtClean="0"/>
-              <a:t>2023/6/3</a:t>
+              <a:t>2023/12/3</a:t>
             </a:fld>
             <a:endParaRPr lang="zh-CN" altLang="en-US"/>
           </a:p>
@@ -8905,7 +9076,7 @@
           <a:p>
             <a:fld id="{F721228B-0167-4061-A906-8575043315EE}" type="datetimeFigureOut">
               <a:rPr lang="zh-CN" altLang="en-US" smtClean="0"/>
-              <a:t>2023/6/3</a:t>
+              <a:t>2023/12/3</a:t>
             </a:fld>
             <a:endParaRPr lang="zh-CN" altLang="en-US"/>
           </a:p>
@@ -9058,7 +9229,7 @@
           <a:p>
             <a:fld id="{F721228B-0167-4061-A906-8575043315EE}" type="datetimeFigureOut">
               <a:rPr lang="zh-CN" altLang="en-US" smtClean="0"/>
-              <a:t>2023/6/3</a:t>
+              <a:t>2023/12/3</a:t>
             </a:fld>
             <a:endParaRPr lang="zh-CN" altLang="en-US"/>
           </a:p>
@@ -9183,7 +9354,7 @@
           <a:p>
             <a:fld id="{F721228B-0167-4061-A906-8575043315EE}" type="datetimeFigureOut">
               <a:rPr lang="zh-CN" altLang="en-US" smtClean="0"/>
-              <a:t>2023/6/3</a:t>
+              <a:t>2023/12/3</a:t>
             </a:fld>
             <a:endParaRPr lang="zh-CN" altLang="en-US"/>
           </a:p>
@@ -9506,7 +9677,7 @@
           <a:p>
             <a:fld id="{F721228B-0167-4061-A906-8575043315EE}" type="datetimeFigureOut">
               <a:rPr lang="zh-CN" altLang="en-US" smtClean="0"/>
-              <a:t>2023/6/3</a:t>
+              <a:t>2023/12/3</a:t>
             </a:fld>
             <a:endParaRPr lang="zh-CN" altLang="en-US"/>
           </a:p>
@@ -9806,7 +9977,7 @@
           <a:p>
             <a:fld id="{F721228B-0167-4061-A906-8575043315EE}" type="datetimeFigureOut">
               <a:rPr lang="zh-CN" altLang="en-US" smtClean="0"/>
-              <a:t>2023/6/3</a:t>
+              <a:t>2023/12/3</a:t>
             </a:fld>
             <a:endParaRPr lang="zh-CN" altLang="en-US"/>
           </a:p>
@@ -10059,7 +10230,7 @@
           <a:p>
             <a:fld id="{F721228B-0167-4061-A906-8575043315EE}" type="datetimeFigureOut">
               <a:rPr lang="zh-CN" altLang="en-US" smtClean="0"/>
-              <a:t>2023/6/3</a:t>
+              <a:t>2023/12/3</a:t>
             </a:fld>
             <a:endParaRPr lang="zh-CN" altLang="en-US"/>
           </a:p>
@@ -10944,12 +11115,8 @@
               <a:t>）</a:t>
             </a:r>
             <a:r>
-              <a:rPr lang="en-US" altLang="zh-CN" dirty="0"/>
-              <a:t>——</a:t>
-            </a:r>
-            <a:r>
               <a:rPr lang="zh-CN" altLang="en-US" dirty="0"/>
-              <a:t>即元素的位置：可用于访问列表中的元素</a:t>
+              <a:t>：元素在列表中的位置，用于访问列表中的元素</a:t>
             </a:r>
             <a:endParaRPr lang="en-US" altLang="zh-CN" dirty="0"/>
           </a:p>
@@ -10960,19 +11127,11 @@
             </a:r>
             <a:r>
               <a:rPr lang="zh-CN" altLang="en-US" dirty="0"/>
-              <a:t>：与列表末尾有</a:t>
-            </a:r>
-            <a:r>
-              <a:rPr lang="zh-CN" altLang="en-US" b="1" dirty="0"/>
-              <a:t>相应距离</a:t>
-            </a:r>
-            <a:r>
-              <a:rPr lang="zh-CN" altLang="en-US" dirty="0"/>
-              <a:t>的位置</a:t>
-            </a:r>
-          </a:p>
-          <a:p>
-            <a:endParaRPr lang="en-US" altLang="zh-CN" b="1" dirty="0"/>
+              <a:t>：表示列表中倒数第几个元素的位置</a:t>
+            </a:r>
+          </a:p>
+          <a:p>
+            <a:endParaRPr lang="zh-CN" altLang="en-US" dirty="0"/>
           </a:p>
         </p:txBody>
       </p:sp>
@@ -12376,15 +12535,24 @@
                                   </p:childTnLst>
                                 </p:cTn>
                               </p:par>
+                            </p:childTnLst>
+                          </p:cTn>
+                        </p:par>
+                        <p:par>
+                          <p:cTn id="14" fill="hold">
+                            <p:stCondLst>
+                              <p:cond delay="500"/>
+                            </p:stCondLst>
+                            <p:childTnLst>
                               <p:par>
-                                <p:cTn id="14" presetID="22" presetClass="entr" presetSubtype="4" fill="hold" grpId="0" nodeType="withEffect">
+                                <p:cTn id="15" presetID="22" presetClass="entr" presetSubtype="4" fill="hold" grpId="0" nodeType="afterEffect">
                                   <p:stCondLst>
                                     <p:cond delay="0"/>
                                   </p:stCondLst>
                                   <p:childTnLst>
                                     <p:set>
                                       <p:cBhvr>
-                                        <p:cTn id="15" dur="1" fill="hold">
+                                        <p:cTn id="16" dur="1" fill="hold">
                                           <p:stCondLst>
                                             <p:cond delay="0"/>
                                           </p:stCondLst>
@@ -12402,7 +12570,7 @@
                                     </p:set>
                                     <p:animEffect transition="in" filter="wipe(down)">
                                       <p:cBhvr>
-                                        <p:cTn id="16" dur="500"/>
+                                        <p:cTn id="17" dur="500"/>
                                         <p:tgtEl>
                                           <p:spTgt spid="4"/>
                                         </p:tgtEl>
@@ -12418,26 +12586,26 @@
                     </p:cTn>
                   </p:par>
                   <p:par>
-                    <p:cTn id="17" fill="hold">
+                    <p:cTn id="18" fill="hold">
                       <p:stCondLst>
                         <p:cond delay="indefinite"/>
                       </p:stCondLst>
                       <p:childTnLst>
                         <p:par>
-                          <p:cTn id="18" fill="hold">
+                          <p:cTn id="19" fill="hold">
                             <p:stCondLst>
                               <p:cond delay="0"/>
                             </p:stCondLst>
                             <p:childTnLst>
                               <p:par>
-                                <p:cTn id="19" presetID="1" presetClass="entr" presetSubtype="0" fill="hold" nodeType="clickEffect">
+                                <p:cTn id="20" presetID="1" presetClass="entr" presetSubtype="0" fill="hold" nodeType="clickEffect">
                                   <p:stCondLst>
                                     <p:cond delay="0"/>
                                   </p:stCondLst>
                                   <p:childTnLst>
                                     <p:set>
                                       <p:cBhvr>
-                                        <p:cTn id="20" dur="1" fill="hold">
+                                        <p:cTn id="21" dur="1" fill="hold">
                                           <p:stCondLst>
                                             <p:cond delay="0"/>
                                           </p:stCondLst>
@@ -12467,26 +12635,26 @@
                     </p:cTn>
                   </p:par>
                   <p:par>
-                    <p:cTn id="21" fill="hold">
+                    <p:cTn id="22" fill="hold">
                       <p:stCondLst>
                         <p:cond delay="indefinite"/>
                       </p:stCondLst>
                       <p:childTnLst>
                         <p:par>
-                          <p:cTn id="22" fill="hold">
+                          <p:cTn id="23" fill="hold">
                             <p:stCondLst>
                               <p:cond delay="0"/>
                             </p:stCondLst>
                             <p:childTnLst>
                               <p:par>
-                                <p:cTn id="23" presetID="1" presetClass="entr" presetSubtype="0" fill="hold" grpId="0" nodeType="clickEffect">
+                                <p:cTn id="24" presetID="1" presetClass="entr" presetSubtype="0" fill="hold" grpId="0" nodeType="clickEffect">
                                   <p:stCondLst>
                                     <p:cond delay="0"/>
                                   </p:stCondLst>
                                   <p:childTnLst>
                                     <p:set>
                                       <p:cBhvr>
-                                        <p:cTn id="24" dur="1" fill="hold">
+                                        <p:cTn id="25" dur="1" fill="hold">
                                           <p:stCondLst>
                                             <p:cond delay="0"/>
                                           </p:stCondLst>
@@ -13196,6 +13364,52 @@
               <a:latin typeface="Consolas" panose="020B0609020204030204" pitchFamily="49" charset="0"/>
               <a:ea typeface="微软雅黑" panose="020B0503020204020204" pitchFamily="34" charset="-122"/>
             </a:endParaRPr>
+          </a:p>
+        </p:txBody>
+      </p:sp>
+      <p:sp>
+        <p:nvSpPr>
+          <p:cNvPr id="4" name="箭头: 右 3">
+            <a:extLst>
+              <a:ext uri="{FF2B5EF4-FFF2-40B4-BE49-F238E27FC236}">
+                <a16:creationId xmlns:a16="http://schemas.microsoft.com/office/drawing/2014/main" id="{95185EE5-90C6-4AC8-BFCF-7A3E5E3EF0FE}"/>
+              </a:ext>
+            </a:extLst>
+          </p:cNvPr>
+          <p:cNvSpPr/>
+          <p:nvPr/>
+        </p:nvSpPr>
+        <p:spPr>
+          <a:xfrm>
+            <a:off x="1946711" y="4356000"/>
+            <a:ext cx="273600" cy="266400"/>
+          </a:xfrm>
+          <a:prstGeom prst="rightArrow">
+            <a:avLst/>
+          </a:prstGeom>
+        </p:spPr>
+        <p:style>
+          <a:lnRef idx="2">
+            <a:schemeClr val="accent1">
+              <a:shade val="15000"/>
+            </a:schemeClr>
+          </a:lnRef>
+          <a:fillRef idx="1">
+            <a:schemeClr val="accent1"/>
+          </a:fillRef>
+          <a:effectRef idx="0">
+            <a:schemeClr val="accent1"/>
+          </a:effectRef>
+          <a:fontRef idx="minor">
+            <a:schemeClr val="lt1"/>
+          </a:fontRef>
+        </p:style>
+        <p:txBody>
+          <a:bodyPr rtlCol="0" anchor="ctr"/>
+          <a:lstStyle/>
+          <a:p>
+            <a:pPr algn="ctr"/>
+            <a:endParaRPr lang="zh-CN" altLang="en-US"/>
           </a:p>
         </p:txBody>
       </p:sp>
@@ -13320,30 +13534,74 @@
                             </p:childTnLst>
                           </p:cTn>
                         </p:par>
-                      </p:childTnLst>
-                    </p:cTn>
-                  </p:par>
-                  <p:par>
-                    <p:cTn id="11" fill="hold">
-                      <p:stCondLst>
-                        <p:cond delay="indefinite"/>
-                      </p:stCondLst>
-                      <p:childTnLst>
                         <p:par>
-                          <p:cTn id="12" fill="hold">
+                          <p:cTn id="11" fill="hold">
                             <p:stCondLst>
                               <p:cond delay="0"/>
                             </p:stCondLst>
                             <p:childTnLst>
                               <p:par>
-                                <p:cTn id="13" presetID="1" presetClass="entr" presetSubtype="0" fill="hold" grpId="0" nodeType="clickEffect">
+                                <p:cTn id="12" presetID="22" presetClass="entr" presetSubtype="8" fill="hold" grpId="0" nodeType="afterEffect">
                                   <p:stCondLst>
                                     <p:cond delay="0"/>
                                   </p:stCondLst>
                                   <p:childTnLst>
                                     <p:set>
                                       <p:cBhvr>
-                                        <p:cTn id="14" dur="1" fill="hold">
+                                        <p:cTn id="13" dur="1" fill="hold">
+                                          <p:stCondLst>
+                                            <p:cond delay="0"/>
+                                          </p:stCondLst>
+                                        </p:cTn>
+                                        <p:tgtEl>
+                                          <p:spTgt spid="4"/>
+                                        </p:tgtEl>
+                                        <p:attrNameLst>
+                                          <p:attrName>style.visibility</p:attrName>
+                                        </p:attrNameLst>
+                                      </p:cBhvr>
+                                      <p:to>
+                                        <p:strVal val="visible"/>
+                                      </p:to>
+                                    </p:set>
+                                    <p:animEffect transition="in" filter="wipe(left)">
+                                      <p:cBhvr>
+                                        <p:cTn id="14" dur="500"/>
+                                        <p:tgtEl>
+                                          <p:spTgt spid="4"/>
+                                        </p:tgtEl>
+                                      </p:cBhvr>
+                                    </p:animEffect>
+                                  </p:childTnLst>
+                                </p:cTn>
+                              </p:par>
+                            </p:childTnLst>
+                          </p:cTn>
+                        </p:par>
+                      </p:childTnLst>
+                    </p:cTn>
+                  </p:par>
+                  <p:par>
+                    <p:cTn id="15" fill="hold">
+                      <p:stCondLst>
+                        <p:cond delay="indefinite"/>
+                      </p:stCondLst>
+                      <p:childTnLst>
+                        <p:par>
+                          <p:cTn id="16" fill="hold">
+                            <p:stCondLst>
+                              <p:cond delay="0"/>
+                            </p:stCondLst>
+                            <p:childTnLst>
+                              <p:par>
+                                <p:cTn id="17" presetID="1" presetClass="entr" presetSubtype="0" fill="hold" grpId="0" nodeType="clickEffect">
+                                  <p:stCondLst>
+                                    <p:cond delay="0"/>
+                                  </p:stCondLst>
+                                  <p:childTnLst>
+                                    <p:set>
+                                      <p:cBhvr>
+                                        <p:cTn id="18" dur="1" fill="hold">
                                           <p:stCondLst>
                                             <p:cond delay="0"/>
                                           </p:stCondLst>
@@ -13392,6 +13650,7 @@
     <p:bldLst>
       <p:bldP spid="7" grpId="0" animBg="1"/>
       <p:bldP spid="5" grpId="0" animBg="1"/>
+      <p:bldP spid="4" grpId="0" animBg="1"/>
     </p:bldLst>
   </p:timing>
 </p:sld>
@@ -20543,7 +20802,7 @@
           <a:p>
             <a:pPr algn="l"/>
             <a:r>
-              <a:rPr lang="en-US" altLang="zh-CN" sz="2400" dirty="0">
+              <a:rPr lang="en-US" altLang="zh-CN" sz="2400" b="1" dirty="0">
                 <a:solidFill>
                   <a:srgbClr val="258DFF"/>
                 </a:solidFill>
@@ -20553,7 +20812,7 @@
               <a:t>reverse</a:t>
             </a:r>
             <a:r>
-              <a:rPr lang="en-US" altLang="zh-CN" sz="2400" dirty="0">
+              <a:rPr lang="en-US" altLang="zh-CN" sz="2400" b="1" dirty="0">
                 <a:solidFill>
                   <a:srgbClr val="3F9101"/>
                 </a:solidFill>
@@ -20570,24 +20829,34 @@
               <a:t>方法会永久地修改列表元素的排列顺序，但可随时恢复到原来的排列顺序：只需对列表再次调用 </a:t>
             </a:r>
             <a:r>
+              <a:rPr lang="en-US" altLang="zh-CN" sz="2400" b="1" dirty="0">
+                <a:solidFill>
+                  <a:srgbClr val="258DFF"/>
+                </a:solidFill>
+                <a:effectLst/>
+                <a:latin typeface="Consolas" panose="020B0609020204030204" pitchFamily="49" charset="0"/>
+              </a:rPr>
+              <a:t>reverse</a:t>
+            </a:r>
+            <a:r>
+              <a:rPr lang="en-US" altLang="zh-CN" sz="2400" b="1" dirty="0">
+                <a:solidFill>
+                  <a:srgbClr val="3F9101"/>
+                </a:solidFill>
+                <a:effectLst/>
+                <a:latin typeface="Consolas" panose="020B0609020204030204" pitchFamily="49" charset="0"/>
+              </a:rPr>
+              <a:t>()</a:t>
+            </a:r>
+            <a:r>
               <a:rPr lang="en-US" altLang="zh-CN" sz="2400" dirty="0">
                 <a:solidFill>
-                  <a:srgbClr val="258DFF"/>
+                  <a:srgbClr val="3F9101"/>
                 </a:solidFill>
                 <a:effectLst/>
                 <a:latin typeface="Consolas" panose="020B0609020204030204" pitchFamily="49" charset="0"/>
               </a:rPr>
-              <a:t>reverse</a:t>
-            </a:r>
-            <a:r>
-              <a:rPr lang="en-US" altLang="zh-CN" sz="2400" dirty="0">
-                <a:solidFill>
-                  <a:srgbClr val="3F9101"/>
-                </a:solidFill>
-                <a:effectLst/>
-                <a:latin typeface="Consolas" panose="020B0609020204030204" pitchFamily="49" charset="0"/>
-              </a:rPr>
-              <a:t>() </a:t>
+              <a:t> </a:t>
             </a:r>
             <a:r>
               <a:rPr lang="zh-CN" altLang="en-US" sz="2400" b="0" i="0" u="none" strike="noStrike" baseline="0" dirty="0">
@@ -22622,8 +22891,8 @@
         </p:nvSpPr>
         <p:spPr>
           <a:xfrm>
-            <a:off x="3861659" y="6108928"/>
-            <a:ext cx="4154182" cy="461665"/>
+            <a:off x="2616154" y="6108928"/>
+            <a:ext cx="6588000" cy="461665"/>
           </a:xfrm>
           <a:prstGeom prst="rect">
             <a:avLst/>
@@ -22643,7 +22912,22 @@
                 <a:latin typeface="微软雅黑" panose="020B0503020204020204" pitchFamily="34" charset="-122"/>
                 <a:ea typeface="微软雅黑" panose="020B0503020204020204" pitchFamily="34" charset="-122"/>
               </a:rPr>
-              <a:t>不要大意，索引错误很常见！</a:t>
+              <a:t>不要大意，索引错误很常见</a:t>
+            </a:r>
+            <a:r>
+              <a:rPr lang="zh-CN" altLang="en-US" sz="2400" b="1" i="1" dirty="0">
+                <a:latin typeface="微软雅黑" panose="020B0503020204020204" pitchFamily="34" charset="-122"/>
+                <a:ea typeface="微软雅黑" panose="020B0503020204020204" pitchFamily="34" charset="-122"/>
+              </a:rPr>
+              <a:t>，</a:t>
+            </a:r>
+            <a:r>
+              <a:rPr lang="zh-CN" altLang="en-US" sz="2400" b="1" i="1" dirty="0">
+                <a:effectLst/>
+                <a:latin typeface="微软雅黑" panose="020B0503020204020204" pitchFamily="34" charset="-122"/>
+                <a:ea typeface="微软雅黑" panose="020B0503020204020204" pitchFamily="34" charset="-122"/>
+              </a:rPr>
+              <a:t>尤其是差一错误！</a:t>
             </a:r>
             <a:endParaRPr lang="zh-CN" altLang="en-US" sz="2400" b="1" i="1" dirty="0">
               <a:latin typeface="微软雅黑" panose="020B0503020204020204" pitchFamily="34" charset="-122"/>
@@ -23318,33 +23602,6 @@
               <a:rPr lang="zh-CN" altLang="en-US" dirty="0"/>
               <a:t>列表是什么</a:t>
             </a:r>
-            <a:endParaRPr lang="en-US" altLang="zh-CN" dirty="0"/>
-          </a:p>
-        </p:txBody>
-      </p:sp>
-      <p:sp>
-        <p:nvSpPr>
-          <p:cNvPr id="3" name="内容占位符 2">
-            <a:extLst>
-              <a:ext uri="{FF2B5EF4-FFF2-40B4-BE49-F238E27FC236}">
-                <a16:creationId xmlns:a16="http://schemas.microsoft.com/office/drawing/2014/main" id="{0E2FC508-1AFD-A957-52F2-FA1DEF2A9D27}"/>
-              </a:ext>
-            </a:extLst>
-          </p:cNvPr>
-          <p:cNvSpPr>
-            <a:spLocks noGrp="1"/>
-          </p:cNvSpPr>
-          <p:nvPr>
-            <p:ph idx="1"/>
-          </p:nvPr>
-        </p:nvSpPr>
-        <p:spPr/>
-        <p:txBody>
-          <a:bodyPr>
-            <a:normAutofit/>
-          </a:bodyPr>
-          <a:lstStyle/>
-          <a:p>
             <a:endParaRPr lang="en-US" altLang="zh-CN" dirty="0"/>
           </a:p>
         </p:txBody>
@@ -24375,13 +24632,13 @@
   <p:clrMapOvr>
     <a:masterClrMapping/>
   </p:clrMapOvr>
-  <mc:AlternateContent xmlns:mc="http://schemas.openxmlformats.org/markup-compatibility/2006" xmlns:p159="http://schemas.microsoft.com/office/powerpoint/2015/09/main">
-    <mc:Choice Requires="p159">
-      <p:transition spd="med">
+  <mc:AlternateContent xmlns:mc="http://schemas.openxmlformats.org/markup-compatibility/2006">
+    <mc:Choice xmlns:p159="http://schemas.microsoft.com/office/powerpoint/2015/09/main" Requires="p159">
+      <p:transition xmlns:p14="http://schemas.microsoft.com/office/powerpoint/2010/main" spd="med" p14:dur="700">
         <p159:morph option="byChar"/>
       </p:transition>
     </mc:Choice>
-    <mc:Fallback xmlns="">
+    <mc:Fallback>
       <p:transition spd="med">
         <p:fade/>
       </p:transition>
@@ -24596,19 +24853,34 @@
               <a:t>（如 </a:t>
             </a:r>
             <a:r>
-              <a:rPr lang="en-US" altLang="zh-CN" dirty="0">
+              <a:rPr lang="en-US" altLang="zh-CN" b="1" dirty="0">
+                <a:solidFill>
+                  <a:schemeClr val="accent5">
+                    <a:lumMod val="75000"/>
+                  </a:schemeClr>
+                </a:solidFill>
                 <a:latin typeface="Consolas" panose="020B0609020204030204" pitchFamily="49" charset="0"/>
               </a:rPr>
               <a:t>letters</a:t>
             </a:r>
             <a:r>
-              <a:rPr lang="zh-CN" altLang="en-US" dirty="0">
+              <a:rPr lang="zh-CN" altLang="en-US" b="1" dirty="0">
+                <a:solidFill>
+                  <a:schemeClr val="accent5">
+                    <a:lumMod val="75000"/>
+                  </a:schemeClr>
+                </a:solidFill>
                 <a:latin typeface="Consolas" panose="020B0609020204030204" pitchFamily="49" charset="0"/>
               </a:rPr>
               <a:t>、</a:t>
             </a:r>
             <a:r>
-              <a:rPr lang="en-US" altLang="zh-CN" dirty="0">
+              <a:rPr lang="en-US" altLang="zh-CN" b="1" dirty="0">
+                <a:solidFill>
+                  <a:schemeClr val="accent5">
+                    <a:lumMod val="75000"/>
+                  </a:schemeClr>
+                </a:solidFill>
                 <a:latin typeface="Consolas" panose="020B0609020204030204" pitchFamily="49" charset="0"/>
               </a:rPr>
               <a:t>digits</a:t>
@@ -24817,7 +25089,7 @@
         <p:spPr>
           <a:xfrm>
             <a:off x="2957966" y="5430704"/>
-            <a:ext cx="5603648" cy="1200329"/>
+            <a:ext cx="5603648" cy="830997"/>
           </a:xfrm>
           <a:prstGeom prst="rect">
             <a:avLst/>
@@ -24869,7 +25141,7 @@
                 <a:latin typeface="Consolas" panose="020B0609020204030204" pitchFamily="49" charset="0"/>
                 <a:ea typeface="微软雅黑" panose="020B0503020204020204" pitchFamily="34" charset="-122"/>
               </a:rPr>
-              <a:t>['trek', </a:t>
+              <a:t>['trek', 'redline', '</a:t>
             </a:r>
             <a:r>
               <a:rPr lang="en-US" altLang="zh-CN" sz="2400" dirty="0">
@@ -24880,7 +25152,7 @@
                 <a:latin typeface="Consolas" panose="020B0609020204030204" pitchFamily="49" charset="0"/>
                 <a:ea typeface="微软雅黑" panose="020B0503020204020204" pitchFamily="34" charset="-122"/>
               </a:rPr>
-              <a:t>Hello</a:t>
+              <a:t>giant</a:t>
             </a:r>
             <a:r>
               <a:rPr lang="da-DK" altLang="zh-CN" sz="2400" dirty="0">
@@ -24891,7 +25163,7 @@
                 <a:latin typeface="Consolas" panose="020B0609020204030204" pitchFamily="49" charset="0"/>
                 <a:ea typeface="微软雅黑" panose="020B0503020204020204" pitchFamily="34" charset="-122"/>
               </a:rPr>
-              <a:t>'redline', 'redline']</a:t>
+              <a:t>']</a:t>
             </a:r>
             <a:endParaRPr lang="pl-PL" altLang="zh-CN" sz="2400" dirty="0">
               <a:solidFill>
@@ -25197,19 +25469,9 @@
               <a:t>）</a:t>
             </a:r>
             <a:r>
-              <a:rPr lang="en-US" altLang="zh-CN" dirty="0"/>
-              <a:t>——</a:t>
-            </a:r>
-            <a:r>
               <a:rPr lang="zh-CN" altLang="en-US" dirty="0"/>
-              <a:t>即元素的位置：可用于访问列表中的元素</a:t>
-            </a:r>
-            <a:endParaRPr lang="en-US" altLang="zh-CN" dirty="0"/>
-          </a:p>
-          <a:p>
-            <a:pPr marL="0" indent="0" algn="ctr">
-              <a:buNone/>
-            </a:pPr>
+              <a:t>：元素在列表中的位置，用于访问列表中的元素</a:t>
+            </a:r>
             <a:endParaRPr lang="en-US" altLang="zh-CN" dirty="0"/>
           </a:p>
         </p:txBody>
@@ -25742,24 +26004,14 @@
               <a:t>）</a:t>
             </a:r>
             <a:r>
-              <a:rPr lang="en-US" altLang="zh-CN" dirty="0">
+              <a:rPr lang="zh-CN" altLang="en-US" dirty="0">
                 <a:solidFill>
                   <a:schemeClr val="bg1">
                     <a:lumMod val="65000"/>
                   </a:schemeClr>
                 </a:solidFill>
               </a:rPr>
-              <a:t>——</a:t>
-            </a:r>
-            <a:r>
-              <a:rPr lang="zh-CN" altLang="en-US" dirty="0">
-                <a:solidFill>
-                  <a:schemeClr val="bg1">
-                    <a:lumMod val="65000"/>
-                  </a:schemeClr>
-                </a:solidFill>
-              </a:rPr>
-              <a:t>即元素的位置：可用于访问列表中的元素</a:t>
+              <a:t>：元素在列表中的位置，用于访问列表中的元素</a:t>
             </a:r>
             <a:endParaRPr lang="en-US" altLang="zh-CN" dirty="0">
               <a:solidFill>
@@ -25776,15 +26028,7 @@
             </a:r>
             <a:r>
               <a:rPr lang="zh-CN" altLang="en-US" dirty="0"/>
-              <a:t>：与列表末尾有</a:t>
-            </a:r>
-            <a:r>
-              <a:rPr lang="zh-CN" altLang="en-US" b="1" dirty="0"/>
-              <a:t>相应距离</a:t>
-            </a:r>
-            <a:r>
-              <a:rPr lang="zh-CN" altLang="en-US" dirty="0"/>
-              <a:t>的位置</a:t>
+              <a:t>：表示列表中倒数第几个元素的位置</a:t>
             </a:r>
           </a:p>
           <a:p>

--- a/PPT/python3.pptx
+++ b/PPT/python3.pptx
@@ -335,7 +335,7 @@
   <pc:docChgLst>
     <pc:chgData name="Scruel Tao" userId="5ea5c98d59b44d4b" providerId="LiveId" clId="{2330EADB-10ED-4956-973A-3B593FFF7F82}"/>
     <pc:docChg chg="undo custSel modSld">
-      <pc:chgData name="Scruel Tao" userId="5ea5c98d59b44d4b" providerId="LiveId" clId="{2330EADB-10ED-4956-973A-3B593FFF7F82}" dt="2023-12-03T14:21:15.772" v="462"/>
+      <pc:chgData name="Scruel Tao" userId="5ea5c98d59b44d4b" providerId="LiveId" clId="{2330EADB-10ED-4956-973A-3B593FFF7F82}" dt="2023-12-10T16:09:34.933" v="464" actId="20577"/>
       <pc:docMkLst>
         <pc:docMk/>
       </pc:docMkLst>
@@ -381,6 +381,21 @@
             <pc:docMk/>
             <pc:sldMk cId="2057342537" sldId="285"/>
             <ac:spMk id="4" creationId="{95185EE5-90C6-4AC8-BFCF-7A3E5E3EF0FE}"/>
+          </ac:spMkLst>
+        </pc:spChg>
+      </pc:sldChg>
+      <pc:sldChg chg="modSp">
+        <pc:chgData name="Scruel Tao" userId="5ea5c98d59b44d4b" providerId="LiveId" clId="{2330EADB-10ED-4956-973A-3B593FFF7F82}" dt="2023-12-10T16:09:34.933" v="464" actId="20577"/>
+        <pc:sldMkLst>
+          <pc:docMk/>
+          <pc:sldMk cId="2985976228" sldId="286"/>
+        </pc:sldMkLst>
+        <pc:spChg chg="mod">
+          <ac:chgData name="Scruel Tao" userId="5ea5c98d59b44d4b" providerId="LiveId" clId="{2330EADB-10ED-4956-973A-3B593FFF7F82}" dt="2023-12-10T16:09:34.933" v="464" actId="20577"/>
+          <ac:spMkLst>
+            <pc:docMk/>
+            <pc:sldMk cId="2985976228" sldId="286"/>
+            <ac:spMk id="3" creationId="{0E2FC508-1AFD-A957-52F2-FA1DEF2A9D27}"/>
           </ac:spMkLst>
         </pc:spChg>
       </pc:sldChg>
@@ -4347,7 +4362,7 @@
           <a:p>
             <a:fld id="{AC7E1972-C479-4420-A687-8FB83BA90DEB}" type="datetimeFigureOut">
               <a:rPr lang="zh-CN" altLang="en-US" smtClean="0"/>
-              <a:t>2023/12/3</a:t>
+              <a:t>2023/12/11</a:t>
             </a:fld>
             <a:endParaRPr lang="zh-CN" altLang="en-US"/>
           </a:p>
@@ -4524,7 +4539,7 @@
           <a:p>
             <a:fld id="{89B7AB8D-BCC0-43C6-B24C-055A25DB558F}" type="datetimeFigureOut">
               <a:rPr lang="zh-CN" altLang="en-US" smtClean="0"/>
-              <a:t>2023/12/3</a:t>
+              <a:t>2023/12/10</a:t>
             </a:fld>
             <a:endParaRPr lang="zh-CN" altLang="en-US"/>
           </a:p>
@@ -6982,7 +6997,7 @@
           <a:p>
             <a:fld id="{F721228B-0167-4061-A906-8575043315EE}" type="datetimeFigureOut">
               <a:rPr lang="zh-CN" altLang="en-US" smtClean="0"/>
-              <a:t>2023/12/3</a:t>
+              <a:t>2023/12/11</a:t>
             </a:fld>
             <a:endParaRPr lang="zh-CN" altLang="en-US"/>
           </a:p>
@@ -7192,7 +7207,7 @@
           <a:p>
             <a:fld id="{F721228B-0167-4061-A906-8575043315EE}" type="datetimeFigureOut">
               <a:rPr lang="zh-CN" altLang="en-US" smtClean="0"/>
-              <a:t>2023/12/3</a:t>
+              <a:t>2023/12/11</a:t>
             </a:fld>
             <a:endParaRPr lang="zh-CN" altLang="en-US"/>
           </a:p>
@@ -7412,7 +7427,7 @@
           <a:p>
             <a:fld id="{F721228B-0167-4061-A906-8575043315EE}" type="datetimeFigureOut">
               <a:rPr lang="zh-CN" altLang="en-US" smtClean="0"/>
-              <a:t>2023/12/3</a:t>
+              <a:t>2023/12/11</a:t>
             </a:fld>
             <a:endParaRPr lang="zh-CN" altLang="en-US"/>
           </a:p>
@@ -7909,7 +7924,7 @@
           <a:p>
             <a:fld id="{F721228B-0167-4061-A906-8575043315EE}" type="datetimeFigureOut">
               <a:rPr lang="zh-CN" altLang="en-US" smtClean="0"/>
-              <a:t>2023/12/3</a:t>
+              <a:t>2023/12/10</a:t>
             </a:fld>
             <a:endParaRPr lang="zh-CN" altLang="en-US"/>
           </a:p>
@@ -8245,7 +8260,7 @@
           <a:p>
             <a:fld id="{F721228B-0167-4061-A906-8575043315EE}" type="datetimeFigureOut">
               <a:rPr lang="zh-CN" altLang="en-US" smtClean="0"/>
-              <a:t>2023/12/3</a:t>
+              <a:t>2023/12/11</a:t>
             </a:fld>
             <a:endParaRPr lang="zh-CN" altLang="en-US"/>
           </a:p>
@@ -8603,7 +8618,7 @@
           <a:p>
             <a:fld id="{F721228B-0167-4061-A906-8575043315EE}" type="datetimeFigureOut">
               <a:rPr lang="zh-CN" altLang="en-US" smtClean="0"/>
-              <a:t>2023/12/3</a:t>
+              <a:t>2023/12/11</a:t>
             </a:fld>
             <a:endParaRPr lang="zh-CN" altLang="en-US"/>
           </a:p>
@@ -9076,7 +9091,7 @@
           <a:p>
             <a:fld id="{F721228B-0167-4061-A906-8575043315EE}" type="datetimeFigureOut">
               <a:rPr lang="zh-CN" altLang="en-US" smtClean="0"/>
-              <a:t>2023/12/3</a:t>
+              <a:t>2023/12/11</a:t>
             </a:fld>
             <a:endParaRPr lang="zh-CN" altLang="en-US"/>
           </a:p>
@@ -9229,7 +9244,7 @@
           <a:p>
             <a:fld id="{F721228B-0167-4061-A906-8575043315EE}" type="datetimeFigureOut">
               <a:rPr lang="zh-CN" altLang="en-US" smtClean="0"/>
-              <a:t>2023/12/3</a:t>
+              <a:t>2023/12/11</a:t>
             </a:fld>
             <a:endParaRPr lang="zh-CN" altLang="en-US"/>
           </a:p>
@@ -9354,7 +9369,7 @@
           <a:p>
             <a:fld id="{F721228B-0167-4061-A906-8575043315EE}" type="datetimeFigureOut">
               <a:rPr lang="zh-CN" altLang="en-US" smtClean="0"/>
-              <a:t>2023/12/3</a:t>
+              <a:t>2023/12/11</a:t>
             </a:fld>
             <a:endParaRPr lang="zh-CN" altLang="en-US"/>
           </a:p>
@@ -9677,7 +9692,7 @@
           <a:p>
             <a:fld id="{F721228B-0167-4061-A906-8575043315EE}" type="datetimeFigureOut">
               <a:rPr lang="zh-CN" altLang="en-US" smtClean="0"/>
-              <a:t>2023/12/3</a:t>
+              <a:t>2023/12/11</a:t>
             </a:fld>
             <a:endParaRPr lang="zh-CN" altLang="en-US"/>
           </a:p>
@@ -9977,7 +9992,7 @@
           <a:p>
             <a:fld id="{F721228B-0167-4061-A906-8575043315EE}" type="datetimeFigureOut">
               <a:rPr lang="zh-CN" altLang="en-US" smtClean="0"/>
-              <a:t>2023/12/3</a:t>
+              <a:t>2023/12/11</a:t>
             </a:fld>
             <a:endParaRPr lang="zh-CN" altLang="en-US"/>
           </a:p>
@@ -10230,7 +10245,7 @@
           <a:p>
             <a:fld id="{F721228B-0167-4061-A906-8575043315EE}" type="datetimeFigureOut">
               <a:rPr lang="zh-CN" altLang="en-US" smtClean="0"/>
-              <a:t>2023/12/3</a:t>
+              <a:t>2023/12/10</a:t>
             </a:fld>
             <a:endParaRPr lang="zh-CN" altLang="en-US"/>
           </a:p>
@@ -13794,7 +13809,7 @@
                 </a:solidFill>
                 <a:latin typeface="Consolas" panose="020B0609020204030204" pitchFamily="49" charset="0"/>
               </a:rPr>
-              <a:t>)     </a:t>
+              <a:t>)</a:t>
             </a:r>
             <a:r>
               <a:rPr lang="zh-CN" altLang="en-US" b="0" i="0" u="none" strike="noStrike" baseline="0" dirty="0">
@@ -24632,13 +24647,13 @@
   <p:clrMapOvr>
     <a:masterClrMapping/>
   </p:clrMapOvr>
-  <mc:AlternateContent xmlns:mc="http://schemas.openxmlformats.org/markup-compatibility/2006">
-    <mc:Choice xmlns:p159="http://schemas.microsoft.com/office/powerpoint/2015/09/main" Requires="p159">
+  <mc:AlternateContent xmlns:mc="http://schemas.openxmlformats.org/markup-compatibility/2006" xmlns:p159="http://schemas.microsoft.com/office/powerpoint/2015/09/main">
+    <mc:Choice Requires="p159">
       <p:transition xmlns:p14="http://schemas.microsoft.com/office/powerpoint/2010/main" spd="med" p14:dur="700">
         <p159:morph option="byChar"/>
       </p:transition>
     </mc:Choice>
-    <mc:Fallback>
+    <mc:Fallback xmlns="">
       <p:transition spd="med">
         <p:fade/>
       </p:transition>
